--- a/LTI Template.pptx
+++ b/LTI Template.pptx
@@ -6,15 +6,23 @@
     <p:sldMasterId id="2147483672" r:id="rId5"/>
   </p:sldMasterIdLst>
   <p:notesMasterIdLst>
-    <p:notesMasterId r:id="rId9"/>
+    <p:notesMasterId r:id="rId17"/>
   </p:notesMasterIdLst>
   <p:handoutMasterIdLst>
-    <p:handoutMasterId r:id="rId10"/>
+    <p:handoutMasterId r:id="rId18"/>
   </p:handoutMasterIdLst>
   <p:sldIdLst>
     <p:sldId id="256" r:id="rId6"/>
     <p:sldId id="271" r:id="rId7"/>
-    <p:sldId id="269" r:id="rId8"/>
+    <p:sldId id="273" r:id="rId8"/>
+    <p:sldId id="274" r:id="rId9"/>
+    <p:sldId id="275" r:id="rId10"/>
+    <p:sldId id="276" r:id="rId11"/>
+    <p:sldId id="277" r:id="rId12"/>
+    <p:sldId id="278" r:id="rId13"/>
+    <p:sldId id="279" r:id="rId14"/>
+    <p:sldId id="272" r:id="rId15"/>
+    <p:sldId id="269" r:id="rId16"/>
   </p:sldIdLst>
   <p:sldSz cx="9144000" cy="5143500" type="screen16x9"/>
   <p:notesSz cx="7010400" cy="9236075"/>
@@ -145,7 +153,7 @@
   </p:defaultTextStyle>
   <p:extLst>
     <p:ext uri="{EFAFB233-063F-42B5-8137-9DF3F51BA10A}">
-      <p15:sldGuideLst xmlns:p15="http://schemas.microsoft.com/office/powerpoint/2012/main" xmlns="">
+      <p15:sldGuideLst xmlns="" xmlns:p15="http://schemas.microsoft.com/office/powerpoint/2012/main">
         <p15:guide id="1" orient="horz" pos="2532" userDrawn="1">
           <p15:clr>
             <a:srgbClr val="A4A3A4"/>
@@ -279,7 +287,7 @@
       </p15:sldGuideLst>
     </p:ext>
     <p:ext uri="{2D200454-40CA-4A62-9FC3-DE9A4176ACB9}">
-      <p15:notesGuideLst xmlns:p15="http://schemas.microsoft.com/office/powerpoint/2012/main" xmlns="">
+      <p15:notesGuideLst xmlns="" xmlns:p15="http://schemas.microsoft.com/office/powerpoint/2012/main">
         <p15:guide id="1" orient="horz" pos="2909">
           <p15:clr>
             <a:srgbClr val="A4A3A4"/>
@@ -1095,13 +1103,19 @@
       </dgm:t>
     </dgm:pt>
     <dgm:pt modelId="{9071CAFC-3351-4E91-9C39-84C5CB7C8CC6}">
-      <dgm:prSet phldrT="[Text]" phldr="1"/>
+      <dgm:prSet phldrT="[Text]"/>
       <dgm:spPr/>
       <dgm:t>
         <a:bodyPr/>
         <a:lstStyle/>
         <a:p>
-          <a:endParaRPr lang="en-US"/>
+          <a:r>
+            <a:rPr lang="en-US" dirty="0" smtClean="0"/>
+            <a:t>Crop Sell Request</a:t>
+          </a:r>
+        </a:p>
+        <a:p>
+          <a:endParaRPr lang="en-US" dirty="0"/>
         </a:p>
       </dgm:t>
     </dgm:pt>
@@ -1128,13 +1142,17 @@
       </dgm:t>
     </dgm:pt>
     <dgm:pt modelId="{12D3E57E-2284-426A-8355-8FF7F994E4DB}">
-      <dgm:prSet phldrT="[Text]" phldr="1"/>
+      <dgm:prSet phldrT="[Text]"/>
       <dgm:spPr/>
       <dgm:t>
         <a:bodyPr/>
         <a:lstStyle/>
         <a:p>
-          <a:endParaRPr lang="en-US"/>
+          <a:r>
+            <a:rPr lang="en-US" dirty="0" smtClean="0"/>
+            <a:t>View Market Place</a:t>
+          </a:r>
+          <a:endParaRPr lang="en-US" dirty="0"/>
         </a:p>
       </dgm:t>
     </dgm:pt>
@@ -1161,13 +1179,17 @@
       </dgm:t>
     </dgm:pt>
     <dgm:pt modelId="{8DB93D78-3391-48A0-BCC2-5BECA2BD98C4}">
-      <dgm:prSet phldrT="[Text]" phldr="1"/>
+      <dgm:prSet phldrT="[Text]"/>
       <dgm:spPr/>
       <dgm:t>
         <a:bodyPr/>
         <a:lstStyle/>
         <a:p>
-          <a:endParaRPr lang="en-US"/>
+          <a:r>
+            <a:rPr lang="en-US" dirty="0" smtClean="0"/>
+            <a:t>Admin Approval</a:t>
+          </a:r>
+          <a:endParaRPr lang="en-US" dirty="0"/>
         </a:p>
       </dgm:t>
     </dgm:pt>
@@ -1194,13 +1216,17 @@
       </dgm:t>
     </dgm:pt>
     <dgm:pt modelId="{8EA75D1F-5CB4-44B5-A397-605C551862ED}">
-      <dgm:prSet phldrT="[Text]" phldr="1"/>
+      <dgm:prSet phldrT="[Text]"/>
       <dgm:spPr/>
       <dgm:t>
         <a:bodyPr/>
         <a:lstStyle/>
         <a:p>
-          <a:endParaRPr lang="en-US"/>
+          <a:r>
+            <a:rPr lang="en-US" dirty="0" smtClean="0"/>
+            <a:t>Farmer and Bidder Registration</a:t>
+          </a:r>
+          <a:endParaRPr lang="en-US" dirty="0"/>
         </a:p>
       </dgm:t>
     </dgm:pt>
@@ -1227,13 +1253,17 @@
       </dgm:t>
     </dgm:pt>
     <dgm:pt modelId="{0AB219C4-82E7-42DA-9372-DCE1694EF1FB}">
-      <dgm:prSet phldrT="[Text]" phldr="1"/>
+      <dgm:prSet phldrT="[Text]"/>
       <dgm:spPr/>
       <dgm:t>
         <a:bodyPr/>
         <a:lstStyle/>
         <a:p>
-          <a:endParaRPr lang="en-US"/>
+          <a:r>
+            <a:rPr lang="en-US" dirty="0" smtClean="0"/>
+            <a:t>Approve Crop sell Request</a:t>
+          </a:r>
+          <a:endParaRPr lang="en-US" dirty="0"/>
         </a:p>
       </dgm:t>
     </dgm:pt>
@@ -1259,6 +1289,339 @@
         </a:p>
       </dgm:t>
     </dgm:pt>
+    <dgm:pt modelId="{3FB6477D-C6BC-4FE7-BF11-A99DD46B0D9C}">
+      <dgm:prSet phldrT="[Text]"/>
+      <dgm:spPr/>
+      <dgm:t>
+        <a:bodyPr/>
+        <a:lstStyle/>
+        <a:p>
+          <a:r>
+            <a:rPr lang="en-US" dirty="0" smtClean="0"/>
+            <a:t>Bidder</a:t>
+          </a:r>
+          <a:endParaRPr lang="en-US" dirty="0"/>
+        </a:p>
+      </dgm:t>
+    </dgm:pt>
+    <dgm:pt modelId="{90792E00-4846-4DD8-89FD-5EAD8F82840B}" type="parTrans" cxnId="{648E9CC3-27D4-42A8-B7AC-F8DF98314CE6}">
+      <dgm:prSet/>
+      <dgm:spPr/>
+      <dgm:t>
+        <a:bodyPr/>
+        <a:lstStyle/>
+        <a:p>
+          <a:endParaRPr lang="en-US"/>
+        </a:p>
+      </dgm:t>
+    </dgm:pt>
+    <dgm:pt modelId="{9A817E9F-8DB7-47F3-846F-35B84517B1FF}" type="sibTrans" cxnId="{648E9CC3-27D4-42A8-B7AC-F8DF98314CE6}">
+      <dgm:prSet/>
+      <dgm:spPr/>
+      <dgm:t>
+        <a:bodyPr/>
+        <a:lstStyle/>
+        <a:p>
+          <a:endParaRPr lang="en-US"/>
+        </a:p>
+      </dgm:t>
+    </dgm:pt>
+    <dgm:pt modelId="{C9661AD1-A95A-4BC9-B598-2DFA8C1F2C6C}">
+      <dgm:prSet phldrT="[Text]"/>
+      <dgm:spPr/>
+      <dgm:t>
+        <a:bodyPr/>
+        <a:lstStyle/>
+        <a:p>
+          <a:r>
+            <a:rPr lang="en-US" dirty="0" smtClean="0"/>
+            <a:t>View Crop details and Place Bid</a:t>
+          </a:r>
+          <a:endParaRPr lang="en-US" dirty="0"/>
+        </a:p>
+      </dgm:t>
+    </dgm:pt>
+    <dgm:pt modelId="{FB97F3F1-58F5-45A3-967A-96ADA5E63C11}" type="parTrans" cxnId="{DB8B7DE0-04B8-4405-9081-2989E3F2E0F7}">
+      <dgm:prSet/>
+      <dgm:spPr/>
+      <dgm:t>
+        <a:bodyPr/>
+        <a:lstStyle/>
+        <a:p>
+          <a:endParaRPr lang="en-US"/>
+        </a:p>
+      </dgm:t>
+    </dgm:pt>
+    <dgm:pt modelId="{69A31257-B59C-4F15-ABCD-890C6EFC6206}" type="sibTrans" cxnId="{DB8B7DE0-04B8-4405-9081-2989E3F2E0F7}">
+      <dgm:prSet/>
+      <dgm:spPr/>
+      <dgm:t>
+        <a:bodyPr/>
+        <a:lstStyle/>
+        <a:p>
+          <a:endParaRPr lang="en-US"/>
+        </a:p>
+      </dgm:t>
+    </dgm:pt>
+    <dgm:pt modelId="{870662EF-C1EA-4BD2-B50B-0C60C38D7B38}">
+      <dgm:prSet phldrT="[Text]"/>
+      <dgm:spPr/>
+      <dgm:t>
+        <a:bodyPr/>
+        <a:lstStyle/>
+        <a:p>
+          <a:r>
+            <a:rPr lang="en-US" dirty="0" smtClean="0"/>
+            <a:t>View Sold history</a:t>
+          </a:r>
+          <a:endParaRPr lang="en-US" dirty="0"/>
+        </a:p>
+      </dgm:t>
+    </dgm:pt>
+    <dgm:pt modelId="{BC9E353A-88B6-4B2A-A889-CFB69A5EF176}" type="parTrans" cxnId="{E9040C07-7C5B-42EA-A2E0-B4BB55F5323B}">
+      <dgm:prSet/>
+      <dgm:spPr/>
+      <dgm:t>
+        <a:bodyPr/>
+        <a:lstStyle/>
+        <a:p>
+          <a:endParaRPr lang="en-US"/>
+        </a:p>
+      </dgm:t>
+    </dgm:pt>
+    <dgm:pt modelId="{42B955D9-D52A-4C30-91CC-309AFFD32FAE}" type="sibTrans" cxnId="{E9040C07-7C5B-42EA-A2E0-B4BB55F5323B}">
+      <dgm:prSet/>
+      <dgm:spPr/>
+      <dgm:t>
+        <a:bodyPr/>
+        <a:lstStyle/>
+        <a:p>
+          <a:endParaRPr lang="en-US"/>
+        </a:p>
+      </dgm:t>
+    </dgm:pt>
+    <dgm:pt modelId="{1C66BD51-2952-47E0-B6AD-59A04BFB7A4F}">
+      <dgm:prSet phldrT="[Text]"/>
+      <dgm:spPr/>
+      <dgm:t>
+        <a:bodyPr/>
+        <a:lstStyle/>
+        <a:p>
+          <a:r>
+            <a:rPr lang="en-US" dirty="0" smtClean="0"/>
+            <a:t>Insurance  Claim</a:t>
+          </a:r>
+          <a:endParaRPr lang="en-US" dirty="0"/>
+        </a:p>
+      </dgm:t>
+    </dgm:pt>
+    <dgm:pt modelId="{4A94DE97-FC94-4D37-B37E-91255550F3E2}" type="parTrans" cxnId="{2D0CD111-13C6-48CF-9CC0-99E7A5E1F9DD}">
+      <dgm:prSet/>
+      <dgm:spPr/>
+      <dgm:t>
+        <a:bodyPr/>
+        <a:lstStyle/>
+        <a:p>
+          <a:endParaRPr lang="en-US"/>
+        </a:p>
+      </dgm:t>
+    </dgm:pt>
+    <dgm:pt modelId="{7323B07C-E7AD-484F-AF11-3D0A948F696E}" type="sibTrans" cxnId="{2D0CD111-13C6-48CF-9CC0-99E7A5E1F9DD}">
+      <dgm:prSet/>
+      <dgm:spPr/>
+      <dgm:t>
+        <a:bodyPr/>
+        <a:lstStyle/>
+        <a:p>
+          <a:endParaRPr lang="en-US"/>
+        </a:p>
+      </dgm:t>
+    </dgm:pt>
+    <dgm:pt modelId="{C38AE3E6-D19A-4851-8C5A-137837D12405}">
+      <dgm:prSet phldrT="[Text]"/>
+      <dgm:spPr/>
+      <dgm:t>
+        <a:bodyPr/>
+        <a:lstStyle/>
+        <a:p>
+          <a:r>
+            <a:rPr lang="en-US" dirty="0" smtClean="0"/>
+            <a:t>Apply For Insurance</a:t>
+          </a:r>
+          <a:endParaRPr lang="en-US" dirty="0"/>
+        </a:p>
+      </dgm:t>
+    </dgm:pt>
+    <dgm:pt modelId="{8B925125-B3B9-41C0-A304-A179BAD2FCFB}" type="parTrans" cxnId="{155E0D96-8DCB-43F2-BB72-C6C53B0466DC}">
+      <dgm:prSet/>
+      <dgm:spPr/>
+      <dgm:t>
+        <a:bodyPr/>
+        <a:lstStyle/>
+        <a:p>
+          <a:endParaRPr lang="en-US"/>
+        </a:p>
+      </dgm:t>
+    </dgm:pt>
+    <dgm:pt modelId="{09444619-7525-411B-861B-EC8F29ED6798}" type="sibTrans" cxnId="{155E0D96-8DCB-43F2-BB72-C6C53B0466DC}">
+      <dgm:prSet/>
+      <dgm:spPr/>
+      <dgm:t>
+        <a:bodyPr/>
+        <a:lstStyle/>
+        <a:p>
+          <a:endParaRPr lang="en-US"/>
+        </a:p>
+      </dgm:t>
+    </dgm:pt>
+    <dgm:pt modelId="{FD9378E0-5FA1-464A-940C-0386EC33CD6F}">
+      <dgm:prSet phldrT="[Text]"/>
+      <dgm:spPr/>
+      <dgm:t>
+        <a:bodyPr/>
+        <a:lstStyle/>
+        <a:p>
+          <a:r>
+            <a:rPr lang="en-US" dirty="0" smtClean="0"/>
+            <a:t>Approve Bid</a:t>
+          </a:r>
+          <a:endParaRPr lang="en-US" dirty="0"/>
+        </a:p>
+      </dgm:t>
+    </dgm:pt>
+    <dgm:pt modelId="{80B27C9C-4C0A-4579-B206-87B13BBF80C2}" type="parTrans" cxnId="{DFEE7099-7AF6-4A09-9FA3-589EF4963E7C}">
+      <dgm:prSet/>
+      <dgm:spPr/>
+      <dgm:t>
+        <a:bodyPr/>
+        <a:lstStyle/>
+        <a:p>
+          <a:endParaRPr lang="en-US"/>
+        </a:p>
+      </dgm:t>
+    </dgm:pt>
+    <dgm:pt modelId="{3278A8D6-D23F-483F-B9E1-302458B5C75F}" type="sibTrans" cxnId="{DFEE7099-7AF6-4A09-9FA3-589EF4963E7C}">
+      <dgm:prSet/>
+      <dgm:spPr/>
+      <dgm:t>
+        <a:bodyPr/>
+        <a:lstStyle/>
+        <a:p>
+          <a:endParaRPr lang="en-US"/>
+        </a:p>
+      </dgm:t>
+    </dgm:pt>
+    <dgm:pt modelId="{6C6B0C53-4616-45BE-A1B5-501510C1FDA2}">
+      <dgm:prSet phldrT="[Text]"/>
+      <dgm:spPr/>
+      <dgm:t>
+        <a:bodyPr/>
+        <a:lstStyle/>
+        <a:p>
+          <a:r>
+            <a:rPr lang="en-US" dirty="0" smtClean="0"/>
+            <a:t>Approve insurance Claim</a:t>
+          </a:r>
+          <a:endParaRPr lang="en-US" dirty="0"/>
+        </a:p>
+      </dgm:t>
+    </dgm:pt>
+    <dgm:pt modelId="{45229FD7-43A8-48AB-9B75-3D8ABA1512D8}" type="parTrans" cxnId="{9F5CA175-9079-4823-8B3D-88CC86FD818C}">
+      <dgm:prSet/>
+      <dgm:spPr/>
+      <dgm:t>
+        <a:bodyPr/>
+        <a:lstStyle/>
+        <a:p>
+          <a:endParaRPr lang="en-US"/>
+        </a:p>
+      </dgm:t>
+    </dgm:pt>
+    <dgm:pt modelId="{7DCE5B43-FF39-4A1D-8E40-32D3D14A8AA1}" type="sibTrans" cxnId="{9F5CA175-9079-4823-8B3D-88CC86FD818C}">
+      <dgm:prSet/>
+      <dgm:spPr/>
+      <dgm:t>
+        <a:bodyPr/>
+        <a:lstStyle/>
+        <a:p>
+          <a:endParaRPr lang="en-US"/>
+        </a:p>
+      </dgm:t>
+    </dgm:pt>
+    <dgm:pt modelId="{768E52E8-049A-4B2C-A384-EBA041AE8FFC}">
+      <dgm:prSet phldrT="[Text]"/>
+      <dgm:spPr/>
+      <dgm:t>
+        <a:bodyPr/>
+        <a:lstStyle/>
+        <a:p>
+          <a:r>
+            <a:rPr lang="en-US" dirty="0" smtClean="0"/>
+            <a:t>Bidder Register</a:t>
+          </a:r>
+          <a:endParaRPr lang="en-US" dirty="0"/>
+        </a:p>
+      </dgm:t>
+    </dgm:pt>
+    <dgm:pt modelId="{2EE184A0-5511-43F4-AA9D-F95605C83638}" type="parTrans" cxnId="{2E0D65D2-6946-4389-9FF7-DEAD50D1C2C5}">
+      <dgm:prSet/>
+      <dgm:spPr/>
+      <dgm:t>
+        <a:bodyPr/>
+        <a:lstStyle/>
+        <a:p>
+          <a:endParaRPr lang="en-US"/>
+        </a:p>
+      </dgm:t>
+    </dgm:pt>
+    <dgm:pt modelId="{90666C44-6374-465F-867A-65514C4BCA06}" type="sibTrans" cxnId="{2E0D65D2-6946-4389-9FF7-DEAD50D1C2C5}">
+      <dgm:prSet/>
+      <dgm:spPr/>
+      <dgm:t>
+        <a:bodyPr/>
+        <a:lstStyle/>
+        <a:p>
+          <a:endParaRPr lang="en-US"/>
+        </a:p>
+      </dgm:t>
+    </dgm:pt>
+    <dgm:pt modelId="{FB909C85-8D82-41ED-8A7E-074068E60F13}">
+      <dgm:prSet phldrT="[Text]"/>
+      <dgm:spPr/>
+      <dgm:t>
+        <a:bodyPr/>
+        <a:lstStyle/>
+        <a:p>
+          <a:r>
+            <a:rPr lang="en-US" dirty="0" smtClean="0"/>
+            <a:t>Bidder Register</a:t>
+          </a:r>
+          <a:endParaRPr lang="en-US" dirty="0"/>
+        </a:p>
+      </dgm:t>
+    </dgm:pt>
+    <dgm:pt modelId="{B872F07B-1397-43A3-97B6-F08AE46CDEFB}" type="parTrans" cxnId="{76E26BAA-5DC9-4D79-B765-675E3BE58212}">
+      <dgm:prSet/>
+      <dgm:spPr/>
+      <dgm:t>
+        <a:bodyPr/>
+        <a:lstStyle/>
+        <a:p>
+          <a:endParaRPr lang="en-US"/>
+        </a:p>
+      </dgm:t>
+    </dgm:pt>
+    <dgm:pt modelId="{0B7FF2AC-80E8-49E2-BA6C-C49872D93377}" type="sibTrans" cxnId="{76E26BAA-5DC9-4D79-B765-675E3BE58212}">
+      <dgm:prSet/>
+      <dgm:spPr/>
+      <dgm:t>
+        <a:bodyPr/>
+        <a:lstStyle/>
+        <a:p>
+          <a:endParaRPr lang="en-US"/>
+        </a:p>
+      </dgm:t>
+    </dgm:pt>
     <dgm:pt modelId="{F44F0F91-5A03-462C-84E4-AE027E6389D1}" type="pres">
       <dgm:prSet presAssocID="{37AF6ECE-5A42-47A1-B620-B38C4C813BD8}" presName="diagram" presStyleCnt="0">
         <dgm:presLayoutVars>
@@ -1270,6 +1633,13 @@
         </dgm:presLayoutVars>
       </dgm:prSet>
       <dgm:spPr/>
+      <dgm:t>
+        <a:bodyPr/>
+        <a:lstStyle/>
+        <a:p>
+          <a:endParaRPr lang="en-US"/>
+        </a:p>
+      </dgm:t>
     </dgm:pt>
     <dgm:pt modelId="{28B3BEFD-E792-4563-BDF1-69EFCB10D200}" type="pres">
       <dgm:prSet presAssocID="{3543AADA-A797-45F0-9B1F-174B16461FBF}" presName="root" presStyleCnt="0"/>
@@ -1280,7 +1650,7 @@
       <dgm:spPr/>
     </dgm:pt>
     <dgm:pt modelId="{C4D15939-E949-4D03-A17B-796953706850}" type="pres">
-      <dgm:prSet presAssocID="{3543AADA-A797-45F0-9B1F-174B16461FBF}" presName="rootText" presStyleLbl="node1" presStyleIdx="0" presStyleCnt="2"/>
+      <dgm:prSet presAssocID="{3543AADA-A797-45F0-9B1F-174B16461FBF}" presName="rootText" presStyleLbl="node1" presStyleIdx="0" presStyleCnt="3"/>
       <dgm:spPr/>
       <dgm:t>
         <a:bodyPr/>
@@ -1291,36 +1661,147 @@
       </dgm:t>
     </dgm:pt>
     <dgm:pt modelId="{CB3D2A88-7348-4C79-BADE-263EF2A6F93E}" type="pres">
-      <dgm:prSet presAssocID="{3543AADA-A797-45F0-9B1F-174B16461FBF}" presName="rootConnector" presStyleLbl="node1" presStyleIdx="0" presStyleCnt="2"/>
+      <dgm:prSet presAssocID="{3543AADA-A797-45F0-9B1F-174B16461FBF}" presName="rootConnector" presStyleLbl="node1" presStyleIdx="0" presStyleCnt="3"/>
       <dgm:spPr/>
+      <dgm:t>
+        <a:bodyPr/>
+        <a:lstStyle/>
+        <a:p>
+          <a:endParaRPr lang="en-US"/>
+        </a:p>
+      </dgm:t>
     </dgm:pt>
     <dgm:pt modelId="{33AA52DD-E1B8-479A-8D0F-A218535AE398}" type="pres">
       <dgm:prSet presAssocID="{3543AADA-A797-45F0-9B1F-174B16461FBF}" presName="childShape" presStyleCnt="0"/>
       <dgm:spPr/>
     </dgm:pt>
     <dgm:pt modelId="{633132C9-91BE-4D7E-83FC-FB34F2F6F7E4}" type="pres">
-      <dgm:prSet presAssocID="{65DFA1B5-8F2A-4A9F-8226-9D81BB51EA1C}" presName="Name13" presStyleLbl="parChTrans1D2" presStyleIdx="0" presStyleCnt="4"/>
+      <dgm:prSet presAssocID="{65DFA1B5-8F2A-4A9F-8226-9D81BB51EA1C}" presName="Name13" presStyleLbl="parChTrans1D2" presStyleIdx="0" presStyleCnt="12"/>
       <dgm:spPr/>
+      <dgm:t>
+        <a:bodyPr/>
+        <a:lstStyle/>
+        <a:p>
+          <a:endParaRPr lang="en-US"/>
+        </a:p>
+      </dgm:t>
     </dgm:pt>
     <dgm:pt modelId="{714DB6AE-C2F3-4872-9A02-CA7F63E4D96D}" type="pres">
-      <dgm:prSet presAssocID="{9071CAFC-3351-4E91-9C39-84C5CB7C8CC6}" presName="childText" presStyleLbl="bgAcc1" presStyleIdx="0" presStyleCnt="4">
+      <dgm:prSet presAssocID="{9071CAFC-3351-4E91-9C39-84C5CB7C8CC6}" presName="childText" presStyleLbl="bgAcc1" presStyleIdx="0" presStyleCnt="12">
         <dgm:presLayoutVars>
           <dgm:bulletEnabled val="1"/>
         </dgm:presLayoutVars>
       </dgm:prSet>
       <dgm:spPr/>
+      <dgm:t>
+        <a:bodyPr/>
+        <a:lstStyle/>
+        <a:p>
+          <a:endParaRPr lang="en-US"/>
+        </a:p>
+      </dgm:t>
     </dgm:pt>
     <dgm:pt modelId="{B9ED6E5A-7A68-4326-BB3D-31274C0EF7FB}" type="pres">
-      <dgm:prSet presAssocID="{8D774CC7-1DE2-421D-B978-13BB6C14608A}" presName="Name13" presStyleLbl="parChTrans1D2" presStyleIdx="1" presStyleCnt="4"/>
+      <dgm:prSet presAssocID="{8D774CC7-1DE2-421D-B978-13BB6C14608A}" presName="Name13" presStyleLbl="parChTrans1D2" presStyleIdx="1" presStyleCnt="12"/>
       <dgm:spPr/>
+      <dgm:t>
+        <a:bodyPr/>
+        <a:lstStyle/>
+        <a:p>
+          <a:endParaRPr lang="en-US"/>
+        </a:p>
+      </dgm:t>
     </dgm:pt>
     <dgm:pt modelId="{25502D99-7FD7-41CD-AAE4-9D5523899B08}" type="pres">
-      <dgm:prSet presAssocID="{12D3E57E-2284-426A-8355-8FF7F994E4DB}" presName="childText" presStyleLbl="bgAcc1" presStyleIdx="1" presStyleCnt="4">
+      <dgm:prSet presAssocID="{12D3E57E-2284-426A-8355-8FF7F994E4DB}" presName="childText" presStyleLbl="bgAcc1" presStyleIdx="1" presStyleCnt="12">
         <dgm:presLayoutVars>
           <dgm:bulletEnabled val="1"/>
         </dgm:presLayoutVars>
       </dgm:prSet>
       <dgm:spPr/>
+      <dgm:t>
+        <a:bodyPr/>
+        <a:lstStyle/>
+        <a:p>
+          <a:endParaRPr lang="en-US"/>
+        </a:p>
+      </dgm:t>
+    </dgm:pt>
+    <dgm:pt modelId="{9ABE1850-1DC2-428A-96C7-13DC2B1C7DC4}" type="pres">
+      <dgm:prSet presAssocID="{BC9E353A-88B6-4B2A-A889-CFB69A5EF176}" presName="Name13" presStyleLbl="parChTrans1D2" presStyleIdx="2" presStyleCnt="12"/>
+      <dgm:spPr/>
+    </dgm:pt>
+    <dgm:pt modelId="{C93CB391-7ECF-4B31-9CA1-DF3E01A28D59}" type="pres">
+      <dgm:prSet presAssocID="{870662EF-C1EA-4BD2-B50B-0C60C38D7B38}" presName="childText" presStyleLbl="bgAcc1" presStyleIdx="2" presStyleCnt="12">
+        <dgm:presLayoutVars>
+          <dgm:bulletEnabled val="1"/>
+        </dgm:presLayoutVars>
+      </dgm:prSet>
+      <dgm:spPr/>
+      <dgm:t>
+        <a:bodyPr/>
+        <a:lstStyle/>
+        <a:p>
+          <a:endParaRPr lang="en-US"/>
+        </a:p>
+      </dgm:t>
+    </dgm:pt>
+    <dgm:pt modelId="{FFFD4F90-0E3D-4661-8D3A-EFC448AF72C0}" type="pres">
+      <dgm:prSet presAssocID="{4A94DE97-FC94-4D37-B37E-91255550F3E2}" presName="Name13" presStyleLbl="parChTrans1D2" presStyleIdx="3" presStyleCnt="12"/>
+      <dgm:spPr/>
+    </dgm:pt>
+    <dgm:pt modelId="{C0C09044-7DB3-47B2-96E1-E8A1222127F1}" type="pres">
+      <dgm:prSet presAssocID="{1C66BD51-2952-47E0-B6AD-59A04BFB7A4F}" presName="childText" presStyleLbl="bgAcc1" presStyleIdx="3" presStyleCnt="12" custLinFactX="200000" custLinFactNeighborX="205110" custLinFactNeighborY="54017">
+        <dgm:presLayoutVars>
+          <dgm:bulletEnabled val="1"/>
+        </dgm:presLayoutVars>
+      </dgm:prSet>
+      <dgm:spPr/>
+      <dgm:t>
+        <a:bodyPr/>
+        <a:lstStyle/>
+        <a:p>
+          <a:endParaRPr lang="en-US"/>
+        </a:p>
+      </dgm:t>
+    </dgm:pt>
+    <dgm:pt modelId="{123499D8-644A-4435-922C-D77FD875B47C}" type="pres">
+      <dgm:prSet presAssocID="{8B925125-B3B9-41C0-A304-A179BAD2FCFB}" presName="Name13" presStyleLbl="parChTrans1D2" presStyleIdx="4" presStyleCnt="12"/>
+      <dgm:spPr/>
+    </dgm:pt>
+    <dgm:pt modelId="{C87C61FB-31D1-47B9-AF3E-9A3A8536F8B3}" type="pres">
+      <dgm:prSet presAssocID="{C38AE3E6-D19A-4851-8C5A-137837D12405}" presName="childText" presStyleLbl="bgAcc1" presStyleIdx="4" presStyleCnt="12" custLinFactX="93514" custLinFactNeighborX="100000" custLinFactNeighborY="-70666">
+        <dgm:presLayoutVars>
+          <dgm:bulletEnabled val="1"/>
+        </dgm:presLayoutVars>
+      </dgm:prSet>
+      <dgm:spPr/>
+      <dgm:t>
+        <a:bodyPr/>
+        <a:lstStyle/>
+        <a:p>
+          <a:endParaRPr lang="en-US"/>
+        </a:p>
+      </dgm:t>
+    </dgm:pt>
+    <dgm:pt modelId="{29A251B2-D7B9-4CD7-AF9B-47A94B3137B2}" type="pres">
+      <dgm:prSet presAssocID="{2EE184A0-5511-43F4-AA9D-F95605C83638}" presName="Name13" presStyleLbl="parChTrans1D2" presStyleIdx="5" presStyleCnt="12"/>
+      <dgm:spPr/>
+    </dgm:pt>
+    <dgm:pt modelId="{1218056D-B9B7-4698-81B9-F2DB150F36D2}" type="pres">
+      <dgm:prSet presAssocID="{768E52E8-049A-4B2C-A384-EBA041AE8FFC}" presName="childText" presStyleLbl="bgAcc1" presStyleIdx="5" presStyleCnt="12" custLinFactY="-95708" custLinFactNeighborX="43514" custLinFactNeighborY="-100000">
+        <dgm:presLayoutVars>
+          <dgm:bulletEnabled val="1"/>
+        </dgm:presLayoutVars>
+      </dgm:prSet>
+      <dgm:spPr/>
+      <dgm:t>
+        <a:bodyPr/>
+        <a:lstStyle/>
+        <a:p>
+          <a:endParaRPr lang="en-US"/>
+        </a:p>
+      </dgm:t>
     </dgm:pt>
     <dgm:pt modelId="{91294B8C-0081-479D-A554-A3700B9C3684}" type="pres">
       <dgm:prSet presAssocID="{8DB93D78-3391-48A0-BCC2-5BECA2BD98C4}" presName="root" presStyleCnt="0"/>
@@ -1331,62 +1812,248 @@
       <dgm:spPr/>
     </dgm:pt>
     <dgm:pt modelId="{CB644F58-97CA-4CE5-8B54-C6D739C1EB04}" type="pres">
-      <dgm:prSet presAssocID="{8DB93D78-3391-48A0-BCC2-5BECA2BD98C4}" presName="rootText" presStyleLbl="node1" presStyleIdx="1" presStyleCnt="2"/>
+      <dgm:prSet presAssocID="{8DB93D78-3391-48A0-BCC2-5BECA2BD98C4}" presName="rootText" presStyleLbl="node1" presStyleIdx="1" presStyleCnt="3"/>
       <dgm:spPr/>
+      <dgm:t>
+        <a:bodyPr/>
+        <a:lstStyle/>
+        <a:p>
+          <a:endParaRPr lang="en-US"/>
+        </a:p>
+      </dgm:t>
     </dgm:pt>
     <dgm:pt modelId="{76780EF6-5731-4414-AED5-E278637E003A}" type="pres">
-      <dgm:prSet presAssocID="{8DB93D78-3391-48A0-BCC2-5BECA2BD98C4}" presName="rootConnector" presStyleLbl="node1" presStyleIdx="1" presStyleCnt="2"/>
+      <dgm:prSet presAssocID="{8DB93D78-3391-48A0-BCC2-5BECA2BD98C4}" presName="rootConnector" presStyleLbl="node1" presStyleIdx="1" presStyleCnt="3"/>
       <dgm:spPr/>
+      <dgm:t>
+        <a:bodyPr/>
+        <a:lstStyle/>
+        <a:p>
+          <a:endParaRPr lang="en-US"/>
+        </a:p>
+      </dgm:t>
     </dgm:pt>
     <dgm:pt modelId="{A8773A38-3317-4540-9FE6-7D0F19A4EAEC}" type="pres">
       <dgm:prSet presAssocID="{8DB93D78-3391-48A0-BCC2-5BECA2BD98C4}" presName="childShape" presStyleCnt="0"/>
       <dgm:spPr/>
     </dgm:pt>
     <dgm:pt modelId="{3B3FBF1F-AA42-4C03-9EDF-80F5080EABD6}" type="pres">
-      <dgm:prSet presAssocID="{92F2D893-04F1-492F-95F8-AF5F504A65FA}" presName="Name13" presStyleLbl="parChTrans1D2" presStyleIdx="2" presStyleCnt="4"/>
+      <dgm:prSet presAssocID="{92F2D893-04F1-492F-95F8-AF5F504A65FA}" presName="Name13" presStyleLbl="parChTrans1D2" presStyleIdx="6" presStyleCnt="12"/>
       <dgm:spPr/>
+      <dgm:t>
+        <a:bodyPr/>
+        <a:lstStyle/>
+        <a:p>
+          <a:endParaRPr lang="en-US"/>
+        </a:p>
+      </dgm:t>
     </dgm:pt>
     <dgm:pt modelId="{D5DE0863-715C-4DA2-B631-266566CBAC8C}" type="pres">
-      <dgm:prSet presAssocID="{8EA75D1F-5CB4-44B5-A397-605C551862ED}" presName="childText" presStyleLbl="bgAcc1" presStyleIdx="2" presStyleCnt="4">
+      <dgm:prSet presAssocID="{8EA75D1F-5CB4-44B5-A397-605C551862ED}" presName="childText" presStyleLbl="bgAcc1" presStyleIdx="6" presStyleCnt="12">
         <dgm:presLayoutVars>
           <dgm:bulletEnabled val="1"/>
         </dgm:presLayoutVars>
       </dgm:prSet>
       <dgm:spPr/>
+      <dgm:t>
+        <a:bodyPr/>
+        <a:lstStyle/>
+        <a:p>
+          <a:endParaRPr lang="en-US"/>
+        </a:p>
+      </dgm:t>
     </dgm:pt>
     <dgm:pt modelId="{525F23C3-BA15-4D45-A856-1B655B06D187}" type="pres">
-      <dgm:prSet presAssocID="{EE750600-B98D-4178-A0D8-C8507F13F999}" presName="Name13" presStyleLbl="parChTrans1D2" presStyleIdx="3" presStyleCnt="4"/>
+      <dgm:prSet presAssocID="{EE750600-B98D-4178-A0D8-C8507F13F999}" presName="Name13" presStyleLbl="parChTrans1D2" presStyleIdx="7" presStyleCnt="12"/>
       <dgm:spPr/>
+      <dgm:t>
+        <a:bodyPr/>
+        <a:lstStyle/>
+        <a:p>
+          <a:endParaRPr lang="en-US"/>
+        </a:p>
+      </dgm:t>
     </dgm:pt>
     <dgm:pt modelId="{EF3D75A8-D88A-4DB0-8A52-1BA7ED1735E5}" type="pres">
-      <dgm:prSet presAssocID="{0AB219C4-82E7-42DA-9372-DCE1694EF1FB}" presName="childText" presStyleLbl="bgAcc1" presStyleIdx="3" presStyleCnt="4">
+      <dgm:prSet presAssocID="{0AB219C4-82E7-42DA-9372-DCE1694EF1FB}" presName="childText" presStyleLbl="bgAcc1" presStyleIdx="7" presStyleCnt="12">
         <dgm:presLayoutVars>
           <dgm:bulletEnabled val="1"/>
         </dgm:presLayoutVars>
       </dgm:prSet>
       <dgm:spPr/>
+      <dgm:t>
+        <a:bodyPr/>
+        <a:lstStyle/>
+        <a:p>
+          <a:endParaRPr lang="en-US"/>
+        </a:p>
+      </dgm:t>
+    </dgm:pt>
+    <dgm:pt modelId="{FBA32C28-017C-4A67-864E-14DFF9161340}" type="pres">
+      <dgm:prSet presAssocID="{80B27C9C-4C0A-4579-B206-87B13BBF80C2}" presName="Name13" presStyleLbl="parChTrans1D2" presStyleIdx="8" presStyleCnt="12"/>
+      <dgm:spPr/>
+    </dgm:pt>
+    <dgm:pt modelId="{1DCD87F2-9636-4F3C-B47F-A44841143885}" type="pres">
+      <dgm:prSet presAssocID="{FD9378E0-5FA1-464A-940C-0386EC33CD6F}" presName="childText" presStyleLbl="bgAcc1" presStyleIdx="8" presStyleCnt="12" custLinFactNeighborX="3727" custLinFactNeighborY="-14116">
+        <dgm:presLayoutVars>
+          <dgm:bulletEnabled val="1"/>
+        </dgm:presLayoutVars>
+      </dgm:prSet>
+      <dgm:spPr/>
+      <dgm:t>
+        <a:bodyPr/>
+        <a:lstStyle/>
+        <a:p>
+          <a:endParaRPr lang="en-US"/>
+        </a:p>
+      </dgm:t>
+    </dgm:pt>
+    <dgm:pt modelId="{098295D4-EC25-4FDE-A726-51B557B41119}" type="pres">
+      <dgm:prSet presAssocID="{45229FD7-43A8-48AB-9B75-3D8ABA1512D8}" presName="Name13" presStyleLbl="parChTrans1D2" presStyleIdx="9" presStyleCnt="12"/>
+      <dgm:spPr/>
+    </dgm:pt>
+    <dgm:pt modelId="{5F853A87-00ED-4F10-8D44-D8E34A3CCC73}" type="pres">
+      <dgm:prSet presAssocID="{6C6B0C53-4616-45BE-A1B5-501510C1FDA2}" presName="childText" presStyleLbl="bgAcc1" presStyleIdx="9" presStyleCnt="12" custScaleY="98089" custLinFactX="37856" custLinFactNeighborX="100000" custLinFactNeighborY="-61838">
+        <dgm:presLayoutVars>
+          <dgm:bulletEnabled val="1"/>
+        </dgm:presLayoutVars>
+      </dgm:prSet>
+      <dgm:spPr/>
+      <dgm:t>
+        <a:bodyPr/>
+        <a:lstStyle/>
+        <a:p>
+          <a:endParaRPr lang="en-US"/>
+        </a:p>
+      </dgm:t>
+    </dgm:pt>
+    <dgm:pt modelId="{3659F212-768E-4D62-A2A1-693C93B1ED60}" type="pres">
+      <dgm:prSet presAssocID="{3FB6477D-C6BC-4FE7-BF11-A99DD46B0D9C}" presName="root" presStyleCnt="0"/>
+      <dgm:spPr/>
+    </dgm:pt>
+    <dgm:pt modelId="{FE0E5012-8BE3-475A-97F7-F2D66A5AABCB}" type="pres">
+      <dgm:prSet presAssocID="{3FB6477D-C6BC-4FE7-BF11-A99DD46B0D9C}" presName="rootComposite" presStyleCnt="0"/>
+      <dgm:spPr/>
+    </dgm:pt>
+    <dgm:pt modelId="{373B6F88-96DC-415C-98F4-BDD6E7A8708B}" type="pres">
+      <dgm:prSet presAssocID="{3FB6477D-C6BC-4FE7-BF11-A99DD46B0D9C}" presName="rootText" presStyleLbl="node1" presStyleIdx="2" presStyleCnt="3"/>
+      <dgm:spPr/>
+      <dgm:t>
+        <a:bodyPr/>
+        <a:lstStyle/>
+        <a:p>
+          <a:endParaRPr lang="en-US"/>
+        </a:p>
+      </dgm:t>
+    </dgm:pt>
+    <dgm:pt modelId="{EDBB0534-6D11-4569-9BF2-C3D81790A015}" type="pres">
+      <dgm:prSet presAssocID="{3FB6477D-C6BC-4FE7-BF11-A99DD46B0D9C}" presName="rootConnector" presStyleLbl="node1" presStyleIdx="2" presStyleCnt="3"/>
+      <dgm:spPr/>
+      <dgm:t>
+        <a:bodyPr/>
+        <a:lstStyle/>
+        <a:p>
+          <a:endParaRPr lang="en-US"/>
+        </a:p>
+      </dgm:t>
+    </dgm:pt>
+    <dgm:pt modelId="{98CBCA8D-CD78-4C64-9FA9-CF4FF01FFDFB}" type="pres">
+      <dgm:prSet presAssocID="{3FB6477D-C6BC-4FE7-BF11-A99DD46B0D9C}" presName="childShape" presStyleCnt="0"/>
+      <dgm:spPr/>
+    </dgm:pt>
+    <dgm:pt modelId="{197732EC-AD04-494E-9C3E-15C51174EF09}" type="pres">
+      <dgm:prSet presAssocID="{FB97F3F1-58F5-45A3-967A-96ADA5E63C11}" presName="Name13" presStyleLbl="parChTrans1D2" presStyleIdx="10" presStyleCnt="12"/>
+      <dgm:spPr/>
+      <dgm:t>
+        <a:bodyPr/>
+        <a:lstStyle/>
+        <a:p>
+          <a:endParaRPr lang="en-US"/>
+        </a:p>
+      </dgm:t>
+    </dgm:pt>
+    <dgm:pt modelId="{E4D39D55-CE84-4929-9C51-A993B66DAB68}" type="pres">
+      <dgm:prSet presAssocID="{C9661AD1-A95A-4BC9-B598-2DFA8C1F2C6C}" presName="childText" presStyleLbl="bgAcc1" presStyleIdx="10" presStyleCnt="12">
+        <dgm:presLayoutVars>
+          <dgm:bulletEnabled val="1"/>
+        </dgm:presLayoutVars>
+      </dgm:prSet>
+      <dgm:spPr/>
+      <dgm:t>
+        <a:bodyPr/>
+        <a:lstStyle/>
+        <a:p>
+          <a:endParaRPr lang="en-US"/>
+        </a:p>
+      </dgm:t>
+    </dgm:pt>
+    <dgm:pt modelId="{A876F830-0188-4555-88EE-86737BC8C3F8}" type="pres">
+      <dgm:prSet presAssocID="{B872F07B-1397-43A3-97B6-F08AE46CDEFB}" presName="Name13" presStyleLbl="parChTrans1D2" presStyleIdx="11" presStyleCnt="12"/>
+      <dgm:spPr/>
+    </dgm:pt>
+    <dgm:pt modelId="{18824353-99D5-4605-9353-5D473A14959F}" type="pres">
+      <dgm:prSet presAssocID="{FB909C85-8D82-41ED-8A7E-074068E60F13}" presName="childText" presStyleLbl="bgAcc1" presStyleIdx="11" presStyleCnt="12">
+        <dgm:presLayoutVars>
+          <dgm:bulletEnabled val="1"/>
+        </dgm:presLayoutVars>
+      </dgm:prSet>
+      <dgm:spPr/>
+      <dgm:t>
+        <a:bodyPr/>
+        <a:lstStyle/>
+        <a:p>
+          <a:endParaRPr lang="en-US"/>
+        </a:p>
+      </dgm:t>
     </dgm:pt>
   </dgm:ptLst>
   <dgm:cxnLst>
+    <dgm:cxn modelId="{3FEF3F6A-6072-4578-AD84-9238F80586A4}" type="presOf" srcId="{8B925125-B3B9-41C0-A304-A179BAD2FCFB}" destId="{123499D8-644A-4435-922C-D77FD875B47C}" srcOrd="0" destOrd="0" presId="urn:microsoft.com/office/officeart/2005/8/layout/hierarchy3"/>
+    <dgm:cxn modelId="{D20EB9D0-BF9F-467B-A210-632716B53696}" type="presOf" srcId="{768E52E8-049A-4B2C-A384-EBA041AE8FFC}" destId="{1218056D-B9B7-4698-81B9-F2DB150F36D2}" srcOrd="0" destOrd="0" presId="urn:microsoft.com/office/officeart/2005/8/layout/hierarchy3"/>
+    <dgm:cxn modelId="{76E26BAA-5DC9-4D79-B765-675E3BE58212}" srcId="{3FB6477D-C6BC-4FE7-BF11-A99DD46B0D9C}" destId="{FB909C85-8D82-41ED-8A7E-074068E60F13}" srcOrd="1" destOrd="0" parTransId="{B872F07B-1397-43A3-97B6-F08AE46CDEFB}" sibTransId="{0B7FF2AC-80E8-49E2-BA6C-C49872D93377}"/>
+    <dgm:cxn modelId="{1F6E8FB3-89DF-4D44-AFD5-1EAE5508D106}" type="presOf" srcId="{37AF6ECE-5A42-47A1-B620-B38C4C813BD8}" destId="{F44F0F91-5A03-462C-84E4-AE027E6389D1}" srcOrd="0" destOrd="0" presId="urn:microsoft.com/office/officeart/2005/8/layout/hierarchy3"/>
+    <dgm:cxn modelId="{7497F60B-0A10-43DA-8C5E-9B06BBED1C3F}" type="presOf" srcId="{8DB93D78-3391-48A0-BCC2-5BECA2BD98C4}" destId="{76780EF6-5731-4414-AED5-E278637E003A}" srcOrd="1" destOrd="0" presId="urn:microsoft.com/office/officeart/2005/8/layout/hierarchy3"/>
+    <dgm:cxn modelId="{A6DE6B50-BAA2-4748-B33E-858106F74183}" type="presOf" srcId="{3543AADA-A797-45F0-9B1F-174B16461FBF}" destId="{CB3D2A88-7348-4C79-BADE-263EF2A6F93E}" srcOrd="1" destOrd="0" presId="urn:microsoft.com/office/officeart/2005/8/layout/hierarchy3"/>
+    <dgm:cxn modelId="{855B4635-82E9-4619-BC7C-192FF6FDBD1F}" type="presOf" srcId="{45229FD7-43A8-48AB-9B75-3D8ABA1512D8}" destId="{098295D4-EC25-4FDE-A726-51B557B41119}" srcOrd="0" destOrd="0" presId="urn:microsoft.com/office/officeart/2005/8/layout/hierarchy3"/>
+    <dgm:cxn modelId="{BD65D770-7810-42E3-B12E-1C11E3418842}" type="presOf" srcId="{8EA75D1F-5CB4-44B5-A397-605C551862ED}" destId="{D5DE0863-715C-4DA2-B631-266566CBAC8C}" srcOrd="0" destOrd="0" presId="urn:microsoft.com/office/officeart/2005/8/layout/hierarchy3"/>
+    <dgm:cxn modelId="{C9B936EA-B616-49BC-86A2-7976857D77F0}" type="presOf" srcId="{870662EF-C1EA-4BD2-B50B-0C60C38D7B38}" destId="{C93CB391-7ECF-4B31-9CA1-DF3E01A28D59}" srcOrd="0" destOrd="0" presId="urn:microsoft.com/office/officeart/2005/8/layout/hierarchy3"/>
+    <dgm:cxn modelId="{13280321-45BE-4D17-A03C-A705298C9E44}" srcId="{3543AADA-A797-45F0-9B1F-174B16461FBF}" destId="{9071CAFC-3351-4E91-9C39-84C5CB7C8CC6}" srcOrd="0" destOrd="0" parTransId="{65DFA1B5-8F2A-4A9F-8226-9D81BB51EA1C}" sibTransId="{B13B2E9D-CCFB-46C6-96C3-9DB513CA004E}"/>
+    <dgm:cxn modelId="{8616FA61-AACF-4C6F-A0A4-80545A6F9E81}" type="presOf" srcId="{EE750600-B98D-4178-A0D8-C8507F13F999}" destId="{525F23C3-BA15-4D45-A856-1B655B06D187}" srcOrd="0" destOrd="0" presId="urn:microsoft.com/office/officeart/2005/8/layout/hierarchy3"/>
+    <dgm:cxn modelId="{36BA27BE-8C52-4355-AB06-F5F088B20B8F}" type="presOf" srcId="{0AB219C4-82E7-42DA-9372-DCE1694EF1FB}" destId="{EF3D75A8-D88A-4DB0-8A52-1BA7ED1735E5}" srcOrd="0" destOrd="0" presId="urn:microsoft.com/office/officeart/2005/8/layout/hierarchy3"/>
+    <dgm:cxn modelId="{9F5CA175-9079-4823-8B3D-88CC86FD818C}" srcId="{8DB93D78-3391-48A0-BCC2-5BECA2BD98C4}" destId="{6C6B0C53-4616-45BE-A1B5-501510C1FDA2}" srcOrd="3" destOrd="0" parTransId="{45229FD7-43A8-48AB-9B75-3D8ABA1512D8}" sibTransId="{7DCE5B43-FF39-4A1D-8E40-32D3D14A8AA1}"/>
+    <dgm:cxn modelId="{626B3BE3-DBBF-4FF3-822A-7E2B1F687D14}" type="presOf" srcId="{8DB93D78-3391-48A0-BCC2-5BECA2BD98C4}" destId="{CB644F58-97CA-4CE5-8B54-C6D739C1EB04}" srcOrd="0" destOrd="0" presId="urn:microsoft.com/office/officeart/2005/8/layout/hierarchy3"/>
+    <dgm:cxn modelId="{DB8B7DE0-04B8-4405-9081-2989E3F2E0F7}" srcId="{3FB6477D-C6BC-4FE7-BF11-A99DD46B0D9C}" destId="{C9661AD1-A95A-4BC9-B598-2DFA8C1F2C6C}" srcOrd="0" destOrd="0" parTransId="{FB97F3F1-58F5-45A3-967A-96ADA5E63C11}" sibTransId="{69A31257-B59C-4F15-ABCD-890C6EFC6206}"/>
+    <dgm:cxn modelId="{4C87A859-1C7A-44AA-84F4-94B051E6390A}" type="presOf" srcId="{4A94DE97-FC94-4D37-B37E-91255550F3E2}" destId="{FFFD4F90-0E3D-4661-8D3A-EFC448AF72C0}" srcOrd="0" destOrd="0" presId="urn:microsoft.com/office/officeart/2005/8/layout/hierarchy3"/>
+    <dgm:cxn modelId="{2E0D65D2-6946-4389-9FF7-DEAD50D1C2C5}" srcId="{3543AADA-A797-45F0-9B1F-174B16461FBF}" destId="{768E52E8-049A-4B2C-A384-EBA041AE8FFC}" srcOrd="5" destOrd="0" parTransId="{2EE184A0-5511-43F4-AA9D-F95605C83638}" sibTransId="{90666C44-6374-465F-867A-65514C4BCA06}"/>
+    <dgm:cxn modelId="{BC79303C-67D4-4C09-9241-E05144914FA7}" type="presOf" srcId="{12D3E57E-2284-426A-8355-8FF7F994E4DB}" destId="{25502D99-7FD7-41CD-AAE4-9D5523899B08}" srcOrd="0" destOrd="0" presId="urn:microsoft.com/office/officeart/2005/8/layout/hierarchy3"/>
     <dgm:cxn modelId="{7DEDCFE9-22E6-44F2-A3D8-85FC034C6908}" srcId="{8DB93D78-3391-48A0-BCC2-5BECA2BD98C4}" destId="{0AB219C4-82E7-42DA-9372-DCE1694EF1FB}" srcOrd="1" destOrd="0" parTransId="{EE750600-B98D-4178-A0D8-C8507F13F999}" sibTransId="{5B621B6C-1D13-42FA-9672-47B11D9F063F}"/>
+    <dgm:cxn modelId="{12EF5B17-D77F-4592-ABAF-5A9FD07CDF03}" type="presOf" srcId="{8D774CC7-1DE2-421D-B978-13BB6C14608A}" destId="{B9ED6E5A-7A68-4326-BB3D-31274C0EF7FB}" srcOrd="0" destOrd="0" presId="urn:microsoft.com/office/officeart/2005/8/layout/hierarchy3"/>
+    <dgm:cxn modelId="{2CB7B149-B282-4AEA-8878-ED2E428CD1EA}" type="presOf" srcId="{6C6B0C53-4616-45BE-A1B5-501510C1FDA2}" destId="{5F853A87-00ED-4F10-8D44-D8E34A3CCC73}" srcOrd="0" destOrd="0" presId="urn:microsoft.com/office/officeart/2005/8/layout/hierarchy3"/>
+    <dgm:cxn modelId="{AF4BCD6D-8103-4060-92B5-5A21018246DB}" type="presOf" srcId="{3543AADA-A797-45F0-9B1F-174B16461FBF}" destId="{C4D15939-E949-4D03-A17B-796953706850}" srcOrd="0" destOrd="0" presId="urn:microsoft.com/office/officeart/2005/8/layout/hierarchy3"/>
+    <dgm:cxn modelId="{DFEE7099-7AF6-4A09-9FA3-589EF4963E7C}" srcId="{8DB93D78-3391-48A0-BCC2-5BECA2BD98C4}" destId="{FD9378E0-5FA1-464A-940C-0386EC33CD6F}" srcOrd="2" destOrd="0" parTransId="{80B27C9C-4C0A-4579-B206-87B13BBF80C2}" sibTransId="{3278A8D6-D23F-483F-B9E1-302458B5C75F}"/>
+    <dgm:cxn modelId="{FAC861E3-AB20-45CB-8A5C-0AD18E26FE72}" type="presOf" srcId="{B872F07B-1397-43A3-97B6-F08AE46CDEFB}" destId="{A876F830-0188-4555-88EE-86737BC8C3F8}" srcOrd="0" destOrd="0" presId="urn:microsoft.com/office/officeart/2005/8/layout/hierarchy3"/>
+    <dgm:cxn modelId="{243D65C2-1321-4D7D-BA85-307BBBD0A109}" type="presOf" srcId="{1C66BD51-2952-47E0-B6AD-59A04BFB7A4F}" destId="{C0C09044-7DB3-47B2-96E1-E8A1222127F1}" srcOrd="0" destOrd="0" presId="urn:microsoft.com/office/officeart/2005/8/layout/hierarchy3"/>
+    <dgm:cxn modelId="{C2ACDA68-052B-4C34-A9F7-65C73E6B0163}" type="presOf" srcId="{C9661AD1-A95A-4BC9-B598-2DFA8C1F2C6C}" destId="{E4D39D55-CE84-4929-9C51-A993B66DAB68}" srcOrd="0" destOrd="0" presId="urn:microsoft.com/office/officeart/2005/8/layout/hierarchy3"/>
+    <dgm:cxn modelId="{D2F9597B-3F10-4433-98FA-3EC57D1E3064}" type="presOf" srcId="{FB909C85-8D82-41ED-8A7E-074068E60F13}" destId="{18824353-99D5-4605-9353-5D473A14959F}" srcOrd="0" destOrd="0" presId="urn:microsoft.com/office/officeart/2005/8/layout/hierarchy3"/>
     <dgm:cxn modelId="{A8F6003C-F9C7-484D-BB18-A318C485FC24}" srcId="{37AF6ECE-5A42-47A1-B620-B38C4C813BD8}" destId="{8DB93D78-3391-48A0-BCC2-5BECA2BD98C4}" srcOrd="1" destOrd="0" parTransId="{A8D099B3-75D6-4158-9DF9-280D18A607FC}" sibTransId="{793119A3-CC41-4475-8D92-33C786149244}"/>
+    <dgm:cxn modelId="{3D59D936-6574-4017-B28C-455C7CB1A92F}" type="presOf" srcId="{2EE184A0-5511-43F4-AA9D-F95605C83638}" destId="{29A251B2-D7B9-4CD7-AF9B-47A94B3137B2}" srcOrd="0" destOrd="0" presId="urn:microsoft.com/office/officeart/2005/8/layout/hierarchy3"/>
+    <dgm:cxn modelId="{7688B663-94D7-478A-B449-1EF1BA72254C}" type="presOf" srcId="{65DFA1B5-8F2A-4A9F-8226-9D81BB51EA1C}" destId="{633132C9-91BE-4D7E-83FC-FB34F2F6F7E4}" srcOrd="0" destOrd="0" presId="urn:microsoft.com/office/officeart/2005/8/layout/hierarchy3"/>
+    <dgm:cxn modelId="{043002D9-539D-4F0D-8EF7-5FBB491BE10E}" type="presOf" srcId="{80B27C9C-4C0A-4579-B206-87B13BBF80C2}" destId="{FBA32C28-017C-4A67-864E-14DFF9161340}" srcOrd="0" destOrd="0" presId="urn:microsoft.com/office/officeart/2005/8/layout/hierarchy3"/>
+    <dgm:cxn modelId="{4405EF2E-A433-49E4-89BD-B206E7CC0195}" type="presOf" srcId="{FB97F3F1-58F5-45A3-967A-96ADA5E63C11}" destId="{197732EC-AD04-494E-9C3E-15C51174EF09}" srcOrd="0" destOrd="0" presId="urn:microsoft.com/office/officeart/2005/8/layout/hierarchy3"/>
+    <dgm:cxn modelId="{42C26550-E35E-4CAF-AE26-7BB34916ABF7}" type="presOf" srcId="{3FB6477D-C6BC-4FE7-BF11-A99DD46B0D9C}" destId="{EDBB0534-6D11-4569-9BF2-C3D81790A015}" srcOrd="1" destOrd="0" presId="urn:microsoft.com/office/officeart/2005/8/layout/hierarchy3"/>
+    <dgm:cxn modelId="{32D3FED4-BE21-44AF-B94C-12E428C3F5C9}" type="presOf" srcId="{FD9378E0-5FA1-464A-940C-0386EC33CD6F}" destId="{1DCD87F2-9636-4F3C-B47F-A44841143885}" srcOrd="0" destOrd="0" presId="urn:microsoft.com/office/officeart/2005/8/layout/hierarchy3"/>
+    <dgm:cxn modelId="{A3392253-3E49-444B-939B-6ADF43C58202}" type="presOf" srcId="{C38AE3E6-D19A-4851-8C5A-137837D12405}" destId="{C87C61FB-31D1-47B9-AF3E-9A3A8536F8B3}" srcOrd="0" destOrd="0" presId="urn:microsoft.com/office/officeart/2005/8/layout/hierarchy3"/>
+    <dgm:cxn modelId="{155E0D96-8DCB-43F2-BB72-C6C53B0466DC}" srcId="{3543AADA-A797-45F0-9B1F-174B16461FBF}" destId="{C38AE3E6-D19A-4851-8C5A-137837D12405}" srcOrd="4" destOrd="0" parTransId="{8B925125-B3B9-41C0-A304-A179BAD2FCFB}" sibTransId="{09444619-7525-411B-861B-EC8F29ED6798}"/>
+    <dgm:cxn modelId="{2D0CD111-13C6-48CF-9CC0-99E7A5E1F9DD}" srcId="{3543AADA-A797-45F0-9B1F-174B16461FBF}" destId="{1C66BD51-2952-47E0-B6AD-59A04BFB7A4F}" srcOrd="3" destOrd="0" parTransId="{4A94DE97-FC94-4D37-B37E-91255550F3E2}" sibTransId="{7323B07C-E7AD-484F-AF11-3D0A948F696E}"/>
+    <dgm:cxn modelId="{E9040C07-7C5B-42EA-A2E0-B4BB55F5323B}" srcId="{3543AADA-A797-45F0-9B1F-174B16461FBF}" destId="{870662EF-C1EA-4BD2-B50B-0C60C38D7B38}" srcOrd="2" destOrd="0" parTransId="{BC9E353A-88B6-4B2A-A889-CFB69A5EF176}" sibTransId="{42B955D9-D52A-4C30-91CC-309AFFD32FAE}"/>
+    <dgm:cxn modelId="{7A89134F-F4E9-4554-AAD0-072482E3513D}" type="presOf" srcId="{3FB6477D-C6BC-4FE7-BF11-A99DD46B0D9C}" destId="{373B6F88-96DC-415C-98F4-BDD6E7A8708B}" srcOrd="0" destOrd="0" presId="urn:microsoft.com/office/officeart/2005/8/layout/hierarchy3"/>
+    <dgm:cxn modelId="{2474C890-D464-4086-8070-EDFA828C82A2}" type="presOf" srcId="{9071CAFC-3351-4E91-9C39-84C5CB7C8CC6}" destId="{714DB6AE-C2F3-4872-9A02-CA7F63E4D96D}" srcOrd="0" destOrd="0" presId="urn:microsoft.com/office/officeart/2005/8/layout/hierarchy3"/>
     <dgm:cxn modelId="{49A2687E-159E-4B3F-A82F-2E7A52CC8950}" type="presOf" srcId="{92F2D893-04F1-492F-95F8-AF5F504A65FA}" destId="{3B3FBF1F-AA42-4C03-9EDF-80F5080EABD6}" srcOrd="0" destOrd="0" presId="urn:microsoft.com/office/officeart/2005/8/layout/hierarchy3"/>
+    <dgm:cxn modelId="{85F1201C-714B-4160-A0FF-AC79007B11B2}" srcId="{8DB93D78-3391-48A0-BCC2-5BECA2BD98C4}" destId="{8EA75D1F-5CB4-44B5-A397-605C551862ED}" srcOrd="0" destOrd="0" parTransId="{92F2D893-04F1-492F-95F8-AF5F504A65FA}" sibTransId="{E7E3E575-31D9-4DFD-8A44-45572F3FBC2D}"/>
+    <dgm:cxn modelId="{CC9DA189-080C-4DB5-9E4F-DCC22A44C7DA}" type="presOf" srcId="{BC9E353A-88B6-4B2A-A889-CFB69A5EF176}" destId="{9ABE1850-1DC2-428A-96C7-13DC2B1C7DC4}" srcOrd="0" destOrd="0" presId="urn:microsoft.com/office/officeart/2005/8/layout/hierarchy3"/>
+    <dgm:cxn modelId="{689C9B54-8FEE-42A6-9865-CE2E9F8EC3A9}" srcId="{3543AADA-A797-45F0-9B1F-174B16461FBF}" destId="{12D3E57E-2284-426A-8355-8FF7F994E4DB}" srcOrd="1" destOrd="0" parTransId="{8D774CC7-1DE2-421D-B978-13BB6C14608A}" sibTransId="{414CD955-352E-4BC2-B38D-43B352B41504}"/>
+    <dgm:cxn modelId="{648E9CC3-27D4-42A8-B7AC-F8DF98314CE6}" srcId="{37AF6ECE-5A42-47A1-B620-B38C4C813BD8}" destId="{3FB6477D-C6BC-4FE7-BF11-A99DD46B0D9C}" srcOrd="2" destOrd="0" parTransId="{90792E00-4846-4DD8-89FD-5EAD8F82840B}" sibTransId="{9A817E9F-8DB7-47F3-846F-35B84517B1FF}"/>
     <dgm:cxn modelId="{C61312FA-DCDF-4733-BAEC-E28A2DC04666}" srcId="{37AF6ECE-5A42-47A1-B620-B38C4C813BD8}" destId="{3543AADA-A797-45F0-9B1F-174B16461FBF}" srcOrd="0" destOrd="0" parTransId="{50E81F7A-BE28-425D-80E7-B61068B9D572}" sibTransId="{784BC6FB-47EC-4EEA-A125-6ECDCFF2039D}"/>
-    <dgm:cxn modelId="{626B3BE3-DBBF-4FF3-822A-7E2B1F687D14}" type="presOf" srcId="{8DB93D78-3391-48A0-BCC2-5BECA2BD98C4}" destId="{CB644F58-97CA-4CE5-8B54-C6D739C1EB04}" srcOrd="0" destOrd="0" presId="urn:microsoft.com/office/officeart/2005/8/layout/hierarchy3"/>
-    <dgm:cxn modelId="{85F1201C-714B-4160-A0FF-AC79007B11B2}" srcId="{8DB93D78-3391-48A0-BCC2-5BECA2BD98C4}" destId="{8EA75D1F-5CB4-44B5-A397-605C551862ED}" srcOrd="0" destOrd="0" parTransId="{92F2D893-04F1-492F-95F8-AF5F504A65FA}" sibTransId="{E7E3E575-31D9-4DFD-8A44-45572F3FBC2D}"/>
-    <dgm:cxn modelId="{2474C890-D464-4086-8070-EDFA828C82A2}" type="presOf" srcId="{9071CAFC-3351-4E91-9C39-84C5CB7C8CC6}" destId="{714DB6AE-C2F3-4872-9A02-CA7F63E4D96D}" srcOrd="0" destOrd="0" presId="urn:microsoft.com/office/officeart/2005/8/layout/hierarchy3"/>
-    <dgm:cxn modelId="{BD65D770-7810-42E3-B12E-1C11E3418842}" type="presOf" srcId="{8EA75D1F-5CB4-44B5-A397-605C551862ED}" destId="{D5DE0863-715C-4DA2-B631-266566CBAC8C}" srcOrd="0" destOrd="0" presId="urn:microsoft.com/office/officeart/2005/8/layout/hierarchy3"/>
-    <dgm:cxn modelId="{A6DE6B50-BAA2-4748-B33E-858106F74183}" type="presOf" srcId="{3543AADA-A797-45F0-9B1F-174B16461FBF}" destId="{CB3D2A88-7348-4C79-BADE-263EF2A6F93E}" srcOrd="1" destOrd="0" presId="urn:microsoft.com/office/officeart/2005/8/layout/hierarchy3"/>
-    <dgm:cxn modelId="{8616FA61-AACF-4C6F-A0A4-80545A6F9E81}" type="presOf" srcId="{EE750600-B98D-4178-A0D8-C8507F13F999}" destId="{525F23C3-BA15-4D45-A856-1B655B06D187}" srcOrd="0" destOrd="0" presId="urn:microsoft.com/office/officeart/2005/8/layout/hierarchy3"/>
-    <dgm:cxn modelId="{13280321-45BE-4D17-A03C-A705298C9E44}" srcId="{3543AADA-A797-45F0-9B1F-174B16461FBF}" destId="{9071CAFC-3351-4E91-9C39-84C5CB7C8CC6}" srcOrd="0" destOrd="0" parTransId="{65DFA1B5-8F2A-4A9F-8226-9D81BB51EA1C}" sibTransId="{B13B2E9D-CCFB-46C6-96C3-9DB513CA004E}"/>
-    <dgm:cxn modelId="{7688B663-94D7-478A-B449-1EF1BA72254C}" type="presOf" srcId="{65DFA1B5-8F2A-4A9F-8226-9D81BB51EA1C}" destId="{633132C9-91BE-4D7E-83FC-FB34F2F6F7E4}" srcOrd="0" destOrd="0" presId="urn:microsoft.com/office/officeart/2005/8/layout/hierarchy3"/>
-    <dgm:cxn modelId="{1F6E8FB3-89DF-4D44-AFD5-1EAE5508D106}" type="presOf" srcId="{37AF6ECE-5A42-47A1-B620-B38C4C813BD8}" destId="{F44F0F91-5A03-462C-84E4-AE027E6389D1}" srcOrd="0" destOrd="0" presId="urn:microsoft.com/office/officeart/2005/8/layout/hierarchy3"/>
-    <dgm:cxn modelId="{BC79303C-67D4-4C09-9241-E05144914FA7}" type="presOf" srcId="{12D3E57E-2284-426A-8355-8FF7F994E4DB}" destId="{25502D99-7FD7-41CD-AAE4-9D5523899B08}" srcOrd="0" destOrd="0" presId="urn:microsoft.com/office/officeart/2005/8/layout/hierarchy3"/>
-    <dgm:cxn modelId="{12EF5B17-D77F-4592-ABAF-5A9FD07CDF03}" type="presOf" srcId="{8D774CC7-1DE2-421D-B978-13BB6C14608A}" destId="{B9ED6E5A-7A68-4326-BB3D-31274C0EF7FB}" srcOrd="0" destOrd="0" presId="urn:microsoft.com/office/officeart/2005/8/layout/hierarchy3"/>
-    <dgm:cxn modelId="{7497F60B-0A10-43DA-8C5E-9B06BBED1C3F}" type="presOf" srcId="{8DB93D78-3391-48A0-BCC2-5BECA2BD98C4}" destId="{76780EF6-5731-4414-AED5-E278637E003A}" srcOrd="1" destOrd="0" presId="urn:microsoft.com/office/officeart/2005/8/layout/hierarchy3"/>
-    <dgm:cxn modelId="{AF4BCD6D-8103-4060-92B5-5A21018246DB}" type="presOf" srcId="{3543AADA-A797-45F0-9B1F-174B16461FBF}" destId="{C4D15939-E949-4D03-A17B-796953706850}" srcOrd="0" destOrd="0" presId="urn:microsoft.com/office/officeart/2005/8/layout/hierarchy3"/>
-    <dgm:cxn modelId="{36BA27BE-8C52-4355-AB06-F5F088B20B8F}" type="presOf" srcId="{0AB219C4-82E7-42DA-9372-DCE1694EF1FB}" destId="{EF3D75A8-D88A-4DB0-8A52-1BA7ED1735E5}" srcOrd="0" destOrd="0" presId="urn:microsoft.com/office/officeart/2005/8/layout/hierarchy3"/>
-    <dgm:cxn modelId="{689C9B54-8FEE-42A6-9865-CE2E9F8EC3A9}" srcId="{3543AADA-A797-45F0-9B1F-174B16461FBF}" destId="{12D3E57E-2284-426A-8355-8FF7F994E4DB}" srcOrd="1" destOrd="0" parTransId="{8D774CC7-1DE2-421D-B978-13BB6C14608A}" sibTransId="{414CD955-352E-4BC2-B38D-43B352B41504}"/>
     <dgm:cxn modelId="{BA6CC19A-7CC3-4F1C-BD8F-105C036D5B9A}" type="presParOf" srcId="{F44F0F91-5A03-462C-84E4-AE027E6389D1}" destId="{28B3BEFD-E792-4563-BDF1-69EFCB10D200}" srcOrd="0" destOrd="0" presId="urn:microsoft.com/office/officeart/2005/8/layout/hierarchy3"/>
     <dgm:cxn modelId="{F4C39204-F15B-4E6C-8AAA-90278EDABABB}" type="presParOf" srcId="{28B3BEFD-E792-4563-BDF1-69EFCB10D200}" destId="{19455291-39E0-4039-9AD6-D00ABD98C00D}" srcOrd="0" destOrd="0" presId="urn:microsoft.com/office/officeart/2005/8/layout/hierarchy3"/>
     <dgm:cxn modelId="{83001343-957B-421E-A165-A3361EA8F431}" type="presParOf" srcId="{19455291-39E0-4039-9AD6-D00ABD98C00D}" destId="{C4D15939-E949-4D03-A17B-796953706850}" srcOrd="0" destOrd="0" presId="urn:microsoft.com/office/officeart/2005/8/layout/hierarchy3"/>
@@ -1396,6 +2063,14 @@
     <dgm:cxn modelId="{BA0B39C5-2F7B-45B6-8EB3-EE9A4309B28D}" type="presParOf" srcId="{33AA52DD-E1B8-479A-8D0F-A218535AE398}" destId="{714DB6AE-C2F3-4872-9A02-CA7F63E4D96D}" srcOrd="1" destOrd="0" presId="urn:microsoft.com/office/officeart/2005/8/layout/hierarchy3"/>
     <dgm:cxn modelId="{7C1AC46B-3A92-4FD5-800C-6A4369848820}" type="presParOf" srcId="{33AA52DD-E1B8-479A-8D0F-A218535AE398}" destId="{B9ED6E5A-7A68-4326-BB3D-31274C0EF7FB}" srcOrd="2" destOrd="0" presId="urn:microsoft.com/office/officeart/2005/8/layout/hierarchy3"/>
     <dgm:cxn modelId="{2DDC773F-7167-4A68-A15D-FEB6CC6C5F18}" type="presParOf" srcId="{33AA52DD-E1B8-479A-8D0F-A218535AE398}" destId="{25502D99-7FD7-41CD-AAE4-9D5523899B08}" srcOrd="3" destOrd="0" presId="urn:microsoft.com/office/officeart/2005/8/layout/hierarchy3"/>
+    <dgm:cxn modelId="{4DDC486E-517C-4ACC-A15F-8559A23A0F3F}" type="presParOf" srcId="{33AA52DD-E1B8-479A-8D0F-A218535AE398}" destId="{9ABE1850-1DC2-428A-96C7-13DC2B1C7DC4}" srcOrd="4" destOrd="0" presId="urn:microsoft.com/office/officeart/2005/8/layout/hierarchy3"/>
+    <dgm:cxn modelId="{C34BBB03-3F2A-4468-AE3F-68844DEBC3F0}" type="presParOf" srcId="{33AA52DD-E1B8-479A-8D0F-A218535AE398}" destId="{C93CB391-7ECF-4B31-9CA1-DF3E01A28D59}" srcOrd="5" destOrd="0" presId="urn:microsoft.com/office/officeart/2005/8/layout/hierarchy3"/>
+    <dgm:cxn modelId="{971EC3FA-4238-4CB8-BFFA-5AA5406DDED1}" type="presParOf" srcId="{33AA52DD-E1B8-479A-8D0F-A218535AE398}" destId="{FFFD4F90-0E3D-4661-8D3A-EFC448AF72C0}" srcOrd="6" destOrd="0" presId="urn:microsoft.com/office/officeart/2005/8/layout/hierarchy3"/>
+    <dgm:cxn modelId="{B35CE635-A9CB-4852-B7E3-69825FA5CCE0}" type="presParOf" srcId="{33AA52DD-E1B8-479A-8D0F-A218535AE398}" destId="{C0C09044-7DB3-47B2-96E1-E8A1222127F1}" srcOrd="7" destOrd="0" presId="urn:microsoft.com/office/officeart/2005/8/layout/hierarchy3"/>
+    <dgm:cxn modelId="{B94DF810-AFF2-4659-9EAB-87B03F934620}" type="presParOf" srcId="{33AA52DD-E1B8-479A-8D0F-A218535AE398}" destId="{123499D8-644A-4435-922C-D77FD875B47C}" srcOrd="8" destOrd="0" presId="urn:microsoft.com/office/officeart/2005/8/layout/hierarchy3"/>
+    <dgm:cxn modelId="{1AF70421-EAAC-4995-A08F-50FE0765C1FB}" type="presParOf" srcId="{33AA52DD-E1B8-479A-8D0F-A218535AE398}" destId="{C87C61FB-31D1-47B9-AF3E-9A3A8536F8B3}" srcOrd="9" destOrd="0" presId="urn:microsoft.com/office/officeart/2005/8/layout/hierarchy3"/>
+    <dgm:cxn modelId="{926A6FDD-DCCF-448A-8FD2-8CE8DD0BF266}" type="presParOf" srcId="{33AA52DD-E1B8-479A-8D0F-A218535AE398}" destId="{29A251B2-D7B9-4CD7-AF9B-47A94B3137B2}" srcOrd="10" destOrd="0" presId="urn:microsoft.com/office/officeart/2005/8/layout/hierarchy3"/>
+    <dgm:cxn modelId="{379F81F4-7C9A-4741-8D9E-658557DC228C}" type="presParOf" srcId="{33AA52DD-E1B8-479A-8D0F-A218535AE398}" destId="{1218056D-B9B7-4698-81B9-F2DB150F36D2}" srcOrd="11" destOrd="0" presId="urn:microsoft.com/office/officeart/2005/8/layout/hierarchy3"/>
     <dgm:cxn modelId="{1D3AAA5B-EF5E-40BE-AFF3-5F4BA8724250}" type="presParOf" srcId="{F44F0F91-5A03-462C-84E4-AE027E6389D1}" destId="{91294B8C-0081-479D-A554-A3700B9C3684}" srcOrd="1" destOrd="0" presId="urn:microsoft.com/office/officeart/2005/8/layout/hierarchy3"/>
     <dgm:cxn modelId="{CDEFA3B1-DF9A-4CEC-8A6F-BBEE566BFF15}" type="presParOf" srcId="{91294B8C-0081-479D-A554-A3700B9C3684}" destId="{A17CCF89-CDEE-4A3A-A6C4-9F87800BB107}" srcOrd="0" destOrd="0" presId="urn:microsoft.com/office/officeart/2005/8/layout/hierarchy3"/>
     <dgm:cxn modelId="{5F70AD4E-7720-4BA8-99CB-C257E8034E98}" type="presParOf" srcId="{A17CCF89-CDEE-4A3A-A6C4-9F87800BB107}" destId="{CB644F58-97CA-4CE5-8B54-C6D739C1EB04}" srcOrd="0" destOrd="0" presId="urn:microsoft.com/office/officeart/2005/8/layout/hierarchy3"/>
@@ -1405,6 +2080,19 @@
     <dgm:cxn modelId="{A9E68D0E-EDBE-4173-BE8A-103697971F14}" type="presParOf" srcId="{A8773A38-3317-4540-9FE6-7D0F19A4EAEC}" destId="{D5DE0863-715C-4DA2-B631-266566CBAC8C}" srcOrd="1" destOrd="0" presId="urn:microsoft.com/office/officeart/2005/8/layout/hierarchy3"/>
     <dgm:cxn modelId="{588C4EB1-4B0F-4FCC-93E2-D000F4634EAB}" type="presParOf" srcId="{A8773A38-3317-4540-9FE6-7D0F19A4EAEC}" destId="{525F23C3-BA15-4D45-A856-1B655B06D187}" srcOrd="2" destOrd="0" presId="urn:microsoft.com/office/officeart/2005/8/layout/hierarchy3"/>
     <dgm:cxn modelId="{4893AC40-E21A-4542-B4F1-B344798E57A1}" type="presParOf" srcId="{A8773A38-3317-4540-9FE6-7D0F19A4EAEC}" destId="{EF3D75A8-D88A-4DB0-8A52-1BA7ED1735E5}" srcOrd="3" destOrd="0" presId="urn:microsoft.com/office/officeart/2005/8/layout/hierarchy3"/>
+    <dgm:cxn modelId="{F578E5AA-9036-4F4F-BA2F-0CE2F000C042}" type="presParOf" srcId="{A8773A38-3317-4540-9FE6-7D0F19A4EAEC}" destId="{FBA32C28-017C-4A67-864E-14DFF9161340}" srcOrd="4" destOrd="0" presId="urn:microsoft.com/office/officeart/2005/8/layout/hierarchy3"/>
+    <dgm:cxn modelId="{29B452DE-6BA1-44B4-B0C2-BDA67BC39495}" type="presParOf" srcId="{A8773A38-3317-4540-9FE6-7D0F19A4EAEC}" destId="{1DCD87F2-9636-4F3C-B47F-A44841143885}" srcOrd="5" destOrd="0" presId="urn:microsoft.com/office/officeart/2005/8/layout/hierarchy3"/>
+    <dgm:cxn modelId="{E50C579F-261C-4CA2-9900-41B77578C92E}" type="presParOf" srcId="{A8773A38-3317-4540-9FE6-7D0F19A4EAEC}" destId="{098295D4-EC25-4FDE-A726-51B557B41119}" srcOrd="6" destOrd="0" presId="urn:microsoft.com/office/officeart/2005/8/layout/hierarchy3"/>
+    <dgm:cxn modelId="{66127854-40EE-4215-8805-1816D2CD2875}" type="presParOf" srcId="{A8773A38-3317-4540-9FE6-7D0F19A4EAEC}" destId="{5F853A87-00ED-4F10-8D44-D8E34A3CCC73}" srcOrd="7" destOrd="0" presId="urn:microsoft.com/office/officeart/2005/8/layout/hierarchy3"/>
+    <dgm:cxn modelId="{1F2DB406-F401-49E0-B3B1-115DB503049A}" type="presParOf" srcId="{F44F0F91-5A03-462C-84E4-AE027E6389D1}" destId="{3659F212-768E-4D62-A2A1-693C93B1ED60}" srcOrd="2" destOrd="0" presId="urn:microsoft.com/office/officeart/2005/8/layout/hierarchy3"/>
+    <dgm:cxn modelId="{566D4B89-2DFB-44D4-B74B-7C266A3288A3}" type="presParOf" srcId="{3659F212-768E-4D62-A2A1-693C93B1ED60}" destId="{FE0E5012-8BE3-475A-97F7-F2D66A5AABCB}" srcOrd="0" destOrd="0" presId="urn:microsoft.com/office/officeart/2005/8/layout/hierarchy3"/>
+    <dgm:cxn modelId="{82EF818A-C75D-464B-932B-26A45DEF6A35}" type="presParOf" srcId="{FE0E5012-8BE3-475A-97F7-F2D66A5AABCB}" destId="{373B6F88-96DC-415C-98F4-BDD6E7A8708B}" srcOrd="0" destOrd="0" presId="urn:microsoft.com/office/officeart/2005/8/layout/hierarchy3"/>
+    <dgm:cxn modelId="{D643C120-ACD7-45E3-8717-C40D181B009E}" type="presParOf" srcId="{FE0E5012-8BE3-475A-97F7-F2D66A5AABCB}" destId="{EDBB0534-6D11-4569-9BF2-C3D81790A015}" srcOrd="1" destOrd="0" presId="urn:microsoft.com/office/officeart/2005/8/layout/hierarchy3"/>
+    <dgm:cxn modelId="{CCF65B34-FE7B-4996-910B-137E804B58C2}" type="presParOf" srcId="{3659F212-768E-4D62-A2A1-693C93B1ED60}" destId="{98CBCA8D-CD78-4C64-9FA9-CF4FF01FFDFB}" srcOrd="1" destOrd="0" presId="urn:microsoft.com/office/officeart/2005/8/layout/hierarchy3"/>
+    <dgm:cxn modelId="{5533AE87-599D-4F2D-AF19-983025F129DE}" type="presParOf" srcId="{98CBCA8D-CD78-4C64-9FA9-CF4FF01FFDFB}" destId="{197732EC-AD04-494E-9C3E-15C51174EF09}" srcOrd="0" destOrd="0" presId="urn:microsoft.com/office/officeart/2005/8/layout/hierarchy3"/>
+    <dgm:cxn modelId="{829CAF6C-C058-4709-9BD9-70134BE9FFEF}" type="presParOf" srcId="{98CBCA8D-CD78-4C64-9FA9-CF4FF01FFDFB}" destId="{E4D39D55-CE84-4929-9C51-A993B66DAB68}" srcOrd="1" destOrd="0" presId="urn:microsoft.com/office/officeart/2005/8/layout/hierarchy3"/>
+    <dgm:cxn modelId="{C7BE19A8-B723-43FD-95D9-79D49F2FCD8A}" type="presParOf" srcId="{98CBCA8D-CD78-4C64-9FA9-CF4FF01FFDFB}" destId="{A876F830-0188-4555-88EE-86737BC8C3F8}" srcOrd="2" destOrd="0" presId="urn:microsoft.com/office/officeart/2005/8/layout/hierarchy3"/>
+    <dgm:cxn modelId="{2E6A89DE-11A3-4CA8-9312-E0910BCF5E08}" type="presParOf" srcId="{98CBCA8D-CD78-4C64-9FA9-CF4FF01FFDFB}" destId="{18824353-99D5-4605-9353-5D473A14959F}" srcOrd="3" destOrd="0" presId="urn:microsoft.com/office/officeart/2005/8/layout/hierarchy3"/>
   </dgm:cxnLst>
   <dgm:bg/>
   <dgm:whole/>
@@ -1431,8 +2119,8 @@
       </dsp:nvSpPr>
       <dsp:spPr>
         <a:xfrm>
-          <a:off x="518" y="270268"/>
-          <a:ext cx="1888179" cy="944089"/>
+          <a:off x="2730123" y="556"/>
+          <a:ext cx="1054515" cy="527257"/>
         </a:xfrm>
         <a:prstGeom prst="roundRect">
           <a:avLst>
@@ -1475,12 +2163,12 @@
         </a:fontRef>
       </dsp:style>
       <dsp:txBody>
-        <a:bodyPr spcFirstLastPara="0" vert="horz" wrap="square" lIns="76200" tIns="50800" rIns="76200" bIns="50800" numCol="1" spcCol="1270" anchor="ctr" anchorCtr="0">
+        <a:bodyPr spcFirstLastPara="0" vert="horz" wrap="square" lIns="32385" tIns="21590" rIns="32385" bIns="21590" numCol="1" spcCol="1270" anchor="ctr" anchorCtr="0">
           <a:noAutofit/>
         </a:bodyPr>
         <a:lstStyle/>
         <a:p>
-          <a:pPr lvl="0" algn="ctr" defTabSz="1778000">
+          <a:pPr lvl="0" algn="ctr" defTabSz="755650">
             <a:lnSpc>
               <a:spcPct val="90000"/>
             </a:lnSpc>
@@ -1492,15 +2180,15 @@
             </a:spcAft>
           </a:pPr>
           <a:r>
-            <a:rPr lang="en-US" sz="4000" kern="1200" dirty="0" smtClean="0"/>
+            <a:rPr lang="en-US" sz="1700" kern="1200" dirty="0" smtClean="0"/>
             <a:t>Farmer</a:t>
           </a:r>
-          <a:endParaRPr lang="en-US" sz="4000" kern="1200" dirty="0"/>
+          <a:endParaRPr lang="en-US" sz="1700" kern="1200" dirty="0"/>
         </a:p>
       </dsp:txBody>
       <dsp:txXfrm>
-        <a:off x="518" y="270268"/>
-        <a:ext cx="1888179" cy="944089"/>
+        <a:off x="2730123" y="556"/>
+        <a:ext cx="1054515" cy="527257"/>
       </dsp:txXfrm>
     </dsp:sp>
     <dsp:sp modelId="{633132C9-91BE-4D7E-83FC-FB34F2F6F7E4}">
@@ -1510,8 +2198,8 @@
       </dsp:nvSpPr>
       <dsp:spPr>
         <a:xfrm>
-          <a:off x="189336" y="1214358"/>
-          <a:ext cx="188817" cy="708067"/>
+          <a:off x="2835574" y="527814"/>
+          <a:ext cx="105451" cy="395443"/>
         </a:xfrm>
         <a:custGeom>
           <a:avLst/>
@@ -1525,10 +2213,10 @@
                 <a:pt x="0" y="0"/>
               </a:moveTo>
               <a:lnTo>
-                <a:pt x="0" y="708067"/>
+                <a:pt x="0" y="395443"/>
               </a:lnTo>
               <a:lnTo>
-                <a:pt x="188817" y="708067"/>
+                <a:pt x="105451" y="395443"/>
               </a:lnTo>
             </a:path>
           </a:pathLst>
@@ -1568,8 +2256,8 @@
       </dsp:nvSpPr>
       <dsp:spPr>
         <a:xfrm>
-          <a:off x="378154" y="1450380"/>
-          <a:ext cx="1510543" cy="944089"/>
+          <a:off x="2941026" y="659628"/>
+          <a:ext cx="843612" cy="527257"/>
         </a:xfrm>
         <a:prstGeom prst="roundRect">
           <a:avLst>
@@ -1611,12 +2299,12 @@
         <a:fontRef idx="minor"/>
       </dsp:style>
       <dsp:txBody>
-        <a:bodyPr spcFirstLastPara="0" vert="horz" wrap="square" lIns="80010" tIns="53340" rIns="80010" bIns="53340" numCol="1" spcCol="1270" anchor="ctr" anchorCtr="0">
+        <a:bodyPr spcFirstLastPara="0" vert="horz" wrap="square" lIns="19050" tIns="12700" rIns="19050" bIns="12700" numCol="1" spcCol="1270" anchor="ctr" anchorCtr="0">
           <a:noAutofit/>
         </a:bodyPr>
         <a:lstStyle/>
         <a:p>
-          <a:pPr lvl="0" algn="ctr" defTabSz="1866900">
+          <a:pPr lvl="0" algn="ctr" defTabSz="444500">
             <a:lnSpc>
               <a:spcPct val="90000"/>
             </a:lnSpc>
@@ -1627,12 +2315,29 @@
               <a:spcPct val="35000"/>
             </a:spcAft>
           </a:pPr>
-          <a:endParaRPr lang="en-US" sz="4200" kern="1200"/>
+          <a:r>
+            <a:rPr lang="en-US" sz="1000" kern="1200" dirty="0" smtClean="0"/>
+            <a:t>Crop Sell Request</a:t>
+          </a:r>
+        </a:p>
+        <a:p>
+          <a:pPr lvl="0" algn="ctr" defTabSz="444500">
+            <a:lnSpc>
+              <a:spcPct val="90000"/>
+            </a:lnSpc>
+            <a:spcBef>
+              <a:spcPct val="0"/>
+            </a:spcBef>
+            <a:spcAft>
+              <a:spcPct val="35000"/>
+            </a:spcAft>
+          </a:pPr>
+          <a:endParaRPr lang="en-US" sz="1000" kern="1200" dirty="0"/>
         </a:p>
       </dsp:txBody>
       <dsp:txXfrm>
-        <a:off x="378154" y="1450380"/>
-        <a:ext cx="1510543" cy="944089"/>
+        <a:off x="2941026" y="659628"/>
+        <a:ext cx="843612" cy="527257"/>
       </dsp:txXfrm>
     </dsp:sp>
     <dsp:sp modelId="{B9ED6E5A-7A68-4326-BB3D-31274C0EF7FB}">
@@ -1642,8 +2347,8 @@
       </dsp:nvSpPr>
       <dsp:spPr>
         <a:xfrm>
-          <a:off x="189336" y="1214358"/>
-          <a:ext cx="188817" cy="1888179"/>
+          <a:off x="2835574" y="527814"/>
+          <a:ext cx="105451" cy="1054515"/>
         </a:xfrm>
         <a:custGeom>
           <a:avLst/>
@@ -1657,10 +2362,10 @@
                 <a:pt x="0" y="0"/>
               </a:moveTo>
               <a:lnTo>
-                <a:pt x="0" y="1888179"/>
+                <a:pt x="0" y="1054515"/>
               </a:lnTo>
               <a:lnTo>
-                <a:pt x="188817" y="1888179"/>
+                <a:pt x="105451" y="1054515"/>
               </a:lnTo>
             </a:path>
           </a:pathLst>
@@ -1700,8 +2405,8 @@
       </dsp:nvSpPr>
       <dsp:spPr>
         <a:xfrm>
-          <a:off x="378154" y="2630492"/>
-          <a:ext cx="1510543" cy="944089"/>
+          <a:off x="2941026" y="1318700"/>
+          <a:ext cx="843612" cy="527257"/>
         </a:xfrm>
         <a:prstGeom prst="roundRect">
           <a:avLst>
@@ -1743,12 +2448,12 @@
         <a:fontRef idx="minor"/>
       </dsp:style>
       <dsp:txBody>
-        <a:bodyPr spcFirstLastPara="0" vert="horz" wrap="square" lIns="80010" tIns="53340" rIns="80010" bIns="53340" numCol="1" spcCol="1270" anchor="ctr" anchorCtr="0">
+        <a:bodyPr spcFirstLastPara="0" vert="horz" wrap="square" lIns="19050" tIns="12700" rIns="19050" bIns="12700" numCol="1" spcCol="1270" anchor="ctr" anchorCtr="0">
           <a:noAutofit/>
         </a:bodyPr>
         <a:lstStyle/>
         <a:p>
-          <a:pPr lvl="0" algn="ctr" defTabSz="1866900">
+          <a:pPr lvl="0" algn="ctr" defTabSz="444500">
             <a:lnSpc>
               <a:spcPct val="90000"/>
             </a:lnSpc>
@@ -1759,12 +2464,560 @@
               <a:spcPct val="35000"/>
             </a:spcAft>
           </a:pPr>
-          <a:endParaRPr lang="en-US" sz="4200" kern="1200"/>
+          <a:r>
+            <a:rPr lang="en-US" sz="1000" kern="1200" dirty="0" smtClean="0"/>
+            <a:t>View Market Place</a:t>
+          </a:r>
+          <a:endParaRPr lang="en-US" sz="1000" kern="1200" dirty="0"/>
         </a:p>
       </dsp:txBody>
       <dsp:txXfrm>
-        <a:off x="378154" y="2630492"/>
-        <a:ext cx="1510543" cy="944089"/>
+        <a:off x="2941026" y="1318700"/>
+        <a:ext cx="843612" cy="527257"/>
+      </dsp:txXfrm>
+    </dsp:sp>
+    <dsp:sp modelId="{9ABE1850-1DC2-428A-96C7-13DC2B1C7DC4}">
+      <dsp:nvSpPr>
+        <dsp:cNvPr id="0" name=""/>
+        <dsp:cNvSpPr/>
+      </dsp:nvSpPr>
+      <dsp:spPr>
+        <a:xfrm>
+          <a:off x="2835574" y="527814"/>
+          <a:ext cx="105451" cy="1713587"/>
+        </a:xfrm>
+        <a:custGeom>
+          <a:avLst/>
+          <a:gdLst/>
+          <a:ahLst/>
+          <a:cxnLst/>
+          <a:rect l="0" t="0" r="0" b="0"/>
+          <a:pathLst>
+            <a:path>
+              <a:moveTo>
+                <a:pt x="0" y="0"/>
+              </a:moveTo>
+              <a:lnTo>
+                <a:pt x="0" y="1713587"/>
+              </a:lnTo>
+              <a:lnTo>
+                <a:pt x="105451" y="1713587"/>
+              </a:lnTo>
+            </a:path>
+          </a:pathLst>
+        </a:custGeom>
+        <a:noFill/>
+        <a:ln w="25400" cap="flat" cmpd="sng" algn="ctr">
+          <a:solidFill>
+            <a:schemeClr val="accent1">
+              <a:shade val="60000"/>
+              <a:hueOff val="0"/>
+              <a:satOff val="0"/>
+              <a:lumOff val="0"/>
+              <a:alphaOff val="0"/>
+            </a:schemeClr>
+          </a:solidFill>
+          <a:prstDash val="solid"/>
+        </a:ln>
+        <a:effectLst/>
+      </dsp:spPr>
+      <dsp:style>
+        <a:lnRef idx="2">
+          <a:scrgbClr r="0" g="0" b="0"/>
+        </a:lnRef>
+        <a:fillRef idx="0">
+          <a:scrgbClr r="0" g="0" b="0"/>
+        </a:fillRef>
+        <a:effectRef idx="0">
+          <a:scrgbClr r="0" g="0" b="0"/>
+        </a:effectRef>
+        <a:fontRef idx="minor"/>
+      </dsp:style>
+    </dsp:sp>
+    <dsp:sp modelId="{C93CB391-7ECF-4B31-9CA1-DF3E01A28D59}">
+      <dsp:nvSpPr>
+        <dsp:cNvPr id="0" name=""/>
+        <dsp:cNvSpPr/>
+      </dsp:nvSpPr>
+      <dsp:spPr>
+        <a:xfrm>
+          <a:off x="2941026" y="1977773"/>
+          <a:ext cx="843612" cy="527257"/>
+        </a:xfrm>
+        <a:prstGeom prst="roundRect">
+          <a:avLst>
+            <a:gd name="adj" fmla="val 10000"/>
+          </a:avLst>
+        </a:prstGeom>
+        <a:solidFill>
+          <a:schemeClr val="lt1">
+            <a:alpha val="90000"/>
+            <a:hueOff val="0"/>
+            <a:satOff val="0"/>
+            <a:lumOff val="0"/>
+            <a:alphaOff val="0"/>
+          </a:schemeClr>
+        </a:solidFill>
+        <a:ln w="25400" cap="flat" cmpd="sng" algn="ctr">
+          <a:solidFill>
+            <a:schemeClr val="accent1">
+              <a:hueOff val="0"/>
+              <a:satOff val="0"/>
+              <a:lumOff val="0"/>
+              <a:alphaOff val="0"/>
+            </a:schemeClr>
+          </a:solidFill>
+          <a:prstDash val="solid"/>
+        </a:ln>
+        <a:effectLst/>
+      </dsp:spPr>
+      <dsp:style>
+        <a:lnRef idx="2">
+          <a:scrgbClr r="0" g="0" b="0"/>
+        </a:lnRef>
+        <a:fillRef idx="1">
+          <a:scrgbClr r="0" g="0" b="0"/>
+        </a:fillRef>
+        <a:effectRef idx="0">
+          <a:scrgbClr r="0" g="0" b="0"/>
+        </a:effectRef>
+        <a:fontRef idx="minor"/>
+      </dsp:style>
+      <dsp:txBody>
+        <a:bodyPr spcFirstLastPara="0" vert="horz" wrap="square" lIns="19050" tIns="12700" rIns="19050" bIns="12700" numCol="1" spcCol="1270" anchor="ctr" anchorCtr="0">
+          <a:noAutofit/>
+        </a:bodyPr>
+        <a:lstStyle/>
+        <a:p>
+          <a:pPr lvl="0" algn="ctr" defTabSz="444500">
+            <a:lnSpc>
+              <a:spcPct val="90000"/>
+            </a:lnSpc>
+            <a:spcBef>
+              <a:spcPct val="0"/>
+            </a:spcBef>
+            <a:spcAft>
+              <a:spcPct val="35000"/>
+            </a:spcAft>
+          </a:pPr>
+          <a:r>
+            <a:rPr lang="en-US" sz="1000" kern="1200" dirty="0" smtClean="0"/>
+            <a:t>View Sold history</a:t>
+          </a:r>
+          <a:endParaRPr lang="en-US" sz="1000" kern="1200" dirty="0"/>
+        </a:p>
+      </dsp:txBody>
+      <dsp:txXfrm>
+        <a:off x="2941026" y="1977773"/>
+        <a:ext cx="843612" cy="527257"/>
+      </dsp:txXfrm>
+    </dsp:sp>
+    <dsp:sp modelId="{FFFD4F90-0E3D-4661-8D3A-EFC448AF72C0}">
+      <dsp:nvSpPr>
+        <dsp:cNvPr id="0" name=""/>
+        <dsp:cNvSpPr/>
+      </dsp:nvSpPr>
+      <dsp:spPr>
+        <a:xfrm>
+          <a:off x="2835574" y="527814"/>
+          <a:ext cx="3523010" cy="2657469"/>
+        </a:xfrm>
+        <a:custGeom>
+          <a:avLst/>
+          <a:gdLst/>
+          <a:ahLst/>
+          <a:cxnLst/>
+          <a:rect l="0" t="0" r="0" b="0"/>
+          <a:pathLst>
+            <a:path>
+              <a:moveTo>
+                <a:pt x="0" y="0"/>
+              </a:moveTo>
+              <a:lnTo>
+                <a:pt x="0" y="2657469"/>
+              </a:lnTo>
+              <a:lnTo>
+                <a:pt x="3523010" y="2657469"/>
+              </a:lnTo>
+            </a:path>
+          </a:pathLst>
+        </a:custGeom>
+        <a:noFill/>
+        <a:ln w="25400" cap="flat" cmpd="sng" algn="ctr">
+          <a:solidFill>
+            <a:schemeClr val="accent1">
+              <a:shade val="60000"/>
+              <a:hueOff val="0"/>
+              <a:satOff val="0"/>
+              <a:lumOff val="0"/>
+              <a:alphaOff val="0"/>
+            </a:schemeClr>
+          </a:solidFill>
+          <a:prstDash val="solid"/>
+        </a:ln>
+        <a:effectLst/>
+      </dsp:spPr>
+      <dsp:style>
+        <a:lnRef idx="2">
+          <a:scrgbClr r="0" g="0" b="0"/>
+        </a:lnRef>
+        <a:fillRef idx="0">
+          <a:scrgbClr r="0" g="0" b="0"/>
+        </a:fillRef>
+        <a:effectRef idx="0">
+          <a:scrgbClr r="0" g="0" b="0"/>
+        </a:effectRef>
+        <a:fontRef idx="minor"/>
+      </dsp:style>
+    </dsp:sp>
+    <dsp:sp modelId="{C0C09044-7DB3-47B2-96E1-E8A1222127F1}">
+      <dsp:nvSpPr>
+        <dsp:cNvPr id="0" name=""/>
+        <dsp:cNvSpPr/>
+      </dsp:nvSpPr>
+      <dsp:spPr>
+        <a:xfrm>
+          <a:off x="6358584" y="2921654"/>
+          <a:ext cx="843612" cy="527257"/>
+        </a:xfrm>
+        <a:prstGeom prst="roundRect">
+          <a:avLst>
+            <a:gd name="adj" fmla="val 10000"/>
+          </a:avLst>
+        </a:prstGeom>
+        <a:solidFill>
+          <a:schemeClr val="lt1">
+            <a:alpha val="90000"/>
+            <a:hueOff val="0"/>
+            <a:satOff val="0"/>
+            <a:lumOff val="0"/>
+            <a:alphaOff val="0"/>
+          </a:schemeClr>
+        </a:solidFill>
+        <a:ln w="25400" cap="flat" cmpd="sng" algn="ctr">
+          <a:solidFill>
+            <a:schemeClr val="accent1">
+              <a:hueOff val="0"/>
+              <a:satOff val="0"/>
+              <a:lumOff val="0"/>
+              <a:alphaOff val="0"/>
+            </a:schemeClr>
+          </a:solidFill>
+          <a:prstDash val="solid"/>
+        </a:ln>
+        <a:effectLst/>
+      </dsp:spPr>
+      <dsp:style>
+        <a:lnRef idx="2">
+          <a:scrgbClr r="0" g="0" b="0"/>
+        </a:lnRef>
+        <a:fillRef idx="1">
+          <a:scrgbClr r="0" g="0" b="0"/>
+        </a:fillRef>
+        <a:effectRef idx="0">
+          <a:scrgbClr r="0" g="0" b="0"/>
+        </a:effectRef>
+        <a:fontRef idx="minor"/>
+      </dsp:style>
+      <dsp:txBody>
+        <a:bodyPr spcFirstLastPara="0" vert="horz" wrap="square" lIns="19050" tIns="12700" rIns="19050" bIns="12700" numCol="1" spcCol="1270" anchor="ctr" anchorCtr="0">
+          <a:noAutofit/>
+        </a:bodyPr>
+        <a:lstStyle/>
+        <a:p>
+          <a:pPr lvl="0" algn="ctr" defTabSz="444500">
+            <a:lnSpc>
+              <a:spcPct val="90000"/>
+            </a:lnSpc>
+            <a:spcBef>
+              <a:spcPct val="0"/>
+            </a:spcBef>
+            <a:spcAft>
+              <a:spcPct val="35000"/>
+            </a:spcAft>
+          </a:pPr>
+          <a:r>
+            <a:rPr lang="en-US" sz="1000" kern="1200" dirty="0" smtClean="0"/>
+            <a:t>Insurance  Claim</a:t>
+          </a:r>
+          <a:endParaRPr lang="en-US" sz="1000" kern="1200" dirty="0"/>
+        </a:p>
+      </dsp:txBody>
+      <dsp:txXfrm>
+        <a:off x="6358584" y="2921654"/>
+        <a:ext cx="843612" cy="527257"/>
+      </dsp:txXfrm>
+    </dsp:sp>
+    <dsp:sp modelId="{123499D8-644A-4435-922C-D77FD875B47C}">
+      <dsp:nvSpPr>
+        <dsp:cNvPr id="0" name=""/>
+        <dsp:cNvSpPr/>
+      </dsp:nvSpPr>
+      <dsp:spPr>
+        <a:xfrm>
+          <a:off x="2835574" y="527814"/>
+          <a:ext cx="1737959" cy="2659140"/>
+        </a:xfrm>
+        <a:custGeom>
+          <a:avLst/>
+          <a:gdLst/>
+          <a:ahLst/>
+          <a:cxnLst/>
+          <a:rect l="0" t="0" r="0" b="0"/>
+          <a:pathLst>
+            <a:path>
+              <a:moveTo>
+                <a:pt x="0" y="0"/>
+              </a:moveTo>
+              <a:lnTo>
+                <a:pt x="0" y="2659140"/>
+              </a:lnTo>
+              <a:lnTo>
+                <a:pt x="1737959" y="2659140"/>
+              </a:lnTo>
+            </a:path>
+          </a:pathLst>
+        </a:custGeom>
+        <a:noFill/>
+        <a:ln w="25400" cap="flat" cmpd="sng" algn="ctr">
+          <a:solidFill>
+            <a:schemeClr val="accent1">
+              <a:shade val="60000"/>
+              <a:hueOff val="0"/>
+              <a:satOff val="0"/>
+              <a:lumOff val="0"/>
+              <a:alphaOff val="0"/>
+            </a:schemeClr>
+          </a:solidFill>
+          <a:prstDash val="solid"/>
+        </a:ln>
+        <a:effectLst/>
+      </dsp:spPr>
+      <dsp:style>
+        <a:lnRef idx="2">
+          <a:scrgbClr r="0" g="0" b="0"/>
+        </a:lnRef>
+        <a:fillRef idx="0">
+          <a:scrgbClr r="0" g="0" b="0"/>
+        </a:fillRef>
+        <a:effectRef idx="0">
+          <a:scrgbClr r="0" g="0" b="0"/>
+        </a:effectRef>
+        <a:fontRef idx="minor"/>
+      </dsp:style>
+    </dsp:sp>
+    <dsp:sp modelId="{C87C61FB-31D1-47B9-AF3E-9A3A8536F8B3}">
+      <dsp:nvSpPr>
+        <dsp:cNvPr id="0" name=""/>
+        <dsp:cNvSpPr/>
+      </dsp:nvSpPr>
+      <dsp:spPr>
+        <a:xfrm>
+          <a:off x="4573534" y="2923325"/>
+          <a:ext cx="843612" cy="527257"/>
+        </a:xfrm>
+        <a:prstGeom prst="roundRect">
+          <a:avLst>
+            <a:gd name="adj" fmla="val 10000"/>
+          </a:avLst>
+        </a:prstGeom>
+        <a:solidFill>
+          <a:schemeClr val="lt1">
+            <a:alpha val="90000"/>
+            <a:hueOff val="0"/>
+            <a:satOff val="0"/>
+            <a:lumOff val="0"/>
+            <a:alphaOff val="0"/>
+          </a:schemeClr>
+        </a:solidFill>
+        <a:ln w="25400" cap="flat" cmpd="sng" algn="ctr">
+          <a:solidFill>
+            <a:schemeClr val="accent1">
+              <a:hueOff val="0"/>
+              <a:satOff val="0"/>
+              <a:lumOff val="0"/>
+              <a:alphaOff val="0"/>
+            </a:schemeClr>
+          </a:solidFill>
+          <a:prstDash val="solid"/>
+        </a:ln>
+        <a:effectLst/>
+      </dsp:spPr>
+      <dsp:style>
+        <a:lnRef idx="2">
+          <a:scrgbClr r="0" g="0" b="0"/>
+        </a:lnRef>
+        <a:fillRef idx="1">
+          <a:scrgbClr r="0" g="0" b="0"/>
+        </a:fillRef>
+        <a:effectRef idx="0">
+          <a:scrgbClr r="0" g="0" b="0"/>
+        </a:effectRef>
+        <a:fontRef idx="minor"/>
+      </dsp:style>
+      <dsp:txBody>
+        <a:bodyPr spcFirstLastPara="0" vert="horz" wrap="square" lIns="19050" tIns="12700" rIns="19050" bIns="12700" numCol="1" spcCol="1270" anchor="ctr" anchorCtr="0">
+          <a:noAutofit/>
+        </a:bodyPr>
+        <a:lstStyle/>
+        <a:p>
+          <a:pPr lvl="0" algn="ctr" defTabSz="444500">
+            <a:lnSpc>
+              <a:spcPct val="90000"/>
+            </a:lnSpc>
+            <a:spcBef>
+              <a:spcPct val="0"/>
+            </a:spcBef>
+            <a:spcAft>
+              <a:spcPct val="35000"/>
+            </a:spcAft>
+          </a:pPr>
+          <a:r>
+            <a:rPr lang="en-US" sz="1000" kern="1200" dirty="0" smtClean="0"/>
+            <a:t>Apply For Insurance</a:t>
+          </a:r>
+          <a:endParaRPr lang="en-US" sz="1000" kern="1200" dirty="0"/>
+        </a:p>
+      </dsp:txBody>
+      <dsp:txXfrm>
+        <a:off x="4573534" y="2923325"/>
+        <a:ext cx="843612" cy="527257"/>
+      </dsp:txXfrm>
+    </dsp:sp>
+    <dsp:sp modelId="{29A251B2-D7B9-4CD7-AF9B-47A94B3137B2}">
+      <dsp:nvSpPr>
+        <dsp:cNvPr id="0" name=""/>
+        <dsp:cNvSpPr/>
+      </dsp:nvSpPr>
+      <dsp:spPr>
+        <a:xfrm>
+          <a:off x="2835574" y="527814"/>
+          <a:ext cx="472541" cy="2658919"/>
+        </a:xfrm>
+        <a:custGeom>
+          <a:avLst/>
+          <a:gdLst/>
+          <a:ahLst/>
+          <a:cxnLst/>
+          <a:rect l="0" t="0" r="0" b="0"/>
+          <a:pathLst>
+            <a:path>
+              <a:moveTo>
+                <a:pt x="0" y="0"/>
+              </a:moveTo>
+              <a:lnTo>
+                <a:pt x="0" y="2658919"/>
+              </a:lnTo>
+              <a:lnTo>
+                <a:pt x="472541" y="2658919"/>
+              </a:lnTo>
+            </a:path>
+          </a:pathLst>
+        </a:custGeom>
+        <a:noFill/>
+        <a:ln w="25400" cap="flat" cmpd="sng" algn="ctr">
+          <a:solidFill>
+            <a:schemeClr val="accent1">
+              <a:shade val="60000"/>
+              <a:hueOff val="0"/>
+              <a:satOff val="0"/>
+              <a:lumOff val="0"/>
+              <a:alphaOff val="0"/>
+            </a:schemeClr>
+          </a:solidFill>
+          <a:prstDash val="solid"/>
+        </a:ln>
+        <a:effectLst/>
+      </dsp:spPr>
+      <dsp:style>
+        <a:lnRef idx="2">
+          <a:scrgbClr r="0" g="0" b="0"/>
+        </a:lnRef>
+        <a:fillRef idx="0">
+          <a:scrgbClr r="0" g="0" b="0"/>
+        </a:fillRef>
+        <a:effectRef idx="0">
+          <a:scrgbClr r="0" g="0" b="0"/>
+        </a:effectRef>
+        <a:fontRef idx="minor"/>
+      </dsp:style>
+    </dsp:sp>
+    <dsp:sp modelId="{1218056D-B9B7-4698-81B9-F2DB150F36D2}">
+      <dsp:nvSpPr>
+        <dsp:cNvPr id="0" name=""/>
+        <dsp:cNvSpPr/>
+      </dsp:nvSpPr>
+      <dsp:spPr>
+        <a:xfrm>
+          <a:off x="3308115" y="2923104"/>
+          <a:ext cx="843612" cy="527257"/>
+        </a:xfrm>
+        <a:prstGeom prst="roundRect">
+          <a:avLst>
+            <a:gd name="adj" fmla="val 10000"/>
+          </a:avLst>
+        </a:prstGeom>
+        <a:solidFill>
+          <a:schemeClr val="lt1">
+            <a:alpha val="90000"/>
+            <a:hueOff val="0"/>
+            <a:satOff val="0"/>
+            <a:lumOff val="0"/>
+            <a:alphaOff val="0"/>
+          </a:schemeClr>
+        </a:solidFill>
+        <a:ln w="25400" cap="flat" cmpd="sng" algn="ctr">
+          <a:solidFill>
+            <a:schemeClr val="accent1">
+              <a:hueOff val="0"/>
+              <a:satOff val="0"/>
+              <a:lumOff val="0"/>
+              <a:alphaOff val="0"/>
+            </a:schemeClr>
+          </a:solidFill>
+          <a:prstDash val="solid"/>
+        </a:ln>
+        <a:effectLst/>
+      </dsp:spPr>
+      <dsp:style>
+        <a:lnRef idx="2">
+          <a:scrgbClr r="0" g="0" b="0"/>
+        </a:lnRef>
+        <a:fillRef idx="1">
+          <a:scrgbClr r="0" g="0" b="0"/>
+        </a:fillRef>
+        <a:effectRef idx="0">
+          <a:scrgbClr r="0" g="0" b="0"/>
+        </a:effectRef>
+        <a:fontRef idx="minor"/>
+      </dsp:style>
+      <dsp:txBody>
+        <a:bodyPr spcFirstLastPara="0" vert="horz" wrap="square" lIns="19050" tIns="12700" rIns="19050" bIns="12700" numCol="1" spcCol="1270" anchor="ctr" anchorCtr="0">
+          <a:noAutofit/>
+        </a:bodyPr>
+        <a:lstStyle/>
+        <a:p>
+          <a:pPr lvl="0" algn="ctr" defTabSz="444500">
+            <a:lnSpc>
+              <a:spcPct val="90000"/>
+            </a:lnSpc>
+            <a:spcBef>
+              <a:spcPct val="0"/>
+            </a:spcBef>
+            <a:spcAft>
+              <a:spcPct val="35000"/>
+            </a:spcAft>
+          </a:pPr>
+          <a:r>
+            <a:rPr lang="en-US" sz="1000" kern="1200" dirty="0" smtClean="0"/>
+            <a:t>Bidder Register</a:t>
+          </a:r>
+          <a:endParaRPr lang="en-US" sz="1000" kern="1200" dirty="0"/>
+        </a:p>
+      </dsp:txBody>
+      <dsp:txXfrm>
+        <a:off x="3308115" y="2923104"/>
+        <a:ext cx="843612" cy="527257"/>
       </dsp:txXfrm>
     </dsp:sp>
     <dsp:sp modelId="{CB644F58-97CA-4CE5-8B54-C6D739C1EB04}">
@@ -1774,8 +3027,8 @@
       </dsp:nvSpPr>
       <dsp:spPr>
         <a:xfrm>
-          <a:off x="2360743" y="270268"/>
-          <a:ext cx="1888179" cy="944089"/>
+          <a:off x="4048267" y="556"/>
+          <a:ext cx="1054515" cy="527257"/>
         </a:xfrm>
         <a:prstGeom prst="roundRect">
           <a:avLst>
@@ -1818,12 +3071,12 @@
         </a:fontRef>
       </dsp:style>
       <dsp:txBody>
-        <a:bodyPr spcFirstLastPara="0" vert="horz" wrap="square" lIns="76200" tIns="50800" rIns="76200" bIns="50800" numCol="1" spcCol="1270" anchor="ctr" anchorCtr="0">
+        <a:bodyPr spcFirstLastPara="0" vert="horz" wrap="square" lIns="32385" tIns="21590" rIns="32385" bIns="21590" numCol="1" spcCol="1270" anchor="ctr" anchorCtr="0">
           <a:noAutofit/>
         </a:bodyPr>
         <a:lstStyle/>
         <a:p>
-          <a:pPr lvl="0" algn="ctr" defTabSz="1778000">
+          <a:pPr lvl="0" algn="ctr" defTabSz="755650">
             <a:lnSpc>
               <a:spcPct val="90000"/>
             </a:lnSpc>
@@ -1834,12 +3087,16 @@
               <a:spcPct val="35000"/>
             </a:spcAft>
           </a:pPr>
-          <a:endParaRPr lang="en-US" sz="4000" kern="1200"/>
+          <a:r>
+            <a:rPr lang="en-US" sz="1700" kern="1200" dirty="0" smtClean="0"/>
+            <a:t>Admin Approval</a:t>
+          </a:r>
+          <a:endParaRPr lang="en-US" sz="1700" kern="1200" dirty="0"/>
         </a:p>
       </dsp:txBody>
       <dsp:txXfrm>
-        <a:off x="2360743" y="270268"/>
-        <a:ext cx="1888179" cy="944089"/>
+        <a:off x="4048267" y="556"/>
+        <a:ext cx="1054515" cy="527257"/>
       </dsp:txXfrm>
     </dsp:sp>
     <dsp:sp modelId="{3B3FBF1F-AA42-4C03-9EDF-80F5080EABD6}">
@@ -1849,8 +3106,8 @@
       </dsp:nvSpPr>
       <dsp:spPr>
         <a:xfrm>
-          <a:off x="2549561" y="1214358"/>
-          <a:ext cx="188817" cy="708067"/>
+          <a:off x="4153719" y="527814"/>
+          <a:ext cx="105451" cy="395443"/>
         </a:xfrm>
         <a:custGeom>
           <a:avLst/>
@@ -1864,10 +3121,10 @@
                 <a:pt x="0" y="0"/>
               </a:moveTo>
               <a:lnTo>
-                <a:pt x="0" y="708067"/>
+                <a:pt x="0" y="395443"/>
               </a:lnTo>
               <a:lnTo>
-                <a:pt x="188817" y="708067"/>
+                <a:pt x="105451" y="395443"/>
               </a:lnTo>
             </a:path>
           </a:pathLst>
@@ -1907,8 +3164,8 @@
       </dsp:nvSpPr>
       <dsp:spPr>
         <a:xfrm>
-          <a:off x="2738379" y="1450380"/>
-          <a:ext cx="1510543" cy="944089"/>
+          <a:off x="4259170" y="659628"/>
+          <a:ext cx="843612" cy="527257"/>
         </a:xfrm>
         <a:prstGeom prst="roundRect">
           <a:avLst>
@@ -1950,12 +3207,12 @@
         <a:fontRef idx="minor"/>
       </dsp:style>
       <dsp:txBody>
-        <a:bodyPr spcFirstLastPara="0" vert="horz" wrap="square" lIns="80010" tIns="53340" rIns="80010" bIns="53340" numCol="1" spcCol="1270" anchor="ctr" anchorCtr="0">
+        <a:bodyPr spcFirstLastPara="0" vert="horz" wrap="square" lIns="19050" tIns="12700" rIns="19050" bIns="12700" numCol="1" spcCol="1270" anchor="ctr" anchorCtr="0">
           <a:noAutofit/>
         </a:bodyPr>
         <a:lstStyle/>
         <a:p>
-          <a:pPr lvl="0" algn="ctr" defTabSz="1866900">
+          <a:pPr lvl="0" algn="ctr" defTabSz="444500">
             <a:lnSpc>
               <a:spcPct val="90000"/>
             </a:lnSpc>
@@ -1966,12 +3223,16 @@
               <a:spcPct val="35000"/>
             </a:spcAft>
           </a:pPr>
-          <a:endParaRPr lang="en-US" sz="4200" kern="1200"/>
+          <a:r>
+            <a:rPr lang="en-US" sz="1000" kern="1200" dirty="0" smtClean="0"/>
+            <a:t>Farmer and Bidder Registration</a:t>
+          </a:r>
+          <a:endParaRPr lang="en-US" sz="1000" kern="1200" dirty="0"/>
         </a:p>
       </dsp:txBody>
       <dsp:txXfrm>
-        <a:off x="2738379" y="1450380"/>
-        <a:ext cx="1510543" cy="944089"/>
+        <a:off x="4259170" y="659628"/>
+        <a:ext cx="843612" cy="527257"/>
       </dsp:txXfrm>
     </dsp:sp>
     <dsp:sp modelId="{525F23C3-BA15-4D45-A856-1B655B06D187}">
@@ -1981,8 +3242,8 @@
       </dsp:nvSpPr>
       <dsp:spPr>
         <a:xfrm>
-          <a:off x="2549561" y="1214358"/>
-          <a:ext cx="188817" cy="1888179"/>
+          <a:off x="4153719" y="527814"/>
+          <a:ext cx="105451" cy="1054515"/>
         </a:xfrm>
         <a:custGeom>
           <a:avLst/>
@@ -1996,10 +3257,10 @@
                 <a:pt x="0" y="0"/>
               </a:moveTo>
               <a:lnTo>
-                <a:pt x="0" y="1888179"/>
+                <a:pt x="0" y="1054515"/>
               </a:lnTo>
               <a:lnTo>
-                <a:pt x="188817" y="1888179"/>
+                <a:pt x="105451" y="1054515"/>
               </a:lnTo>
             </a:path>
           </a:pathLst>
@@ -2039,8 +3300,8 @@
       </dsp:nvSpPr>
       <dsp:spPr>
         <a:xfrm>
-          <a:off x="2738379" y="2630492"/>
-          <a:ext cx="1510543" cy="944089"/>
+          <a:off x="4259170" y="1318700"/>
+          <a:ext cx="843612" cy="527257"/>
         </a:xfrm>
         <a:prstGeom prst="roundRect">
           <a:avLst>
@@ -2082,12 +3343,12 @@
         <a:fontRef idx="minor"/>
       </dsp:style>
       <dsp:txBody>
-        <a:bodyPr spcFirstLastPara="0" vert="horz" wrap="square" lIns="80010" tIns="53340" rIns="80010" bIns="53340" numCol="1" spcCol="1270" anchor="ctr" anchorCtr="0">
+        <a:bodyPr spcFirstLastPara="0" vert="horz" wrap="square" lIns="19050" tIns="12700" rIns="19050" bIns="12700" numCol="1" spcCol="1270" anchor="ctr" anchorCtr="0">
           <a:noAutofit/>
         </a:bodyPr>
         <a:lstStyle/>
         <a:p>
-          <a:pPr lvl="0" algn="ctr" defTabSz="1866900">
+          <a:pPr lvl="0" algn="ctr" defTabSz="444500">
             <a:lnSpc>
               <a:spcPct val="90000"/>
             </a:lnSpc>
@@ -2098,12 +3359,639 @@
               <a:spcPct val="35000"/>
             </a:spcAft>
           </a:pPr>
-          <a:endParaRPr lang="en-US" sz="4200" kern="1200"/>
+          <a:r>
+            <a:rPr lang="en-US" sz="1000" kern="1200" dirty="0" smtClean="0"/>
+            <a:t>Approve Crop sell Request</a:t>
+          </a:r>
+          <a:endParaRPr lang="en-US" sz="1000" kern="1200" dirty="0"/>
         </a:p>
       </dsp:txBody>
       <dsp:txXfrm>
-        <a:off x="2738379" y="2630492"/>
-        <a:ext cx="1510543" cy="944089"/>
+        <a:off x="4259170" y="1318700"/>
+        <a:ext cx="843612" cy="527257"/>
+      </dsp:txXfrm>
+    </dsp:sp>
+    <dsp:sp modelId="{FBA32C28-017C-4A67-864E-14DFF9161340}">
+      <dsp:nvSpPr>
+        <dsp:cNvPr id="0" name=""/>
+        <dsp:cNvSpPr/>
+      </dsp:nvSpPr>
+      <dsp:spPr>
+        <a:xfrm>
+          <a:off x="4153719" y="527814"/>
+          <a:ext cx="136893" cy="1639160"/>
+        </a:xfrm>
+        <a:custGeom>
+          <a:avLst/>
+          <a:gdLst/>
+          <a:ahLst/>
+          <a:cxnLst/>
+          <a:rect l="0" t="0" r="0" b="0"/>
+          <a:pathLst>
+            <a:path>
+              <a:moveTo>
+                <a:pt x="0" y="0"/>
+              </a:moveTo>
+              <a:lnTo>
+                <a:pt x="0" y="1639160"/>
+              </a:lnTo>
+              <a:lnTo>
+                <a:pt x="136893" y="1639160"/>
+              </a:lnTo>
+            </a:path>
+          </a:pathLst>
+        </a:custGeom>
+        <a:noFill/>
+        <a:ln w="25400" cap="flat" cmpd="sng" algn="ctr">
+          <a:solidFill>
+            <a:schemeClr val="accent1">
+              <a:shade val="60000"/>
+              <a:hueOff val="0"/>
+              <a:satOff val="0"/>
+              <a:lumOff val="0"/>
+              <a:alphaOff val="0"/>
+            </a:schemeClr>
+          </a:solidFill>
+          <a:prstDash val="solid"/>
+        </a:ln>
+        <a:effectLst/>
+      </dsp:spPr>
+      <dsp:style>
+        <a:lnRef idx="2">
+          <a:scrgbClr r="0" g="0" b="0"/>
+        </a:lnRef>
+        <a:fillRef idx="0">
+          <a:scrgbClr r="0" g="0" b="0"/>
+        </a:fillRef>
+        <a:effectRef idx="0">
+          <a:scrgbClr r="0" g="0" b="0"/>
+        </a:effectRef>
+        <a:fontRef idx="minor"/>
+      </dsp:style>
+    </dsp:sp>
+    <dsp:sp modelId="{1DCD87F2-9636-4F3C-B47F-A44841143885}">
+      <dsp:nvSpPr>
+        <dsp:cNvPr id="0" name=""/>
+        <dsp:cNvSpPr/>
+      </dsp:nvSpPr>
+      <dsp:spPr>
+        <a:xfrm>
+          <a:off x="4290612" y="1903345"/>
+          <a:ext cx="843612" cy="527257"/>
+        </a:xfrm>
+        <a:prstGeom prst="roundRect">
+          <a:avLst>
+            <a:gd name="adj" fmla="val 10000"/>
+          </a:avLst>
+        </a:prstGeom>
+        <a:solidFill>
+          <a:schemeClr val="lt1">
+            <a:alpha val="90000"/>
+            <a:hueOff val="0"/>
+            <a:satOff val="0"/>
+            <a:lumOff val="0"/>
+            <a:alphaOff val="0"/>
+          </a:schemeClr>
+        </a:solidFill>
+        <a:ln w="25400" cap="flat" cmpd="sng" algn="ctr">
+          <a:solidFill>
+            <a:schemeClr val="accent1">
+              <a:hueOff val="0"/>
+              <a:satOff val="0"/>
+              <a:lumOff val="0"/>
+              <a:alphaOff val="0"/>
+            </a:schemeClr>
+          </a:solidFill>
+          <a:prstDash val="solid"/>
+        </a:ln>
+        <a:effectLst/>
+      </dsp:spPr>
+      <dsp:style>
+        <a:lnRef idx="2">
+          <a:scrgbClr r="0" g="0" b="0"/>
+        </a:lnRef>
+        <a:fillRef idx="1">
+          <a:scrgbClr r="0" g="0" b="0"/>
+        </a:fillRef>
+        <a:effectRef idx="0">
+          <a:scrgbClr r="0" g="0" b="0"/>
+        </a:effectRef>
+        <a:fontRef idx="minor"/>
+      </dsp:style>
+      <dsp:txBody>
+        <a:bodyPr spcFirstLastPara="0" vert="horz" wrap="square" lIns="19050" tIns="12700" rIns="19050" bIns="12700" numCol="1" spcCol="1270" anchor="ctr" anchorCtr="0">
+          <a:noAutofit/>
+        </a:bodyPr>
+        <a:lstStyle/>
+        <a:p>
+          <a:pPr lvl="0" algn="ctr" defTabSz="444500">
+            <a:lnSpc>
+              <a:spcPct val="90000"/>
+            </a:lnSpc>
+            <a:spcBef>
+              <a:spcPct val="0"/>
+            </a:spcBef>
+            <a:spcAft>
+              <a:spcPct val="35000"/>
+            </a:spcAft>
+          </a:pPr>
+          <a:r>
+            <a:rPr lang="en-US" sz="1000" kern="1200" dirty="0" smtClean="0"/>
+            <a:t>Approve Bid</a:t>
+          </a:r>
+          <a:endParaRPr lang="en-US" sz="1000" kern="1200" dirty="0"/>
+        </a:p>
+      </dsp:txBody>
+      <dsp:txXfrm>
+        <a:off x="4290612" y="1903345"/>
+        <a:ext cx="843612" cy="527257"/>
+      </dsp:txXfrm>
+    </dsp:sp>
+    <dsp:sp modelId="{098295D4-EC25-4FDE-A726-51B557B41119}">
+      <dsp:nvSpPr>
+        <dsp:cNvPr id="0" name=""/>
+        <dsp:cNvSpPr/>
+      </dsp:nvSpPr>
+      <dsp:spPr>
+        <a:xfrm>
+          <a:off x="4153719" y="527814"/>
+          <a:ext cx="1268422" cy="2041576"/>
+        </a:xfrm>
+        <a:custGeom>
+          <a:avLst/>
+          <a:gdLst/>
+          <a:ahLst/>
+          <a:cxnLst/>
+          <a:rect l="0" t="0" r="0" b="0"/>
+          <a:pathLst>
+            <a:path>
+              <a:moveTo>
+                <a:pt x="0" y="0"/>
+              </a:moveTo>
+              <a:lnTo>
+                <a:pt x="0" y="2041576"/>
+              </a:lnTo>
+              <a:lnTo>
+                <a:pt x="1268422" y="2041576"/>
+              </a:lnTo>
+            </a:path>
+          </a:pathLst>
+        </a:custGeom>
+        <a:noFill/>
+        <a:ln w="25400" cap="flat" cmpd="sng" algn="ctr">
+          <a:solidFill>
+            <a:schemeClr val="accent1">
+              <a:shade val="60000"/>
+              <a:hueOff val="0"/>
+              <a:satOff val="0"/>
+              <a:lumOff val="0"/>
+              <a:alphaOff val="0"/>
+            </a:schemeClr>
+          </a:solidFill>
+          <a:prstDash val="solid"/>
+        </a:ln>
+        <a:effectLst/>
+      </dsp:spPr>
+      <dsp:style>
+        <a:lnRef idx="2">
+          <a:scrgbClr r="0" g="0" b="0"/>
+        </a:lnRef>
+        <a:fillRef idx="0">
+          <a:scrgbClr r="0" g="0" b="0"/>
+        </a:fillRef>
+        <a:effectRef idx="0">
+          <a:scrgbClr r="0" g="0" b="0"/>
+        </a:effectRef>
+        <a:fontRef idx="minor"/>
+      </dsp:style>
+    </dsp:sp>
+    <dsp:sp modelId="{5F853A87-00ED-4F10-8D44-D8E34A3CCC73}">
+      <dsp:nvSpPr>
+        <dsp:cNvPr id="0" name=""/>
+        <dsp:cNvSpPr/>
+      </dsp:nvSpPr>
+      <dsp:spPr>
+        <a:xfrm>
+          <a:off x="5422141" y="2310799"/>
+          <a:ext cx="843612" cy="517181"/>
+        </a:xfrm>
+        <a:prstGeom prst="roundRect">
+          <a:avLst>
+            <a:gd name="adj" fmla="val 10000"/>
+          </a:avLst>
+        </a:prstGeom>
+        <a:solidFill>
+          <a:schemeClr val="lt1">
+            <a:alpha val="90000"/>
+            <a:hueOff val="0"/>
+            <a:satOff val="0"/>
+            <a:lumOff val="0"/>
+            <a:alphaOff val="0"/>
+          </a:schemeClr>
+        </a:solidFill>
+        <a:ln w="25400" cap="flat" cmpd="sng" algn="ctr">
+          <a:solidFill>
+            <a:schemeClr val="accent1">
+              <a:hueOff val="0"/>
+              <a:satOff val="0"/>
+              <a:lumOff val="0"/>
+              <a:alphaOff val="0"/>
+            </a:schemeClr>
+          </a:solidFill>
+          <a:prstDash val="solid"/>
+        </a:ln>
+        <a:effectLst/>
+      </dsp:spPr>
+      <dsp:style>
+        <a:lnRef idx="2">
+          <a:scrgbClr r="0" g="0" b="0"/>
+        </a:lnRef>
+        <a:fillRef idx="1">
+          <a:scrgbClr r="0" g="0" b="0"/>
+        </a:fillRef>
+        <a:effectRef idx="0">
+          <a:scrgbClr r="0" g="0" b="0"/>
+        </a:effectRef>
+        <a:fontRef idx="minor"/>
+      </dsp:style>
+      <dsp:txBody>
+        <a:bodyPr spcFirstLastPara="0" vert="horz" wrap="square" lIns="19050" tIns="12700" rIns="19050" bIns="12700" numCol="1" spcCol="1270" anchor="ctr" anchorCtr="0">
+          <a:noAutofit/>
+        </a:bodyPr>
+        <a:lstStyle/>
+        <a:p>
+          <a:pPr lvl="0" algn="ctr" defTabSz="444500">
+            <a:lnSpc>
+              <a:spcPct val="90000"/>
+            </a:lnSpc>
+            <a:spcBef>
+              <a:spcPct val="0"/>
+            </a:spcBef>
+            <a:spcAft>
+              <a:spcPct val="35000"/>
+            </a:spcAft>
+          </a:pPr>
+          <a:r>
+            <a:rPr lang="en-US" sz="1000" kern="1200" dirty="0" smtClean="0"/>
+            <a:t>Approve insurance Claim</a:t>
+          </a:r>
+          <a:endParaRPr lang="en-US" sz="1000" kern="1200" dirty="0"/>
+        </a:p>
+      </dsp:txBody>
+      <dsp:txXfrm>
+        <a:off x="5422141" y="2310799"/>
+        <a:ext cx="843612" cy="517181"/>
+      </dsp:txXfrm>
+    </dsp:sp>
+    <dsp:sp modelId="{373B6F88-96DC-415C-98F4-BDD6E7A8708B}">
+      <dsp:nvSpPr>
+        <dsp:cNvPr id="0" name=""/>
+        <dsp:cNvSpPr/>
+      </dsp:nvSpPr>
+      <dsp:spPr>
+        <a:xfrm>
+          <a:off x="5366412" y="556"/>
+          <a:ext cx="1054515" cy="527257"/>
+        </a:xfrm>
+        <a:prstGeom prst="roundRect">
+          <a:avLst>
+            <a:gd name="adj" fmla="val 10000"/>
+          </a:avLst>
+        </a:prstGeom>
+        <a:solidFill>
+          <a:schemeClr val="accent1">
+            <a:hueOff val="0"/>
+            <a:satOff val="0"/>
+            <a:lumOff val="0"/>
+            <a:alphaOff val="0"/>
+          </a:schemeClr>
+        </a:solidFill>
+        <a:ln w="25400" cap="flat" cmpd="sng" algn="ctr">
+          <a:solidFill>
+            <a:schemeClr val="lt1">
+              <a:hueOff val="0"/>
+              <a:satOff val="0"/>
+              <a:lumOff val="0"/>
+              <a:alphaOff val="0"/>
+            </a:schemeClr>
+          </a:solidFill>
+          <a:prstDash val="solid"/>
+        </a:ln>
+        <a:effectLst/>
+      </dsp:spPr>
+      <dsp:style>
+        <a:lnRef idx="2">
+          <a:scrgbClr r="0" g="0" b="0"/>
+        </a:lnRef>
+        <a:fillRef idx="1">
+          <a:scrgbClr r="0" g="0" b="0"/>
+        </a:fillRef>
+        <a:effectRef idx="0">
+          <a:scrgbClr r="0" g="0" b="0"/>
+        </a:effectRef>
+        <a:fontRef idx="minor">
+          <a:schemeClr val="lt1"/>
+        </a:fontRef>
+      </dsp:style>
+      <dsp:txBody>
+        <a:bodyPr spcFirstLastPara="0" vert="horz" wrap="square" lIns="32385" tIns="21590" rIns="32385" bIns="21590" numCol="1" spcCol="1270" anchor="ctr" anchorCtr="0">
+          <a:noAutofit/>
+        </a:bodyPr>
+        <a:lstStyle/>
+        <a:p>
+          <a:pPr lvl="0" algn="ctr" defTabSz="755650">
+            <a:lnSpc>
+              <a:spcPct val="90000"/>
+            </a:lnSpc>
+            <a:spcBef>
+              <a:spcPct val="0"/>
+            </a:spcBef>
+            <a:spcAft>
+              <a:spcPct val="35000"/>
+            </a:spcAft>
+          </a:pPr>
+          <a:r>
+            <a:rPr lang="en-US" sz="1700" kern="1200" dirty="0" smtClean="0"/>
+            <a:t>Bidder</a:t>
+          </a:r>
+          <a:endParaRPr lang="en-US" sz="1700" kern="1200" dirty="0"/>
+        </a:p>
+      </dsp:txBody>
+      <dsp:txXfrm>
+        <a:off x="5366412" y="556"/>
+        <a:ext cx="1054515" cy="527257"/>
+      </dsp:txXfrm>
+    </dsp:sp>
+    <dsp:sp modelId="{197732EC-AD04-494E-9C3E-15C51174EF09}">
+      <dsp:nvSpPr>
+        <dsp:cNvPr id="0" name=""/>
+        <dsp:cNvSpPr/>
+      </dsp:nvSpPr>
+      <dsp:spPr>
+        <a:xfrm>
+          <a:off x="5471863" y="527814"/>
+          <a:ext cx="105451" cy="395443"/>
+        </a:xfrm>
+        <a:custGeom>
+          <a:avLst/>
+          <a:gdLst/>
+          <a:ahLst/>
+          <a:cxnLst/>
+          <a:rect l="0" t="0" r="0" b="0"/>
+          <a:pathLst>
+            <a:path>
+              <a:moveTo>
+                <a:pt x="0" y="0"/>
+              </a:moveTo>
+              <a:lnTo>
+                <a:pt x="0" y="395443"/>
+              </a:lnTo>
+              <a:lnTo>
+                <a:pt x="105451" y="395443"/>
+              </a:lnTo>
+            </a:path>
+          </a:pathLst>
+        </a:custGeom>
+        <a:noFill/>
+        <a:ln w="25400" cap="flat" cmpd="sng" algn="ctr">
+          <a:solidFill>
+            <a:schemeClr val="accent1">
+              <a:shade val="60000"/>
+              <a:hueOff val="0"/>
+              <a:satOff val="0"/>
+              <a:lumOff val="0"/>
+              <a:alphaOff val="0"/>
+            </a:schemeClr>
+          </a:solidFill>
+          <a:prstDash val="solid"/>
+        </a:ln>
+        <a:effectLst/>
+      </dsp:spPr>
+      <dsp:style>
+        <a:lnRef idx="2">
+          <a:scrgbClr r="0" g="0" b="0"/>
+        </a:lnRef>
+        <a:fillRef idx="0">
+          <a:scrgbClr r="0" g="0" b="0"/>
+        </a:fillRef>
+        <a:effectRef idx="0">
+          <a:scrgbClr r="0" g="0" b="0"/>
+        </a:effectRef>
+        <a:fontRef idx="minor"/>
+      </dsp:style>
+    </dsp:sp>
+    <dsp:sp modelId="{E4D39D55-CE84-4929-9C51-A993B66DAB68}">
+      <dsp:nvSpPr>
+        <dsp:cNvPr id="0" name=""/>
+        <dsp:cNvSpPr/>
+      </dsp:nvSpPr>
+      <dsp:spPr>
+        <a:xfrm>
+          <a:off x="5577315" y="659628"/>
+          <a:ext cx="843612" cy="527257"/>
+        </a:xfrm>
+        <a:prstGeom prst="roundRect">
+          <a:avLst>
+            <a:gd name="adj" fmla="val 10000"/>
+          </a:avLst>
+        </a:prstGeom>
+        <a:solidFill>
+          <a:schemeClr val="lt1">
+            <a:alpha val="90000"/>
+            <a:hueOff val="0"/>
+            <a:satOff val="0"/>
+            <a:lumOff val="0"/>
+            <a:alphaOff val="0"/>
+          </a:schemeClr>
+        </a:solidFill>
+        <a:ln w="25400" cap="flat" cmpd="sng" algn="ctr">
+          <a:solidFill>
+            <a:schemeClr val="accent1">
+              <a:hueOff val="0"/>
+              <a:satOff val="0"/>
+              <a:lumOff val="0"/>
+              <a:alphaOff val="0"/>
+            </a:schemeClr>
+          </a:solidFill>
+          <a:prstDash val="solid"/>
+        </a:ln>
+        <a:effectLst/>
+      </dsp:spPr>
+      <dsp:style>
+        <a:lnRef idx="2">
+          <a:scrgbClr r="0" g="0" b="0"/>
+        </a:lnRef>
+        <a:fillRef idx="1">
+          <a:scrgbClr r="0" g="0" b="0"/>
+        </a:fillRef>
+        <a:effectRef idx="0">
+          <a:scrgbClr r="0" g="0" b="0"/>
+        </a:effectRef>
+        <a:fontRef idx="minor"/>
+      </dsp:style>
+      <dsp:txBody>
+        <a:bodyPr spcFirstLastPara="0" vert="horz" wrap="square" lIns="19050" tIns="12700" rIns="19050" bIns="12700" numCol="1" spcCol="1270" anchor="ctr" anchorCtr="0">
+          <a:noAutofit/>
+        </a:bodyPr>
+        <a:lstStyle/>
+        <a:p>
+          <a:pPr lvl="0" algn="ctr" defTabSz="444500">
+            <a:lnSpc>
+              <a:spcPct val="90000"/>
+            </a:lnSpc>
+            <a:spcBef>
+              <a:spcPct val="0"/>
+            </a:spcBef>
+            <a:spcAft>
+              <a:spcPct val="35000"/>
+            </a:spcAft>
+          </a:pPr>
+          <a:r>
+            <a:rPr lang="en-US" sz="1000" kern="1200" dirty="0" smtClean="0"/>
+            <a:t>View Crop details and Place Bid</a:t>
+          </a:r>
+          <a:endParaRPr lang="en-US" sz="1000" kern="1200" dirty="0"/>
+        </a:p>
+      </dsp:txBody>
+      <dsp:txXfrm>
+        <a:off x="5577315" y="659628"/>
+        <a:ext cx="843612" cy="527257"/>
+      </dsp:txXfrm>
+    </dsp:sp>
+    <dsp:sp modelId="{A876F830-0188-4555-88EE-86737BC8C3F8}">
+      <dsp:nvSpPr>
+        <dsp:cNvPr id="0" name=""/>
+        <dsp:cNvSpPr/>
+      </dsp:nvSpPr>
+      <dsp:spPr>
+        <a:xfrm>
+          <a:off x="5471863" y="527814"/>
+          <a:ext cx="105451" cy="1054515"/>
+        </a:xfrm>
+        <a:custGeom>
+          <a:avLst/>
+          <a:gdLst/>
+          <a:ahLst/>
+          <a:cxnLst/>
+          <a:rect l="0" t="0" r="0" b="0"/>
+          <a:pathLst>
+            <a:path>
+              <a:moveTo>
+                <a:pt x="0" y="0"/>
+              </a:moveTo>
+              <a:lnTo>
+                <a:pt x="0" y="1054515"/>
+              </a:lnTo>
+              <a:lnTo>
+                <a:pt x="105451" y="1054515"/>
+              </a:lnTo>
+            </a:path>
+          </a:pathLst>
+        </a:custGeom>
+        <a:noFill/>
+        <a:ln w="25400" cap="flat" cmpd="sng" algn="ctr">
+          <a:solidFill>
+            <a:schemeClr val="accent1">
+              <a:shade val="60000"/>
+              <a:hueOff val="0"/>
+              <a:satOff val="0"/>
+              <a:lumOff val="0"/>
+              <a:alphaOff val="0"/>
+            </a:schemeClr>
+          </a:solidFill>
+          <a:prstDash val="solid"/>
+        </a:ln>
+        <a:effectLst/>
+      </dsp:spPr>
+      <dsp:style>
+        <a:lnRef idx="2">
+          <a:scrgbClr r="0" g="0" b="0"/>
+        </a:lnRef>
+        <a:fillRef idx="0">
+          <a:scrgbClr r="0" g="0" b="0"/>
+        </a:fillRef>
+        <a:effectRef idx="0">
+          <a:scrgbClr r="0" g="0" b="0"/>
+        </a:effectRef>
+        <a:fontRef idx="minor"/>
+      </dsp:style>
+    </dsp:sp>
+    <dsp:sp modelId="{18824353-99D5-4605-9353-5D473A14959F}">
+      <dsp:nvSpPr>
+        <dsp:cNvPr id="0" name=""/>
+        <dsp:cNvSpPr/>
+      </dsp:nvSpPr>
+      <dsp:spPr>
+        <a:xfrm>
+          <a:off x="5577315" y="1318700"/>
+          <a:ext cx="843612" cy="527257"/>
+        </a:xfrm>
+        <a:prstGeom prst="roundRect">
+          <a:avLst>
+            <a:gd name="adj" fmla="val 10000"/>
+          </a:avLst>
+        </a:prstGeom>
+        <a:solidFill>
+          <a:schemeClr val="lt1">
+            <a:alpha val="90000"/>
+            <a:hueOff val="0"/>
+            <a:satOff val="0"/>
+            <a:lumOff val="0"/>
+            <a:alphaOff val="0"/>
+          </a:schemeClr>
+        </a:solidFill>
+        <a:ln w="25400" cap="flat" cmpd="sng" algn="ctr">
+          <a:solidFill>
+            <a:schemeClr val="accent1">
+              <a:hueOff val="0"/>
+              <a:satOff val="0"/>
+              <a:lumOff val="0"/>
+              <a:alphaOff val="0"/>
+            </a:schemeClr>
+          </a:solidFill>
+          <a:prstDash val="solid"/>
+        </a:ln>
+        <a:effectLst/>
+      </dsp:spPr>
+      <dsp:style>
+        <a:lnRef idx="2">
+          <a:scrgbClr r="0" g="0" b="0"/>
+        </a:lnRef>
+        <a:fillRef idx="1">
+          <a:scrgbClr r="0" g="0" b="0"/>
+        </a:fillRef>
+        <a:effectRef idx="0">
+          <a:scrgbClr r="0" g="0" b="0"/>
+        </a:effectRef>
+        <a:fontRef idx="minor"/>
+      </dsp:style>
+      <dsp:txBody>
+        <a:bodyPr spcFirstLastPara="0" vert="horz" wrap="square" lIns="19050" tIns="12700" rIns="19050" bIns="12700" numCol="1" spcCol="1270" anchor="ctr" anchorCtr="0">
+          <a:noAutofit/>
+        </a:bodyPr>
+        <a:lstStyle/>
+        <a:p>
+          <a:pPr lvl="0" algn="ctr" defTabSz="444500">
+            <a:lnSpc>
+              <a:spcPct val="90000"/>
+            </a:lnSpc>
+            <a:spcBef>
+              <a:spcPct val="0"/>
+            </a:spcBef>
+            <a:spcAft>
+              <a:spcPct val="35000"/>
+            </a:spcAft>
+          </a:pPr>
+          <a:r>
+            <a:rPr lang="en-US" sz="1000" kern="1200" dirty="0" smtClean="0"/>
+            <a:t>Bidder Register</a:t>
+          </a:r>
+          <a:endParaRPr lang="en-US" sz="1000" kern="1200" dirty="0"/>
+        </a:p>
+      </dsp:txBody>
+      <dsp:txXfrm>
+        <a:off x="5577315" y="1318700"/>
+        <a:ext cx="843612" cy="527257"/>
       </dsp:txXfrm>
     </dsp:sp>
   </dsp:spTree>
@@ -3485,14 +5373,14 @@
           </a:ln>
           <a:extLst>
             <a:ext uri="{909E8E84-426E-40DD-AFC4-6F175D3DCCD1}">
-              <a14:hiddenFill xmlns:a14="http://schemas.microsoft.com/office/drawing/2010/main" xmlns="">
+              <a14:hiddenFill xmlns="" xmlns:a14="http://schemas.microsoft.com/office/drawing/2010/main">
                 <a:solidFill>
                   <a:srgbClr val="FFFFFF"/>
                 </a:solidFill>
               </a14:hiddenFill>
             </a:ext>
             <a:ext uri="{91240B29-F687-4F45-9708-019B960494DF}">
-              <a14:hiddenLine xmlns:a14="http://schemas.microsoft.com/office/drawing/2010/main" xmlns="" w="9525">
+              <a14:hiddenLine xmlns="" xmlns:a14="http://schemas.microsoft.com/office/drawing/2010/main" w="9525">
                 <a:solidFill>
                   <a:srgbClr val="000000"/>
                 </a:solidFill>
@@ -3546,14 +5434,14 @@
           </a:ln>
           <a:extLst>
             <a:ext uri="{909E8E84-426E-40DD-AFC4-6F175D3DCCD1}">
-              <a14:hiddenFill xmlns:a14="http://schemas.microsoft.com/office/drawing/2010/main" xmlns="">
+              <a14:hiddenFill xmlns="" xmlns:a14="http://schemas.microsoft.com/office/drawing/2010/main">
                 <a:solidFill>
                   <a:srgbClr val="FFFFFF"/>
                 </a:solidFill>
               </a14:hiddenFill>
             </a:ext>
             <a:ext uri="{91240B29-F687-4F45-9708-019B960494DF}">
-              <a14:hiddenLine xmlns:a14="http://schemas.microsoft.com/office/drawing/2010/main" xmlns="" w="9525">
+              <a14:hiddenLine xmlns="" xmlns:a14="http://schemas.microsoft.com/office/drawing/2010/main" w="9525">
                 <a:solidFill>
                   <a:srgbClr val="000000"/>
                 </a:solidFill>
@@ -3607,14 +5495,14 @@
           </a:ln>
           <a:extLst>
             <a:ext uri="{909E8E84-426E-40DD-AFC4-6F175D3DCCD1}">
-              <a14:hiddenFill xmlns:a14="http://schemas.microsoft.com/office/drawing/2010/main" xmlns="">
+              <a14:hiddenFill xmlns="" xmlns:a14="http://schemas.microsoft.com/office/drawing/2010/main">
                 <a:solidFill>
                   <a:srgbClr val="FFFFFF"/>
                 </a:solidFill>
               </a14:hiddenFill>
             </a:ext>
             <a:ext uri="{91240B29-F687-4F45-9708-019B960494DF}">
-              <a14:hiddenLine xmlns:a14="http://schemas.microsoft.com/office/drawing/2010/main" xmlns="" w="9525">
+              <a14:hiddenLine xmlns="" xmlns:a14="http://schemas.microsoft.com/office/drawing/2010/main" w="9525">
                 <a:solidFill>
                   <a:srgbClr val="000000"/>
                 </a:solidFill>
@@ -3668,14 +5556,14 @@
           </a:ln>
           <a:extLst>
             <a:ext uri="{909E8E84-426E-40DD-AFC4-6F175D3DCCD1}">
-              <a14:hiddenFill xmlns:a14="http://schemas.microsoft.com/office/drawing/2010/main" xmlns="">
+              <a14:hiddenFill xmlns="" xmlns:a14="http://schemas.microsoft.com/office/drawing/2010/main">
                 <a:solidFill>
                   <a:srgbClr val="FFFFFF"/>
                 </a:solidFill>
               </a14:hiddenFill>
             </a:ext>
             <a:ext uri="{91240B29-F687-4F45-9708-019B960494DF}">
-              <a14:hiddenLine xmlns:a14="http://schemas.microsoft.com/office/drawing/2010/main" xmlns="" w="9525">
+              <a14:hiddenLine xmlns="" xmlns:a14="http://schemas.microsoft.com/office/drawing/2010/main" w="9525">
                 <a:solidFill>
                   <a:srgbClr val="000000"/>
                 </a:solidFill>
@@ -3715,7 +5603,7 @@
     </p:spTree>
     <p:extLst>
       <p:ext uri="{BB962C8B-B14F-4D97-AF65-F5344CB8AC3E}">
-        <p14:creationId xmlns:p14="http://schemas.microsoft.com/office/powerpoint/2010/main" xmlns="" val="2105072336"/>
+        <p14:creationId xmlns="" xmlns:p14="http://schemas.microsoft.com/office/powerpoint/2010/main" val="2105072336"/>
       </p:ext>
     </p:extLst>
   </p:cSld>
@@ -3773,14 +5661,14 @@
           </a:ln>
           <a:extLst>
             <a:ext uri="{909E8E84-426E-40DD-AFC4-6F175D3DCCD1}">
-              <a14:hiddenFill xmlns:a14="http://schemas.microsoft.com/office/drawing/2010/main" xmlns="">
+              <a14:hiddenFill xmlns="" xmlns:a14="http://schemas.microsoft.com/office/drawing/2010/main">
                 <a:solidFill>
                   <a:srgbClr val="FFFFFF"/>
                 </a:solidFill>
               </a14:hiddenFill>
             </a:ext>
             <a:ext uri="{91240B29-F687-4F45-9708-019B960494DF}">
-              <a14:hiddenLine xmlns:a14="http://schemas.microsoft.com/office/drawing/2010/main" xmlns="" w="9525">
+              <a14:hiddenLine xmlns="" xmlns:a14="http://schemas.microsoft.com/office/drawing/2010/main" w="9525">
                 <a:solidFill>
                   <a:srgbClr val="000000"/>
                 </a:solidFill>
@@ -3834,14 +5722,14 @@
           </a:ln>
           <a:extLst>
             <a:ext uri="{909E8E84-426E-40DD-AFC4-6F175D3DCCD1}">
-              <a14:hiddenFill xmlns:a14="http://schemas.microsoft.com/office/drawing/2010/main" xmlns="">
+              <a14:hiddenFill xmlns="" xmlns:a14="http://schemas.microsoft.com/office/drawing/2010/main">
                 <a:solidFill>
                   <a:srgbClr val="FFFFFF"/>
                 </a:solidFill>
               </a14:hiddenFill>
             </a:ext>
             <a:ext uri="{91240B29-F687-4F45-9708-019B960494DF}">
-              <a14:hiddenLine xmlns:a14="http://schemas.microsoft.com/office/drawing/2010/main" xmlns="" w="9525">
+              <a14:hiddenLine xmlns="" xmlns:a14="http://schemas.microsoft.com/office/drawing/2010/main" w="9525">
                 <a:solidFill>
                   <a:srgbClr val="000000"/>
                 </a:solidFill>
@@ -3900,7 +5788,7 @@
           </a:ln>
           <a:extLst>
             <a:ext uri="{909E8E84-426E-40DD-AFC4-6F175D3DCCD1}">
-              <a14:hiddenFill xmlns:a14="http://schemas.microsoft.com/office/drawing/2010/main" xmlns="">
+              <a14:hiddenFill xmlns="" xmlns:a14="http://schemas.microsoft.com/office/drawing/2010/main">
                 <a:solidFill>
                   <a:srgbClr val="FFFFFF"/>
                 </a:solidFill>
@@ -3933,14 +5821,14 @@
           </a:ln>
           <a:extLst>
             <a:ext uri="{909E8E84-426E-40DD-AFC4-6F175D3DCCD1}">
-              <a14:hiddenFill xmlns:a14="http://schemas.microsoft.com/office/drawing/2010/main" xmlns="">
+              <a14:hiddenFill xmlns="" xmlns:a14="http://schemas.microsoft.com/office/drawing/2010/main">
                 <a:solidFill>
                   <a:srgbClr val="FFFFFF"/>
                 </a:solidFill>
               </a14:hiddenFill>
             </a:ext>
             <a:ext uri="{91240B29-F687-4F45-9708-019B960494DF}">
-              <a14:hiddenLine xmlns:a14="http://schemas.microsoft.com/office/drawing/2010/main" xmlns="" w="9525">
+              <a14:hiddenLine xmlns="" xmlns:a14="http://schemas.microsoft.com/office/drawing/2010/main" w="9525">
                 <a:solidFill>
                   <a:srgbClr val="000000"/>
                 </a:solidFill>
@@ -4019,14 +5907,14 @@
           </a:ln>
           <a:extLst>
             <a:ext uri="{909E8E84-426E-40DD-AFC4-6F175D3DCCD1}">
-              <a14:hiddenFill xmlns:a14="http://schemas.microsoft.com/office/drawing/2010/main" xmlns="">
+              <a14:hiddenFill xmlns="" xmlns:a14="http://schemas.microsoft.com/office/drawing/2010/main">
                 <a:solidFill>
                   <a:srgbClr val="FFFFFF"/>
                 </a:solidFill>
               </a14:hiddenFill>
             </a:ext>
             <a:ext uri="{91240B29-F687-4F45-9708-019B960494DF}">
-              <a14:hiddenLine xmlns:a14="http://schemas.microsoft.com/office/drawing/2010/main" xmlns="" w="9525">
+              <a14:hiddenLine xmlns="" xmlns:a14="http://schemas.microsoft.com/office/drawing/2010/main" w="9525">
                 <a:solidFill>
                   <a:srgbClr val="000000"/>
                 </a:solidFill>
@@ -4080,14 +5968,14 @@
           </a:ln>
           <a:extLst>
             <a:ext uri="{909E8E84-426E-40DD-AFC4-6F175D3DCCD1}">
-              <a14:hiddenFill xmlns:a14="http://schemas.microsoft.com/office/drawing/2010/main" xmlns="">
+              <a14:hiddenFill xmlns="" xmlns:a14="http://schemas.microsoft.com/office/drawing/2010/main">
                 <a:solidFill>
                   <a:srgbClr val="FFFFFF"/>
                 </a:solidFill>
               </a14:hiddenFill>
             </a:ext>
             <a:ext uri="{91240B29-F687-4F45-9708-019B960494DF}">
-              <a14:hiddenLine xmlns:a14="http://schemas.microsoft.com/office/drawing/2010/main" xmlns="" w="9525">
+              <a14:hiddenLine xmlns="" xmlns:a14="http://schemas.microsoft.com/office/drawing/2010/main" w="9525">
                 <a:solidFill>
                   <a:srgbClr val="000000"/>
                 </a:solidFill>
@@ -4127,7 +6015,7 @@
     </p:spTree>
     <p:extLst>
       <p:ext uri="{BB962C8B-B14F-4D97-AF65-F5344CB8AC3E}">
-        <p14:creationId xmlns:p14="http://schemas.microsoft.com/office/powerpoint/2010/main" xmlns="" val="337644907"/>
+        <p14:creationId xmlns="" xmlns:p14="http://schemas.microsoft.com/office/powerpoint/2010/main" val="337644907"/>
       </p:ext>
     </p:extLst>
   </p:cSld>
@@ -4329,7 +6217,7 @@
               <a:pPr>
                 <a:defRPr/>
               </a:pPr>
-              <a:t>3</a:t>
+              <a:t>11</a:t>
             </a:fld>
             <a:endParaRPr lang="en-US" dirty="0"/>
           </a:p>
@@ -4338,7 +6226,7 @@
     </p:spTree>
     <p:extLst>
       <p:ext uri="{BB962C8B-B14F-4D97-AF65-F5344CB8AC3E}">
-        <p14:creationId xmlns:p14="http://schemas.microsoft.com/office/powerpoint/2010/main" xmlns="" val="1930027059"/>
+        <p14:creationId xmlns="" xmlns:p14="http://schemas.microsoft.com/office/powerpoint/2010/main" val="1930027059"/>
       </p:ext>
     </p:extLst>
   </p:cSld>
@@ -4385,7 +6273,7 @@
           <a:blip r:embed="rId2">
             <a:extLst>
               <a:ext uri="{28A0092B-C50C-407E-A947-70E740481C1C}">
-                <a14:useLocalDpi xmlns:a14="http://schemas.microsoft.com/office/drawing/2010/main" xmlns="" val="0"/>
+                <a14:useLocalDpi xmlns="" xmlns:a14="http://schemas.microsoft.com/office/drawing/2010/main" val="0"/>
               </a:ext>
             </a:extLst>
           </a:blip>
@@ -4405,7 +6293,7 @@
           <a:noFill/>
           <a:extLst>
             <a:ext uri="{909E8E84-426E-40DD-AFC4-6F175D3DCCD1}">
-              <a14:hiddenFill xmlns:a14="http://schemas.microsoft.com/office/drawing/2010/main" xmlns="">
+              <a14:hiddenFill xmlns="" xmlns:a14="http://schemas.microsoft.com/office/drawing/2010/main">
                 <a:solidFill>
                   <a:srgbClr val="FFFFFF"/>
                 </a:solidFill>
@@ -4515,7 +6403,7 @@
           <a:blip r:embed="rId3">
             <a:extLst>
               <a:ext uri="{28A0092B-C50C-407E-A947-70E740481C1C}">
-                <a14:useLocalDpi xmlns:a14="http://schemas.microsoft.com/office/drawing/2010/main" xmlns="" val="0"/>
+                <a14:useLocalDpi xmlns="" xmlns:a14="http://schemas.microsoft.com/office/drawing/2010/main" val="0"/>
               </a:ext>
             </a:extLst>
           </a:blip>
@@ -4533,7 +6421,7 @@
           <a:noFill/>
           <a:extLst>
             <a:ext uri="{909E8E84-426E-40DD-AFC4-6F175D3DCCD1}">
-              <a14:hiddenFill xmlns:a14="http://schemas.microsoft.com/office/drawing/2010/main" xmlns="">
+              <a14:hiddenFill xmlns="" xmlns:a14="http://schemas.microsoft.com/office/drawing/2010/main">
                 <a:solidFill>
                   <a:srgbClr val="FFFFFF"/>
                 </a:solidFill>
@@ -4554,7 +6442,7 @@
           <a:blip r:embed="rId4">
             <a:extLst>
               <a:ext uri="{28A0092B-C50C-407E-A947-70E740481C1C}">
-                <a14:useLocalDpi xmlns:a14="http://schemas.microsoft.com/office/drawing/2010/main" xmlns="" val="0"/>
+                <a14:useLocalDpi xmlns="" xmlns:a14="http://schemas.microsoft.com/office/drawing/2010/main" val="0"/>
               </a:ext>
             </a:extLst>
           </a:blip>
@@ -4584,7 +6472,7 @@
           <a:blip r:embed="rId5">
             <a:extLst>
               <a:ext uri="{28A0092B-C50C-407E-A947-70E740481C1C}">
-                <a14:useLocalDpi xmlns:a14="http://schemas.microsoft.com/office/drawing/2010/main" xmlns="" val="0"/>
+                <a14:useLocalDpi xmlns="" xmlns:a14="http://schemas.microsoft.com/office/drawing/2010/main" val="0"/>
               </a:ext>
             </a:extLst>
           </a:blip>
@@ -4605,7 +6493,7 @@
     </p:spTree>
     <p:extLst>
       <p:ext uri="{BB962C8B-B14F-4D97-AF65-F5344CB8AC3E}">
-        <p14:creationId xmlns:p14="http://schemas.microsoft.com/office/powerpoint/2010/main" xmlns="" val="2319705792"/>
+        <p14:creationId xmlns="" xmlns:p14="http://schemas.microsoft.com/office/powerpoint/2010/main" val="2319705792"/>
       </p:ext>
     </p:extLst>
   </p:cSld>
@@ -4735,7 +6623,7 @@
           <a:blip r:embed="rId2">
             <a:extLst>
               <a:ext uri="{28A0092B-C50C-407E-A947-70E740481C1C}">
-                <a14:useLocalDpi xmlns:a14="http://schemas.microsoft.com/office/drawing/2010/main" xmlns="" val="0"/>
+                <a14:useLocalDpi xmlns="" xmlns:a14="http://schemas.microsoft.com/office/drawing/2010/main" val="0"/>
               </a:ext>
             </a:extLst>
           </a:blip>
@@ -4755,7 +6643,7 @@
           <a:noFill/>
           <a:extLst>
             <a:ext uri="{909E8E84-426E-40DD-AFC4-6F175D3DCCD1}">
-              <a14:hiddenFill xmlns:a14="http://schemas.microsoft.com/office/drawing/2010/main" xmlns="">
+              <a14:hiddenFill xmlns="" xmlns:a14="http://schemas.microsoft.com/office/drawing/2010/main">
                 <a:solidFill>
                   <a:srgbClr val="FFFFFF"/>
                 </a:solidFill>
@@ -4776,7 +6664,7 @@
           <a:blip r:embed="rId3">
             <a:extLst>
               <a:ext uri="{28A0092B-C50C-407E-A947-70E740481C1C}">
-                <a14:useLocalDpi xmlns:a14="http://schemas.microsoft.com/office/drawing/2010/main" xmlns="" val="0"/>
+                <a14:useLocalDpi xmlns="" xmlns:a14="http://schemas.microsoft.com/office/drawing/2010/main" val="0"/>
               </a:ext>
             </a:extLst>
           </a:blip>
@@ -4796,7 +6684,7 @@
           <a:noFill/>
           <a:extLst>
             <a:ext uri="{909E8E84-426E-40DD-AFC4-6F175D3DCCD1}">
-              <a14:hiddenFill xmlns:a14="http://schemas.microsoft.com/office/drawing/2010/main" xmlns="">
+              <a14:hiddenFill xmlns="" xmlns:a14="http://schemas.microsoft.com/office/drawing/2010/main">
                 <a:solidFill>
                   <a:srgbClr val="FFFFFF"/>
                 </a:solidFill>
@@ -4904,7 +6792,7 @@
           <a:blip r:embed="rId4">
             <a:extLst>
               <a:ext uri="{28A0092B-C50C-407E-A947-70E740481C1C}">
-                <a14:useLocalDpi xmlns:a14="http://schemas.microsoft.com/office/drawing/2010/main" xmlns="" val="0"/>
+                <a14:useLocalDpi xmlns="" xmlns:a14="http://schemas.microsoft.com/office/drawing/2010/main" val="0"/>
               </a:ext>
             </a:extLst>
           </a:blip>
@@ -4924,7 +6812,7 @@
           <a:noFill/>
           <a:extLst>
             <a:ext uri="{909E8E84-426E-40DD-AFC4-6F175D3DCCD1}">
-              <a14:hiddenFill xmlns:a14="http://schemas.microsoft.com/office/drawing/2010/main" xmlns="">
+              <a14:hiddenFill xmlns="" xmlns:a14="http://schemas.microsoft.com/office/drawing/2010/main">
                 <a:solidFill>
                   <a:srgbClr val="FFFFFF"/>
                 </a:solidFill>
@@ -5009,7 +6897,7 @@
     </p:spTree>
     <p:extLst>
       <p:ext uri="{BB962C8B-B14F-4D97-AF65-F5344CB8AC3E}">
-        <p14:creationId xmlns:p14="http://schemas.microsoft.com/office/powerpoint/2010/main" xmlns="" val="4116109263"/>
+        <p14:creationId xmlns="" xmlns:p14="http://schemas.microsoft.com/office/powerpoint/2010/main" val="4116109263"/>
       </p:ext>
     </p:extLst>
   </p:cSld>
@@ -5242,7 +7130,7 @@
           <a:blip r:embed="rId2">
             <a:extLst>
               <a:ext uri="{28A0092B-C50C-407E-A947-70E740481C1C}">
-                <a14:useLocalDpi xmlns:a14="http://schemas.microsoft.com/office/drawing/2010/main" xmlns="" val="0"/>
+                <a14:useLocalDpi xmlns="" xmlns:a14="http://schemas.microsoft.com/office/drawing/2010/main" val="0"/>
               </a:ext>
             </a:extLst>
           </a:blip>
@@ -5262,7 +7150,7 @@
           <a:noFill/>
           <a:extLst>
             <a:ext uri="{909E8E84-426E-40DD-AFC4-6F175D3DCCD1}">
-              <a14:hiddenFill xmlns:a14="http://schemas.microsoft.com/office/drawing/2010/main" xmlns="">
+              <a14:hiddenFill xmlns="" xmlns:a14="http://schemas.microsoft.com/office/drawing/2010/main">
                 <a:solidFill>
                   <a:srgbClr val="FFFFFF"/>
                 </a:solidFill>
@@ -5283,7 +7171,7 @@
           <a:blip r:embed="rId3">
             <a:extLst>
               <a:ext uri="{28A0092B-C50C-407E-A947-70E740481C1C}">
-                <a14:useLocalDpi xmlns:a14="http://schemas.microsoft.com/office/drawing/2010/main" xmlns="" val="0"/>
+                <a14:useLocalDpi xmlns="" xmlns:a14="http://schemas.microsoft.com/office/drawing/2010/main" val="0"/>
               </a:ext>
             </a:extLst>
           </a:blip>
@@ -5303,7 +7191,7 @@
           <a:noFill/>
           <a:extLst>
             <a:ext uri="{909E8E84-426E-40DD-AFC4-6F175D3DCCD1}">
-              <a14:hiddenFill xmlns:a14="http://schemas.microsoft.com/office/drawing/2010/main" xmlns="">
+              <a14:hiddenFill xmlns="" xmlns:a14="http://schemas.microsoft.com/office/drawing/2010/main">
                 <a:solidFill>
                   <a:srgbClr val="FFFFFF"/>
                 </a:solidFill>
@@ -5411,7 +7299,7 @@
           <a:blip r:embed="rId4">
             <a:extLst>
               <a:ext uri="{28A0092B-C50C-407E-A947-70E740481C1C}">
-                <a14:useLocalDpi xmlns:a14="http://schemas.microsoft.com/office/drawing/2010/main" xmlns="" val="0"/>
+                <a14:useLocalDpi xmlns="" xmlns:a14="http://schemas.microsoft.com/office/drawing/2010/main" val="0"/>
               </a:ext>
             </a:extLst>
           </a:blip>
@@ -5431,7 +7319,7 @@
           <a:noFill/>
           <a:extLst>
             <a:ext uri="{909E8E84-426E-40DD-AFC4-6F175D3DCCD1}">
-              <a14:hiddenFill xmlns:a14="http://schemas.microsoft.com/office/drawing/2010/main" xmlns="">
+              <a14:hiddenFill xmlns="" xmlns:a14="http://schemas.microsoft.com/office/drawing/2010/main">
                 <a:solidFill>
                   <a:srgbClr val="FFFFFF"/>
                 </a:solidFill>
@@ -5479,7 +7367,7 @@
     </p:spTree>
     <p:extLst>
       <p:ext uri="{BB962C8B-B14F-4D97-AF65-F5344CB8AC3E}">
-        <p14:creationId xmlns:p14="http://schemas.microsoft.com/office/powerpoint/2010/main" xmlns="" val="178163432"/>
+        <p14:creationId xmlns="" xmlns:p14="http://schemas.microsoft.com/office/powerpoint/2010/main" val="178163432"/>
       </p:ext>
     </p:extLst>
   </p:cSld>
@@ -5526,7 +7414,7 @@
           <a:blip r:embed="rId2">
             <a:extLst>
               <a:ext uri="{28A0092B-C50C-407E-A947-70E740481C1C}">
-                <a14:useLocalDpi xmlns:a14="http://schemas.microsoft.com/office/drawing/2010/main" xmlns="" val="0"/>
+                <a14:useLocalDpi xmlns="" xmlns:a14="http://schemas.microsoft.com/office/drawing/2010/main" val="0"/>
               </a:ext>
             </a:extLst>
           </a:blip>
@@ -5546,7 +7434,7 @@
           <a:noFill/>
           <a:extLst>
             <a:ext uri="{909E8E84-426E-40DD-AFC4-6F175D3DCCD1}">
-              <a14:hiddenFill xmlns:a14="http://schemas.microsoft.com/office/drawing/2010/main" xmlns="">
+              <a14:hiddenFill xmlns="" xmlns:a14="http://schemas.microsoft.com/office/drawing/2010/main">
                 <a:solidFill>
                   <a:srgbClr val="FFFFFF"/>
                 </a:solidFill>
@@ -5604,7 +7492,7 @@
     </p:spTree>
     <p:extLst>
       <p:ext uri="{BB962C8B-B14F-4D97-AF65-F5344CB8AC3E}">
-        <p14:creationId xmlns:p14="http://schemas.microsoft.com/office/powerpoint/2010/main" xmlns="" val="2071532018"/>
+        <p14:creationId xmlns="" xmlns:p14="http://schemas.microsoft.com/office/powerpoint/2010/main" val="2071532018"/>
       </p:ext>
     </p:extLst>
   </p:cSld>
@@ -5669,7 +7557,7 @@
           <a:blip r:embed="rId2">
             <a:extLst>
               <a:ext uri="{28A0092B-C50C-407E-A947-70E740481C1C}">
-                <a14:useLocalDpi xmlns:a14="http://schemas.microsoft.com/office/drawing/2010/main" xmlns="" val="0"/>
+                <a14:useLocalDpi xmlns="" xmlns:a14="http://schemas.microsoft.com/office/drawing/2010/main" val="0"/>
               </a:ext>
             </a:extLst>
           </a:blip>
@@ -5689,7 +7577,7 @@
           <a:noFill/>
           <a:extLst>
             <a:ext uri="{909E8E84-426E-40DD-AFC4-6F175D3DCCD1}">
-              <a14:hiddenFill xmlns:a14="http://schemas.microsoft.com/office/drawing/2010/main" xmlns="">
+              <a14:hiddenFill xmlns="" xmlns:a14="http://schemas.microsoft.com/office/drawing/2010/main">
                 <a:solidFill>
                   <a:srgbClr val="FFFFFF"/>
                 </a:solidFill>
@@ -5797,7 +7685,7 @@
           <a:blip r:embed="rId3">
             <a:extLst>
               <a:ext uri="{28A0092B-C50C-407E-A947-70E740481C1C}">
-                <a14:useLocalDpi xmlns:a14="http://schemas.microsoft.com/office/drawing/2010/main" xmlns="" val="0"/>
+                <a14:useLocalDpi xmlns="" xmlns:a14="http://schemas.microsoft.com/office/drawing/2010/main" val="0"/>
               </a:ext>
             </a:extLst>
           </a:blip>
@@ -5817,7 +7705,7 @@
           <a:noFill/>
           <a:extLst>
             <a:ext uri="{909E8E84-426E-40DD-AFC4-6F175D3DCCD1}">
-              <a14:hiddenFill xmlns:a14="http://schemas.microsoft.com/office/drawing/2010/main" xmlns="">
+              <a14:hiddenFill xmlns="" xmlns:a14="http://schemas.microsoft.com/office/drawing/2010/main">
                 <a:solidFill>
                   <a:srgbClr val="FFFFFF"/>
                 </a:solidFill>
@@ -5874,7 +7762,7 @@
           <a:blip r:embed="rId4">
             <a:extLst>
               <a:ext uri="{28A0092B-C50C-407E-A947-70E740481C1C}">
-                <a14:useLocalDpi xmlns:a14="http://schemas.microsoft.com/office/drawing/2010/main" xmlns="" val="0"/>
+                <a14:useLocalDpi xmlns="" xmlns:a14="http://schemas.microsoft.com/office/drawing/2010/main" val="0"/>
               </a:ext>
             </a:extLst>
           </a:blip>
@@ -5894,7 +7782,7 @@
           <a:noFill/>
           <a:extLst>
             <a:ext uri="{909E8E84-426E-40DD-AFC4-6F175D3DCCD1}">
-              <a14:hiddenFill xmlns:a14="http://schemas.microsoft.com/office/drawing/2010/main" xmlns="">
+              <a14:hiddenFill xmlns="" xmlns:a14="http://schemas.microsoft.com/office/drawing/2010/main">
                 <a:solidFill>
                   <a:srgbClr val="FFFFFF"/>
                 </a:solidFill>
@@ -5906,7 +7794,7 @@
     </p:spTree>
     <p:extLst>
       <p:ext uri="{BB962C8B-B14F-4D97-AF65-F5344CB8AC3E}">
-        <p14:creationId xmlns:p14="http://schemas.microsoft.com/office/powerpoint/2010/main" xmlns="" val="1362343375"/>
+        <p14:creationId xmlns="" xmlns:p14="http://schemas.microsoft.com/office/powerpoint/2010/main" val="1362343375"/>
       </p:ext>
     </p:extLst>
   </p:cSld>
@@ -6027,7 +7915,7 @@
     </p:spTree>
     <p:extLst>
       <p:ext uri="{BB962C8B-B14F-4D97-AF65-F5344CB8AC3E}">
-        <p14:creationId xmlns:p14="http://schemas.microsoft.com/office/powerpoint/2010/main" xmlns="" val="1033562754"/>
+        <p14:creationId xmlns="" xmlns:p14="http://schemas.microsoft.com/office/powerpoint/2010/main" val="1033562754"/>
       </p:ext>
     </p:extLst>
   </p:cSld>
@@ -6086,14 +7974,14 @@
           </a:ln>
           <a:extLst>
             <a:ext uri="{909E8E84-426E-40DD-AFC4-6F175D3DCCD1}">
-              <a14:hiddenFill xmlns:a14="http://schemas.microsoft.com/office/drawing/2010/main" xmlns="">
+              <a14:hiddenFill xmlns="" xmlns:a14="http://schemas.microsoft.com/office/drawing/2010/main">
                 <a:solidFill>
                   <a:srgbClr val="FFFFFF"/>
                 </a:solidFill>
               </a14:hiddenFill>
             </a:ext>
             <a:ext uri="{91240B29-F687-4F45-9708-019B960494DF}">
-              <a14:hiddenLine xmlns:a14="http://schemas.microsoft.com/office/drawing/2010/main" xmlns="" w="9525">
+              <a14:hiddenLine xmlns="" xmlns:a14="http://schemas.microsoft.com/office/drawing/2010/main" w="9525">
                 <a:solidFill>
                   <a:srgbClr val="000000"/>
                 </a:solidFill>
@@ -6225,7 +8113,7 @@
           <a:blip r:embed="rId7">
             <a:extLst>
               <a:ext uri="{28A0092B-C50C-407E-A947-70E740481C1C}">
-                <a14:useLocalDpi xmlns:a14="http://schemas.microsoft.com/office/drawing/2010/main" xmlns="" val="0"/>
+                <a14:useLocalDpi xmlns="" xmlns:a14="http://schemas.microsoft.com/office/drawing/2010/main" val="0"/>
               </a:ext>
             </a:extLst>
           </a:blip>
@@ -6245,7 +8133,7 @@
           <a:noFill/>
           <a:extLst>
             <a:ext uri="{909E8E84-426E-40DD-AFC4-6F175D3DCCD1}">
-              <a14:hiddenFill xmlns:a14="http://schemas.microsoft.com/office/drawing/2010/main" xmlns="">
+              <a14:hiddenFill xmlns="" xmlns:a14="http://schemas.microsoft.com/office/drawing/2010/main">
                 <a:solidFill>
                   <a:srgbClr val="FFFFFF"/>
                 </a:solidFill>
@@ -6266,7 +8154,7 @@
           <a:blip r:embed="rId8">
             <a:extLst>
               <a:ext uri="{28A0092B-C50C-407E-A947-70E740481C1C}">
-                <a14:useLocalDpi xmlns:a14="http://schemas.microsoft.com/office/drawing/2010/main" xmlns="" val="0"/>
+                <a14:useLocalDpi xmlns="" xmlns:a14="http://schemas.microsoft.com/office/drawing/2010/main" val="0"/>
               </a:ext>
             </a:extLst>
           </a:blip>
@@ -6286,7 +8174,7 @@
           <a:noFill/>
           <a:extLst>
             <a:ext uri="{909E8E84-426E-40DD-AFC4-6F175D3DCCD1}">
-              <a14:hiddenFill xmlns:a14="http://schemas.microsoft.com/office/drawing/2010/main" xmlns="">
+              <a14:hiddenFill xmlns="" xmlns:a14="http://schemas.microsoft.com/office/drawing/2010/main">
                 <a:solidFill>
                   <a:srgbClr val="FFFFFF"/>
                 </a:solidFill>
@@ -6396,7 +8284,7 @@
           <a:blip r:embed="rId9">
             <a:extLst>
               <a:ext uri="{28A0092B-C50C-407E-A947-70E740481C1C}">
-                <a14:useLocalDpi xmlns:a14="http://schemas.microsoft.com/office/drawing/2010/main" xmlns="" val="0"/>
+                <a14:useLocalDpi xmlns="" xmlns:a14="http://schemas.microsoft.com/office/drawing/2010/main" val="0"/>
               </a:ext>
             </a:extLst>
           </a:blip>
@@ -6416,7 +8304,7 @@
           <a:noFill/>
           <a:extLst>
             <a:ext uri="{909E8E84-426E-40DD-AFC4-6F175D3DCCD1}">
-              <a14:hiddenFill xmlns:a14="http://schemas.microsoft.com/office/drawing/2010/main" xmlns="">
+              <a14:hiddenFill xmlns="" xmlns:a14="http://schemas.microsoft.com/office/drawing/2010/main">
                 <a:solidFill>
                   <a:srgbClr val="FFFFFF"/>
                 </a:solidFill>
@@ -6899,7 +8787,7 @@
           <a:blip r:embed="rId3">
             <a:extLst>
               <a:ext uri="{28A0092B-C50C-407E-A947-70E740481C1C}">
-                <a14:useLocalDpi xmlns:a14="http://schemas.microsoft.com/office/drawing/2010/main" xmlns="" val="0"/>
+                <a14:useLocalDpi xmlns="" xmlns:a14="http://schemas.microsoft.com/office/drawing/2010/main" val="0"/>
               </a:ext>
             </a:extLst>
           </a:blip>
@@ -6920,7 +8808,7 @@
     </p:spTree>
     <p:extLst>
       <p:ext uri="{BB962C8B-B14F-4D97-AF65-F5344CB8AC3E}">
-        <p14:creationId xmlns:p14="http://schemas.microsoft.com/office/powerpoint/2010/main" xmlns="" val="1443436294"/>
+        <p14:creationId xmlns="" xmlns:p14="http://schemas.microsoft.com/office/powerpoint/2010/main" val="1443436294"/>
       </p:ext>
     </p:extLst>
   </p:cSld>
@@ -7461,7 +9349,126 @@
     </p:spTree>
     <p:extLst>
       <p:ext uri="{BB962C8B-B14F-4D97-AF65-F5344CB8AC3E}">
-        <p14:creationId xmlns:p14="http://schemas.microsoft.com/office/powerpoint/2010/main" xmlns="" val="1736500707"/>
+        <p14:creationId xmlns="" xmlns:p14="http://schemas.microsoft.com/office/powerpoint/2010/main" val="1736500707"/>
+      </p:ext>
+    </p:extLst>
+  </p:cSld>
+  <p:clrMapOvr>
+    <a:masterClrMapping/>
+  </p:clrMapOvr>
+  <p:timing>
+    <p:tnLst>
+      <p:par>
+        <p:cTn id="1" dur="indefinite" restart="never" nodeType="tmRoot"/>
+      </p:par>
+    </p:tnLst>
+  </p:timing>
+</p:sld>
+</file>
+
+<file path=ppt/slides/slide10.xml><?xml version="1.0" encoding="utf-8"?>
+<p:sld xmlns:a="http://schemas.openxmlformats.org/drawingml/2006/main" xmlns:r="http://schemas.openxmlformats.org/officeDocument/2006/relationships" xmlns:p="http://schemas.openxmlformats.org/presentationml/2006/main">
+  <p:cSld>
+    <p:spTree>
+      <p:nvGrpSpPr>
+        <p:cNvPr id="1" name=""/>
+        <p:cNvGrpSpPr/>
+        <p:nvPr/>
+      </p:nvGrpSpPr>
+      <p:grpSpPr>
+        <a:xfrm>
+          <a:off x="0" y="0"/>
+          <a:ext cx="0" cy="0"/>
+          <a:chOff x="0" y="0"/>
+          <a:chExt cx="0" cy="0"/>
+        </a:xfrm>
+      </p:grpSpPr>
+      <p:sp>
+        <p:nvSpPr>
+          <p:cNvPr id="2" name="Content Placeholder 1"/>
+          <p:cNvSpPr>
+            <a:spLocks noGrp="1"/>
+          </p:cNvSpPr>
+          <p:nvPr>
+            <p:ph idx="1"/>
+          </p:nvPr>
+        </p:nvSpPr>
+        <p:spPr/>
+        <p:txBody>
+          <a:bodyPr/>
+          <a:lstStyle/>
+          <a:p>
+            <a:endParaRPr lang="en-US"/>
+          </a:p>
+        </p:txBody>
+      </p:sp>
+      <p:sp>
+        <p:nvSpPr>
+          <p:cNvPr id="3" name="Title 2"/>
+          <p:cNvSpPr>
+            <a:spLocks noGrp="1"/>
+          </p:cNvSpPr>
+          <p:nvPr>
+            <p:ph type="title"/>
+          </p:nvPr>
+        </p:nvSpPr>
+        <p:spPr/>
+        <p:txBody>
+          <a:bodyPr/>
+          <a:lstStyle/>
+          <a:p>
+            <a:endParaRPr lang="en-US"/>
+          </a:p>
+        </p:txBody>
+      </p:sp>
+      <p:sp>
+        <p:nvSpPr>
+          <p:cNvPr id="4" name="Content Placeholder 3"/>
+          <p:cNvSpPr>
+            <a:spLocks noGrp="1"/>
+          </p:cNvSpPr>
+          <p:nvPr>
+            <p:ph sz="quarter" idx="10"/>
+          </p:nvPr>
+        </p:nvSpPr>
+        <p:spPr/>
+        <p:txBody>
+          <a:bodyPr/>
+          <a:lstStyle/>
+          <a:p>
+            <a:endParaRPr lang="en-US"/>
+          </a:p>
+        </p:txBody>
+      </p:sp>
+    </p:spTree>
+  </p:cSld>
+  <p:clrMapOvr>
+    <a:masterClrMapping/>
+  </p:clrMapOvr>
+</p:sld>
+</file>
+
+<file path=ppt/slides/slide11.xml><?xml version="1.0" encoding="utf-8"?>
+<p:sld xmlns:a="http://schemas.openxmlformats.org/drawingml/2006/main" xmlns:r="http://schemas.openxmlformats.org/officeDocument/2006/relationships" xmlns:p="http://schemas.openxmlformats.org/presentationml/2006/main">
+  <p:cSld>
+    <p:spTree>
+      <p:nvGrpSpPr>
+        <p:cNvPr id="1" name=""/>
+        <p:cNvGrpSpPr/>
+        <p:nvPr/>
+      </p:nvGrpSpPr>
+      <p:grpSpPr>
+        <a:xfrm>
+          <a:off x="0" y="0"/>
+          <a:ext cx="0" cy="0"/>
+          <a:chOff x="0" y="0"/>
+          <a:chExt cx="0" cy="0"/>
+        </a:xfrm>
+      </p:grpSpPr>
+    </p:spTree>
+    <p:extLst>
+      <p:ext uri="{BB962C8B-B14F-4D97-AF65-F5344CB8AC3E}">
+        <p14:creationId xmlns="" xmlns:p14="http://schemas.microsoft.com/office/powerpoint/2010/main" val="1177520663"/>
       </p:ext>
     </p:extLst>
   </p:cSld>
@@ -7506,8 +9513,8 @@
           </p:nvPr>
         </p:nvGraphicFramePr>
         <p:xfrm>
-          <a:off x="258764" y="939800"/>
-          <a:ext cx="4249442" cy="3844851"/>
+          <a:off x="258763" y="939801"/>
+          <a:ext cx="9151051" cy="4482804"/>
         </p:xfrm>
         <a:graphic>
           <a:graphicData uri="http://schemas.openxmlformats.org/drawingml/2006/diagram">
@@ -7543,7 +9550,7 @@
           <p:cNvPr id="4" name="Content Placeholder 3">
             <a:extLst>
               <a:ext uri="{FF2B5EF4-FFF2-40B4-BE49-F238E27FC236}">
-                <a16:creationId xmlns:a16="http://schemas.microsoft.com/office/drawing/2014/main" xmlns="" id="{F3FFDACA-8C49-4FD3-A1B5-AD61959D7EAF}"/>
+                <a16:creationId xmlns="" xmlns:a16="http://schemas.microsoft.com/office/drawing/2014/main" id="{F3FFDACA-8C49-4FD3-A1B5-AD61959D7EAF}"/>
               </a:ext>
             </a:extLst>
           </p:cNvPr>
@@ -7566,7 +9573,7 @@
     </p:spTree>
     <p:extLst>
       <p:ext uri="{BB962C8B-B14F-4D97-AF65-F5344CB8AC3E}">
-        <p14:creationId xmlns:p14="http://schemas.microsoft.com/office/powerpoint/2010/main" xmlns="" val="760889361"/>
+        <p14:creationId xmlns="" xmlns:p14="http://schemas.microsoft.com/office/powerpoint/2010/main" val="760889361"/>
       </p:ext>
     </p:extLst>
   </p:cSld>
@@ -7600,12 +9607,560 @@
           <a:chExt cx="0" cy="0"/>
         </a:xfrm>
       </p:grpSpPr>
+      <p:sp>
+        <p:nvSpPr>
+          <p:cNvPr id="2" name="Content Placeholder 1"/>
+          <p:cNvSpPr>
+            <a:spLocks noGrp="1"/>
+          </p:cNvSpPr>
+          <p:nvPr>
+            <p:ph idx="1"/>
+          </p:nvPr>
+        </p:nvSpPr>
+        <p:spPr/>
+        <p:txBody>
+          <a:bodyPr/>
+          <a:lstStyle/>
+          <a:p>
+            <a:endParaRPr lang="en-US" dirty="0"/>
+          </a:p>
+        </p:txBody>
+      </p:sp>
+      <p:sp>
+        <p:nvSpPr>
+          <p:cNvPr id="3" name="Title 2"/>
+          <p:cNvSpPr>
+            <a:spLocks noGrp="1"/>
+          </p:cNvSpPr>
+          <p:nvPr>
+            <p:ph type="title"/>
+          </p:nvPr>
+        </p:nvSpPr>
+        <p:spPr/>
+        <p:txBody>
+          <a:bodyPr/>
+          <a:lstStyle/>
+          <a:p>
+            <a:r>
+              <a:rPr lang="en-US" dirty="0" smtClean="0"/>
+              <a:t>Bidder Registration</a:t>
+            </a:r>
+            <a:endParaRPr lang="en-US" dirty="0"/>
+          </a:p>
+        </p:txBody>
+      </p:sp>
+      <p:sp>
+        <p:nvSpPr>
+          <p:cNvPr id="4" name="Content Placeholder 3"/>
+          <p:cNvSpPr>
+            <a:spLocks noGrp="1"/>
+          </p:cNvSpPr>
+          <p:nvPr>
+            <p:ph sz="quarter" idx="10"/>
+          </p:nvPr>
+        </p:nvSpPr>
+        <p:spPr/>
+        <p:txBody>
+          <a:bodyPr/>
+          <a:lstStyle/>
+          <a:p>
+            <a:endParaRPr lang="en-US"/>
+          </a:p>
+        </p:txBody>
+      </p:sp>
     </p:spTree>
-    <p:extLst>
-      <p:ext uri="{BB962C8B-B14F-4D97-AF65-F5344CB8AC3E}">
-        <p14:creationId xmlns:p14="http://schemas.microsoft.com/office/powerpoint/2010/main" xmlns="" val="1177520663"/>
-      </p:ext>
-    </p:extLst>
+  </p:cSld>
+  <p:clrMapOvr>
+    <a:masterClrMapping/>
+  </p:clrMapOvr>
+</p:sld>
+</file>
+
+<file path=ppt/slides/slide4.xml><?xml version="1.0" encoding="utf-8"?>
+<p:sld xmlns:a="http://schemas.openxmlformats.org/drawingml/2006/main" xmlns:r="http://schemas.openxmlformats.org/officeDocument/2006/relationships" xmlns:p="http://schemas.openxmlformats.org/presentationml/2006/main">
+  <p:cSld>
+    <p:spTree>
+      <p:nvGrpSpPr>
+        <p:cNvPr id="1" name=""/>
+        <p:cNvGrpSpPr/>
+        <p:nvPr/>
+      </p:nvGrpSpPr>
+      <p:grpSpPr>
+        <a:xfrm>
+          <a:off x="0" y="0"/>
+          <a:ext cx="0" cy="0"/>
+          <a:chOff x="0" y="0"/>
+          <a:chExt cx="0" cy="0"/>
+        </a:xfrm>
+      </p:grpSpPr>
+      <p:sp>
+        <p:nvSpPr>
+          <p:cNvPr id="2" name="Content Placeholder 1"/>
+          <p:cNvSpPr>
+            <a:spLocks noGrp="1"/>
+          </p:cNvSpPr>
+          <p:nvPr>
+            <p:ph idx="1"/>
+          </p:nvPr>
+        </p:nvSpPr>
+        <p:spPr/>
+        <p:txBody>
+          <a:bodyPr/>
+          <a:lstStyle/>
+          <a:p>
+            <a:endParaRPr lang="en-US"/>
+          </a:p>
+        </p:txBody>
+      </p:sp>
+      <p:sp>
+        <p:nvSpPr>
+          <p:cNvPr id="3" name="Title 2"/>
+          <p:cNvSpPr>
+            <a:spLocks noGrp="1"/>
+          </p:cNvSpPr>
+          <p:nvPr>
+            <p:ph type="title"/>
+          </p:nvPr>
+        </p:nvSpPr>
+        <p:spPr/>
+        <p:txBody>
+          <a:bodyPr/>
+          <a:lstStyle/>
+          <a:p>
+            <a:endParaRPr lang="en-US"/>
+          </a:p>
+        </p:txBody>
+      </p:sp>
+      <p:sp>
+        <p:nvSpPr>
+          <p:cNvPr id="4" name="Content Placeholder 3"/>
+          <p:cNvSpPr>
+            <a:spLocks noGrp="1"/>
+          </p:cNvSpPr>
+          <p:nvPr>
+            <p:ph sz="quarter" idx="10"/>
+          </p:nvPr>
+        </p:nvSpPr>
+        <p:spPr/>
+        <p:txBody>
+          <a:bodyPr/>
+          <a:lstStyle/>
+          <a:p>
+            <a:endParaRPr lang="en-US"/>
+          </a:p>
+        </p:txBody>
+      </p:sp>
+    </p:spTree>
+  </p:cSld>
+  <p:clrMapOvr>
+    <a:masterClrMapping/>
+  </p:clrMapOvr>
+</p:sld>
+</file>
+
+<file path=ppt/slides/slide5.xml><?xml version="1.0" encoding="utf-8"?>
+<p:sld xmlns:a="http://schemas.openxmlformats.org/drawingml/2006/main" xmlns:r="http://schemas.openxmlformats.org/officeDocument/2006/relationships" xmlns:p="http://schemas.openxmlformats.org/presentationml/2006/main">
+  <p:cSld>
+    <p:spTree>
+      <p:nvGrpSpPr>
+        <p:cNvPr id="1" name=""/>
+        <p:cNvGrpSpPr/>
+        <p:nvPr/>
+      </p:nvGrpSpPr>
+      <p:grpSpPr>
+        <a:xfrm>
+          <a:off x="0" y="0"/>
+          <a:ext cx="0" cy="0"/>
+          <a:chOff x="0" y="0"/>
+          <a:chExt cx="0" cy="0"/>
+        </a:xfrm>
+      </p:grpSpPr>
+      <p:sp>
+        <p:nvSpPr>
+          <p:cNvPr id="2" name="Content Placeholder 1"/>
+          <p:cNvSpPr>
+            <a:spLocks noGrp="1"/>
+          </p:cNvSpPr>
+          <p:nvPr>
+            <p:ph idx="1"/>
+          </p:nvPr>
+        </p:nvSpPr>
+        <p:spPr/>
+        <p:txBody>
+          <a:bodyPr/>
+          <a:lstStyle/>
+          <a:p>
+            <a:endParaRPr lang="en-US"/>
+          </a:p>
+        </p:txBody>
+      </p:sp>
+      <p:sp>
+        <p:nvSpPr>
+          <p:cNvPr id="3" name="Title 2"/>
+          <p:cNvSpPr>
+            <a:spLocks noGrp="1"/>
+          </p:cNvSpPr>
+          <p:nvPr>
+            <p:ph type="title"/>
+          </p:nvPr>
+        </p:nvSpPr>
+        <p:spPr/>
+        <p:txBody>
+          <a:bodyPr/>
+          <a:lstStyle/>
+          <a:p>
+            <a:endParaRPr lang="en-US"/>
+          </a:p>
+        </p:txBody>
+      </p:sp>
+      <p:sp>
+        <p:nvSpPr>
+          <p:cNvPr id="4" name="Content Placeholder 3"/>
+          <p:cNvSpPr>
+            <a:spLocks noGrp="1"/>
+          </p:cNvSpPr>
+          <p:nvPr>
+            <p:ph sz="quarter" idx="10"/>
+          </p:nvPr>
+        </p:nvSpPr>
+        <p:spPr/>
+        <p:txBody>
+          <a:bodyPr/>
+          <a:lstStyle/>
+          <a:p>
+            <a:endParaRPr lang="en-US"/>
+          </a:p>
+        </p:txBody>
+      </p:sp>
+    </p:spTree>
+  </p:cSld>
+  <p:clrMapOvr>
+    <a:masterClrMapping/>
+  </p:clrMapOvr>
+</p:sld>
+</file>
+
+<file path=ppt/slides/slide6.xml><?xml version="1.0" encoding="utf-8"?>
+<p:sld xmlns:a="http://schemas.openxmlformats.org/drawingml/2006/main" xmlns:r="http://schemas.openxmlformats.org/officeDocument/2006/relationships" xmlns:p="http://schemas.openxmlformats.org/presentationml/2006/main">
+  <p:cSld>
+    <p:spTree>
+      <p:nvGrpSpPr>
+        <p:cNvPr id="1" name=""/>
+        <p:cNvGrpSpPr/>
+        <p:nvPr/>
+      </p:nvGrpSpPr>
+      <p:grpSpPr>
+        <a:xfrm>
+          <a:off x="0" y="0"/>
+          <a:ext cx="0" cy="0"/>
+          <a:chOff x="0" y="0"/>
+          <a:chExt cx="0" cy="0"/>
+        </a:xfrm>
+      </p:grpSpPr>
+      <p:sp>
+        <p:nvSpPr>
+          <p:cNvPr id="2" name="Content Placeholder 1"/>
+          <p:cNvSpPr>
+            <a:spLocks noGrp="1"/>
+          </p:cNvSpPr>
+          <p:nvPr>
+            <p:ph idx="1"/>
+          </p:nvPr>
+        </p:nvSpPr>
+        <p:spPr/>
+        <p:txBody>
+          <a:bodyPr/>
+          <a:lstStyle/>
+          <a:p>
+            <a:endParaRPr lang="en-US"/>
+          </a:p>
+        </p:txBody>
+      </p:sp>
+      <p:sp>
+        <p:nvSpPr>
+          <p:cNvPr id="3" name="Title 2"/>
+          <p:cNvSpPr>
+            <a:spLocks noGrp="1"/>
+          </p:cNvSpPr>
+          <p:nvPr>
+            <p:ph type="title"/>
+          </p:nvPr>
+        </p:nvSpPr>
+        <p:spPr/>
+        <p:txBody>
+          <a:bodyPr/>
+          <a:lstStyle/>
+          <a:p>
+            <a:endParaRPr lang="en-US"/>
+          </a:p>
+        </p:txBody>
+      </p:sp>
+      <p:sp>
+        <p:nvSpPr>
+          <p:cNvPr id="4" name="Content Placeholder 3"/>
+          <p:cNvSpPr>
+            <a:spLocks noGrp="1"/>
+          </p:cNvSpPr>
+          <p:nvPr>
+            <p:ph sz="quarter" idx="10"/>
+          </p:nvPr>
+        </p:nvSpPr>
+        <p:spPr/>
+        <p:txBody>
+          <a:bodyPr/>
+          <a:lstStyle/>
+          <a:p>
+            <a:endParaRPr lang="en-US"/>
+          </a:p>
+        </p:txBody>
+      </p:sp>
+    </p:spTree>
+  </p:cSld>
+  <p:clrMapOvr>
+    <a:masterClrMapping/>
+  </p:clrMapOvr>
+</p:sld>
+</file>
+
+<file path=ppt/slides/slide7.xml><?xml version="1.0" encoding="utf-8"?>
+<p:sld xmlns:a="http://schemas.openxmlformats.org/drawingml/2006/main" xmlns:r="http://schemas.openxmlformats.org/officeDocument/2006/relationships" xmlns:p="http://schemas.openxmlformats.org/presentationml/2006/main">
+  <p:cSld>
+    <p:spTree>
+      <p:nvGrpSpPr>
+        <p:cNvPr id="1" name=""/>
+        <p:cNvGrpSpPr/>
+        <p:nvPr/>
+      </p:nvGrpSpPr>
+      <p:grpSpPr>
+        <a:xfrm>
+          <a:off x="0" y="0"/>
+          <a:ext cx="0" cy="0"/>
+          <a:chOff x="0" y="0"/>
+          <a:chExt cx="0" cy="0"/>
+        </a:xfrm>
+      </p:grpSpPr>
+      <p:sp>
+        <p:nvSpPr>
+          <p:cNvPr id="2" name="Content Placeholder 1"/>
+          <p:cNvSpPr>
+            <a:spLocks noGrp="1"/>
+          </p:cNvSpPr>
+          <p:nvPr>
+            <p:ph idx="1"/>
+          </p:nvPr>
+        </p:nvSpPr>
+        <p:spPr/>
+        <p:txBody>
+          <a:bodyPr/>
+          <a:lstStyle/>
+          <a:p>
+            <a:endParaRPr lang="en-US"/>
+          </a:p>
+        </p:txBody>
+      </p:sp>
+      <p:sp>
+        <p:nvSpPr>
+          <p:cNvPr id="3" name="Title 2"/>
+          <p:cNvSpPr>
+            <a:spLocks noGrp="1"/>
+          </p:cNvSpPr>
+          <p:nvPr>
+            <p:ph type="title"/>
+          </p:nvPr>
+        </p:nvSpPr>
+        <p:spPr/>
+        <p:txBody>
+          <a:bodyPr/>
+          <a:lstStyle/>
+          <a:p>
+            <a:endParaRPr lang="en-US"/>
+          </a:p>
+        </p:txBody>
+      </p:sp>
+      <p:sp>
+        <p:nvSpPr>
+          <p:cNvPr id="4" name="Content Placeholder 3"/>
+          <p:cNvSpPr>
+            <a:spLocks noGrp="1"/>
+          </p:cNvSpPr>
+          <p:nvPr>
+            <p:ph sz="quarter" idx="10"/>
+          </p:nvPr>
+        </p:nvSpPr>
+        <p:spPr/>
+        <p:txBody>
+          <a:bodyPr/>
+          <a:lstStyle/>
+          <a:p>
+            <a:endParaRPr lang="en-US"/>
+          </a:p>
+        </p:txBody>
+      </p:sp>
+    </p:spTree>
+  </p:cSld>
+  <p:clrMapOvr>
+    <a:masterClrMapping/>
+  </p:clrMapOvr>
+</p:sld>
+</file>
+
+<file path=ppt/slides/slide8.xml><?xml version="1.0" encoding="utf-8"?>
+<p:sld xmlns:a="http://schemas.openxmlformats.org/drawingml/2006/main" xmlns:r="http://schemas.openxmlformats.org/officeDocument/2006/relationships" xmlns:p="http://schemas.openxmlformats.org/presentationml/2006/main">
+  <p:cSld>
+    <p:spTree>
+      <p:nvGrpSpPr>
+        <p:cNvPr id="1" name=""/>
+        <p:cNvGrpSpPr/>
+        <p:nvPr/>
+      </p:nvGrpSpPr>
+      <p:grpSpPr>
+        <a:xfrm>
+          <a:off x="0" y="0"/>
+          <a:ext cx="0" cy="0"/>
+          <a:chOff x="0" y="0"/>
+          <a:chExt cx="0" cy="0"/>
+        </a:xfrm>
+      </p:grpSpPr>
+      <p:sp>
+        <p:nvSpPr>
+          <p:cNvPr id="2" name="Content Placeholder 1"/>
+          <p:cNvSpPr>
+            <a:spLocks noGrp="1"/>
+          </p:cNvSpPr>
+          <p:nvPr>
+            <p:ph idx="1"/>
+          </p:nvPr>
+        </p:nvSpPr>
+        <p:spPr/>
+        <p:txBody>
+          <a:bodyPr/>
+          <a:lstStyle/>
+          <a:p>
+            <a:endParaRPr lang="en-US"/>
+          </a:p>
+        </p:txBody>
+      </p:sp>
+      <p:sp>
+        <p:nvSpPr>
+          <p:cNvPr id="3" name="Title 2"/>
+          <p:cNvSpPr>
+            <a:spLocks noGrp="1"/>
+          </p:cNvSpPr>
+          <p:nvPr>
+            <p:ph type="title"/>
+          </p:nvPr>
+        </p:nvSpPr>
+        <p:spPr/>
+        <p:txBody>
+          <a:bodyPr/>
+          <a:lstStyle/>
+          <a:p>
+            <a:endParaRPr lang="en-US"/>
+          </a:p>
+        </p:txBody>
+      </p:sp>
+      <p:sp>
+        <p:nvSpPr>
+          <p:cNvPr id="4" name="Content Placeholder 3"/>
+          <p:cNvSpPr>
+            <a:spLocks noGrp="1"/>
+          </p:cNvSpPr>
+          <p:nvPr>
+            <p:ph sz="quarter" idx="10"/>
+          </p:nvPr>
+        </p:nvSpPr>
+        <p:spPr/>
+        <p:txBody>
+          <a:bodyPr/>
+          <a:lstStyle/>
+          <a:p>
+            <a:endParaRPr lang="en-US"/>
+          </a:p>
+        </p:txBody>
+      </p:sp>
+    </p:spTree>
+  </p:cSld>
+  <p:clrMapOvr>
+    <a:masterClrMapping/>
+  </p:clrMapOvr>
+</p:sld>
+</file>
+
+<file path=ppt/slides/slide9.xml><?xml version="1.0" encoding="utf-8"?>
+<p:sld xmlns:a="http://schemas.openxmlformats.org/drawingml/2006/main" xmlns:r="http://schemas.openxmlformats.org/officeDocument/2006/relationships" xmlns:p="http://schemas.openxmlformats.org/presentationml/2006/main">
+  <p:cSld>
+    <p:spTree>
+      <p:nvGrpSpPr>
+        <p:cNvPr id="1" name=""/>
+        <p:cNvGrpSpPr/>
+        <p:nvPr/>
+      </p:nvGrpSpPr>
+      <p:grpSpPr>
+        <a:xfrm>
+          <a:off x="0" y="0"/>
+          <a:ext cx="0" cy="0"/>
+          <a:chOff x="0" y="0"/>
+          <a:chExt cx="0" cy="0"/>
+        </a:xfrm>
+      </p:grpSpPr>
+      <p:sp>
+        <p:nvSpPr>
+          <p:cNvPr id="2" name="Content Placeholder 1"/>
+          <p:cNvSpPr>
+            <a:spLocks noGrp="1"/>
+          </p:cNvSpPr>
+          <p:nvPr>
+            <p:ph idx="1"/>
+          </p:nvPr>
+        </p:nvSpPr>
+        <p:spPr/>
+        <p:txBody>
+          <a:bodyPr/>
+          <a:lstStyle/>
+          <a:p>
+            <a:endParaRPr lang="en-US"/>
+          </a:p>
+        </p:txBody>
+      </p:sp>
+      <p:sp>
+        <p:nvSpPr>
+          <p:cNvPr id="3" name="Title 2"/>
+          <p:cNvSpPr>
+            <a:spLocks noGrp="1"/>
+          </p:cNvSpPr>
+          <p:nvPr>
+            <p:ph type="title"/>
+          </p:nvPr>
+        </p:nvSpPr>
+        <p:spPr/>
+        <p:txBody>
+          <a:bodyPr/>
+          <a:lstStyle/>
+          <a:p>
+            <a:endParaRPr lang="en-US"/>
+          </a:p>
+        </p:txBody>
+      </p:sp>
+      <p:sp>
+        <p:nvSpPr>
+          <p:cNvPr id="4" name="Content Placeholder 3"/>
+          <p:cNvSpPr>
+            <a:spLocks noGrp="1"/>
+          </p:cNvSpPr>
+          <p:nvPr>
+            <p:ph sz="quarter" idx="10"/>
+          </p:nvPr>
+        </p:nvSpPr>
+        <p:spPr/>
+        <p:txBody>
+          <a:bodyPr/>
+          <a:lstStyle/>
+          <a:p>
+            <a:endParaRPr lang="en-US"/>
+          </a:p>
+        </p:txBody>
+      </p:sp>
+    </p:spTree>
   </p:cSld>
   <p:clrMapOvr>
     <a:masterClrMapping/>
@@ -7851,7 +10406,7 @@
         <a:effectLst/>
         <a:extLst>
           <a:ext uri="{AF507438-7753-43E0-B8FC-AC1667EBCBE1}">
-            <a14:hiddenEffects xmlns:a14="http://schemas.microsoft.com/office/drawing/2010/main" xmlns="">
+            <a14:hiddenEffects xmlns="" xmlns:a14="http://schemas.microsoft.com/office/drawing/2010/main">
               <a:effectLst>
                 <a:outerShdw dist="35921" dir="2700000" algn="ctr" rotWithShape="0">
                   <a:schemeClr val="bg2"/>
@@ -7925,7 +10480,7 @@
         <a:effectLst/>
         <a:extLst>
           <a:ext uri="{AF507438-7753-43E0-B8FC-AC1667EBCBE1}">
-            <a14:hiddenEffects xmlns:a14="http://schemas.microsoft.com/office/drawing/2010/main" xmlns="">
+            <a14:hiddenEffects xmlns="" xmlns:a14="http://schemas.microsoft.com/office/drawing/2010/main">
               <a:effectLst>
                 <a:outerShdw dist="35921" dir="2700000" algn="ctr" rotWithShape="0">
                   <a:schemeClr val="bg2"/>
@@ -8358,7 +10913,7 @@
   <a:extraClrSchemeLst/>
   <a:extLst>
     <a:ext uri="{05A4C25C-085E-4340-85A3-A5531E510DB2}">
-      <thm15:themeFamily xmlns:thm15="http://schemas.microsoft.com/office/thememl/2012/main" xmlns="" name="Office Theme" id="{62F939B6-93AF-4DB8-9C6B-D6C7DFDC589F}" vid="{4A3C46E8-61CC-4603-A589-7422A47A8E4A}"/>
+      <thm15:themeFamily xmlns="" xmlns:thm15="http://schemas.microsoft.com/office/thememl/2012/main" name="Office Theme" id="{62F939B6-93AF-4DB8-9C6B-D6C7DFDC589F}" vid="{4A3C46E8-61CC-4603-A589-7422A47A8E4A}"/>
     </a:ext>
   </a:extLst>
 </a:theme>
@@ -8935,6 +11490,23 @@
 </file>
 
 <file path=customXml/item1.xml><?xml version="1.0" encoding="utf-8"?>
+<?mso-contentType ?>
+<FormTemplates xmlns="http://schemas.microsoft.com/sharepoint/v3/contenttype/forms">
+  <Display>DocumentLibraryForm</Display>
+  <Edit>DocumentLibraryForm</Edit>
+  <New>DocumentLibraryForm</New>
+</FormTemplates>
+</file>
+
+<file path=customXml/item2.xml><?xml version="1.0" encoding="utf-8"?>
+<p:properties xmlns:p="http://schemas.microsoft.com/office/2006/metadata/properties" xmlns:xsi="http://www.w3.org/2001/XMLSchema-instance">
+  <documentManagement>
+    <Comments xmlns="71bf3f0a-df54-467d-89c2-87f8d534ba77" xsi:nil="true"/>
+  </documentManagement>
+</p:properties>
+</file>
+
+<file path=customXml/item3.xml><?xml version="1.0" encoding="utf-8"?>
 <ct:contentTypeSchema xmlns:ct="http://schemas.microsoft.com/office/2006/metadata/contentType" xmlns:ma="http://schemas.microsoft.com/office/2006/metadata/properties/metaAttributes" ct:_="" ma:_="" ma:contentTypeName="Document" ma:contentTypeID="0x01010070F8E8959049E8428369959651C7B244" ma:contentTypeVersion="1" ma:contentTypeDescription="Create a new document." ma:contentTypeScope="" ma:versionID="a3dfc01f428c3fcbfdafd221a376b9de">
   <xsd:schema xmlns:xsd="http://www.w3.org/2001/XMLSchema" xmlns:p="http://schemas.microsoft.com/office/2006/metadata/properties" xmlns:ns2="71bf3f0a-df54-467d-89c2-87f8d534ba77" targetNamespace="http://schemas.microsoft.com/office/2006/metadata/properties" ma:root="true" ma:fieldsID="96a372070048e73f7666a0524ec77300" ns2:_="">
     <xsd:import namespace="71bf3f0a-df54-467d-89c2-87f8d534ba77"/>
@@ -8994,36 +11566,10 @@
 </ct:contentTypeSchema>
 </file>
 
-<file path=customXml/item2.xml><?xml version="1.0" encoding="utf-8"?>
-<p:properties xmlns:p="http://schemas.microsoft.com/office/2006/metadata/properties" xmlns:xsi="http://www.w3.org/2001/XMLSchema-instance">
-  <documentManagement>
-    <Comments xmlns="71bf3f0a-df54-467d-89c2-87f8d534ba77" xsi:nil="true"/>
-  </documentManagement>
-</p:properties>
-</file>
-
-<file path=customXml/item3.xml><?xml version="1.0" encoding="utf-8"?>
-<?mso-contentType ?>
-<FormTemplates xmlns="http://schemas.microsoft.com/sharepoint/v3/contenttype/forms">
-  <Display>DocumentLibraryForm</Display>
-  <Edit>DocumentLibraryForm</Edit>
-  <New>DocumentLibraryForm</New>
-</FormTemplates>
-</file>
-
 <file path=customXml/itemProps1.xml><?xml version="1.0" encoding="utf-8"?>
-<ds:datastoreItem xmlns:ds="http://schemas.openxmlformats.org/officeDocument/2006/customXml" ds:itemID="{2C674307-C299-473D-A73D-C7DBA1A7BA16}">
+<ds:datastoreItem xmlns:ds="http://schemas.openxmlformats.org/officeDocument/2006/customXml" ds:itemID="{8ABB6DC8-0142-4676-96FE-F1693BA95046}">
   <ds:schemaRefs>
-    <ds:schemaRef ds:uri="http://schemas.microsoft.com/office/2006/metadata/contentType"/>
-    <ds:schemaRef ds:uri="http://schemas.microsoft.com/office/2006/metadata/properties/metaAttributes"/>
-    <ds:schemaRef ds:uri="http://www.w3.org/2001/XMLSchema"/>
-    <ds:schemaRef ds:uri="http://schemas.microsoft.com/office/2006/metadata/properties"/>
-    <ds:schemaRef ds:uri="71bf3f0a-df54-467d-89c2-87f8d534ba77"/>
-    <ds:schemaRef ds:uri="http://schemas.microsoft.com/office/2006/documentManagement/types"/>
-    <ds:schemaRef ds:uri="http://schemas.openxmlformats.org/package/2006/metadata/core-properties"/>
-    <ds:schemaRef ds:uri="http://purl.org/dc/elements/1.1/"/>
-    <ds:schemaRef ds:uri="http://purl.org/dc/terms/"/>
-    <ds:schemaRef ds:uri="http://schemas.microsoft.com/office/internal/2005/internalDocumentation"/>
+    <ds:schemaRef ds:uri="http://schemas.microsoft.com/sharepoint/v3/contenttype/forms"/>
   </ds:schemaRefs>
 </ds:datastoreItem>
 </file>
@@ -9044,9 +11590,18 @@
 </file>
 
 <file path=customXml/itemProps3.xml><?xml version="1.0" encoding="utf-8"?>
-<ds:datastoreItem xmlns:ds="http://schemas.openxmlformats.org/officeDocument/2006/customXml" ds:itemID="{8ABB6DC8-0142-4676-96FE-F1693BA95046}">
+<ds:datastoreItem xmlns:ds="http://schemas.openxmlformats.org/officeDocument/2006/customXml" ds:itemID="{2C674307-C299-473D-A73D-C7DBA1A7BA16}">
   <ds:schemaRefs>
-    <ds:schemaRef ds:uri="http://schemas.microsoft.com/sharepoint/v3/contenttype/forms"/>
+    <ds:schemaRef ds:uri="http://schemas.microsoft.com/office/2006/metadata/contentType"/>
+    <ds:schemaRef ds:uri="http://schemas.microsoft.com/office/2006/metadata/properties/metaAttributes"/>
+    <ds:schemaRef ds:uri="http://www.w3.org/2001/XMLSchema"/>
+    <ds:schemaRef ds:uri="http://schemas.microsoft.com/office/2006/metadata/properties"/>
+    <ds:schemaRef ds:uri="71bf3f0a-df54-467d-89c2-87f8d534ba77"/>
+    <ds:schemaRef ds:uri="http://schemas.microsoft.com/office/2006/documentManagement/types"/>
+    <ds:schemaRef ds:uri="http://schemas.openxmlformats.org/package/2006/metadata/core-properties"/>
+    <ds:schemaRef ds:uri="http://purl.org/dc/elements/1.1/"/>
+    <ds:schemaRef ds:uri="http://purl.org/dc/terms/"/>
+    <ds:schemaRef ds:uri="http://schemas.microsoft.com/office/internal/2005/internalDocumentation"/>
   </ds:schemaRefs>
 </ds:datastoreItem>
 </file>